--- a/Lectures/CITS5503Virtualisation.pptx
+++ b/Lectures/CITS5503Virtualisation.pptx
@@ -11,7 +11,7 @@
     <p:handoutMasterId r:id="rId20"/>
   </p:handoutMasterIdLst>
   <p:sldIdLst>
-    <p:sldId id="1325" r:id="rId2"/>
+    <p:sldId id="1344" r:id="rId2"/>
     <p:sldId id="1173" r:id="rId3"/>
     <p:sldId id="1326" r:id="rId4"/>
     <p:sldId id="1327" r:id="rId5"/>
@@ -2461,7 +2461,7 @@
             <a:fld id="{B61BEF0D-F0BB-DE4B-95CE-6DB70DBA9567}" type="datetimeFigureOut">
               <a:rPr lang="en-US" smtClean="0"/>
               <a:pPr/>
-              <a:t>3/13/18</a:t>
+              <a:t>4/9/18</a:t>
             </a:fld>
             <a:endParaRPr lang="en-US" dirty="0"/>
           </a:p>
@@ -2661,7 +2661,7 @@
             <a:fld id="{B61BEF0D-F0BB-DE4B-95CE-6DB70DBA9567}" type="datetimeFigureOut">
               <a:rPr lang="en-US" smtClean="0"/>
               <a:pPr/>
-              <a:t>3/13/18</a:t>
+              <a:t>4/9/18</a:t>
             </a:fld>
             <a:endParaRPr lang="en-US" dirty="0"/>
           </a:p>
@@ -2876,7 +2876,7 @@
             <a:fld id="{B61BEF0D-F0BB-DE4B-95CE-6DB70DBA9567}" type="datetimeFigureOut">
               <a:rPr lang="en-US" smtClean="0"/>
               <a:pPr/>
-              <a:t>3/13/18</a:t>
+              <a:t>4/9/18</a:t>
             </a:fld>
             <a:endParaRPr lang="en-US" dirty="0"/>
           </a:p>
@@ -3416,7 +3416,7 @@
             <a:fld id="{B61BEF0D-F0BB-DE4B-95CE-6DB70DBA9567}" type="datetimeFigureOut">
               <a:rPr lang="en-US" smtClean="0"/>
               <a:pPr/>
-              <a:t>3/13/18</a:t>
+              <a:t>4/9/18</a:t>
             </a:fld>
             <a:endParaRPr lang="en-US" dirty="0"/>
           </a:p>
@@ -3694,7 +3694,7 @@
             <a:fld id="{B61BEF0D-F0BB-DE4B-95CE-6DB70DBA9567}" type="datetimeFigureOut">
               <a:rPr lang="en-US" smtClean="0"/>
               <a:pPr/>
-              <a:t>3/13/18</a:t>
+              <a:t>4/9/18</a:t>
             </a:fld>
             <a:endParaRPr lang="en-US" dirty="0"/>
           </a:p>
@@ -3966,7 +3966,7 @@
             <a:fld id="{B61BEF0D-F0BB-DE4B-95CE-6DB70DBA9567}" type="datetimeFigureOut">
               <a:rPr lang="en-US" smtClean="0"/>
               <a:pPr/>
-              <a:t>3/13/18</a:t>
+              <a:t>4/9/18</a:t>
             </a:fld>
             <a:endParaRPr lang="en-US" dirty="0"/>
           </a:p>
@@ -4385,7 +4385,7 @@
             <a:fld id="{B61BEF0D-F0BB-DE4B-95CE-6DB70DBA9567}" type="datetimeFigureOut">
               <a:rPr lang="en-US" smtClean="0"/>
               <a:pPr/>
-              <a:t>3/13/18</a:t>
+              <a:t>4/9/18</a:t>
             </a:fld>
             <a:endParaRPr lang="en-US" dirty="0"/>
           </a:p>
@@ -4533,7 +4533,7 @@
             <a:fld id="{B61BEF0D-F0BB-DE4B-95CE-6DB70DBA9567}" type="datetimeFigureOut">
               <a:rPr lang="en-US" smtClean="0"/>
               <a:pPr/>
-              <a:t>3/13/18</a:t>
+              <a:t>4/9/18</a:t>
             </a:fld>
             <a:endParaRPr lang="en-US" dirty="0"/>
           </a:p>
@@ -4653,7 +4653,7 @@
             <a:fld id="{B61BEF0D-F0BB-DE4B-95CE-6DB70DBA9567}" type="datetimeFigureOut">
               <a:rPr lang="en-US" smtClean="0"/>
               <a:pPr/>
-              <a:t>3/13/18</a:t>
+              <a:t>4/9/18</a:t>
             </a:fld>
             <a:endParaRPr lang="en-US" dirty="0"/>
           </a:p>
@@ -4971,7 +4971,7 @@
             <a:fld id="{B61BEF0D-F0BB-DE4B-95CE-6DB70DBA9567}" type="datetimeFigureOut">
               <a:rPr lang="en-US" smtClean="0"/>
               <a:pPr/>
-              <a:t>3/13/18</a:t>
+              <a:t>4/9/18</a:t>
             </a:fld>
             <a:endParaRPr lang="en-US" dirty="0"/>
           </a:p>
@@ -5266,7 +5266,7 @@
             <a:fld id="{B61BEF0D-F0BB-DE4B-95CE-6DB70DBA9567}" type="datetimeFigureOut">
               <a:rPr lang="en-US" smtClean="0"/>
               <a:pPr/>
-              <a:t>3/13/18</a:t>
+              <a:t>4/9/18</a:t>
             </a:fld>
             <a:endParaRPr lang="en-US" dirty="0"/>
           </a:p>
@@ -5514,7 +5514,7 @@
             <a:fld id="{B61BEF0D-F0BB-DE4B-95CE-6DB70DBA9567}" type="datetimeFigureOut">
               <a:rPr lang="en-US" smtClean="0"/>
               <a:pPr/>
-              <a:t>3/13/18</a:t>
+              <a:t>4/9/18</a:t>
             </a:fld>
             <a:endParaRPr lang="en-US" dirty="0"/>
           </a:p>
@@ -5920,6 +5920,17 @@
 <file path=ppt/slides/slide1.xml><?xml version="1.0" encoding="utf-8"?>
 <p:sld xmlns:a="http://schemas.openxmlformats.org/drawingml/2006/main" xmlns:r="http://schemas.openxmlformats.org/officeDocument/2006/relationships" xmlns:p="http://schemas.openxmlformats.org/presentationml/2006/main">
   <p:cSld>
+    <p:bg>
+      <p:bgPr>
+        <a:solidFill>
+          <a:schemeClr val="bg1">
+            <a:tint val="95000"/>
+            <a:satMod val="170000"/>
+          </a:schemeClr>
+        </a:solidFill>
+        <a:effectLst/>
+      </p:bgPr>
+    </p:bg>
     <p:spTree>
       <p:nvGrpSpPr>
         <p:cNvPr id="1" name=""/>
@@ -5934,261 +5945,378 @@
           <a:chExt cx="0" cy="0"/>
         </a:xfrm>
       </p:grpSpPr>
-      <p:pic>
-        <p:nvPicPr>
-          <p:cNvPr id="2" name="Picture 1"/>
-          <p:cNvPicPr>
-            <a:picLocks noChangeAspect="1"/>
-          </p:cNvPicPr>
-          <p:nvPr/>
-        </p:nvPicPr>
-        <p:blipFill rotWithShape="1">
-          <a:blip r:embed="rId2">
-            <a:alphaModFix amt="66000"/>
+      <p:grpSp>
+        <p:nvGrpSpPr>
+          <p:cNvPr id="10" name="Group 9" title="intersecting circles">
             <a:extLst>
-              <a:ext uri="{BEBA8EAE-BF5A-486C-A8C5-ECC9F3942E4B}">
-                <a14:imgProps xmlns:a14="http://schemas.microsoft.com/office/drawing/2010/main">
-                  <a14:imgLayer r:embed="rId3">
-                    <a14:imgEffect>
-                      <a14:brightnessContrast bright="-37000" contrast="-22000"/>
-                    </a14:imgEffect>
-                  </a14:imgLayer>
-                </a14:imgProps>
+              <a:ext uri="{FF2B5EF4-FFF2-40B4-BE49-F238E27FC236}">
+                <a16:creationId xmlns:a16="http://schemas.microsoft.com/office/drawing/2014/main" id="{D2C4BFA1-2075-4901-9E24-E41D1FDD51FD}"/>
               </a:ext>
             </a:extLst>
-          </a:blip>
-          <a:srcRect l="25052" r="2" b="2"/>
-          <a:stretch/>
-        </p:blipFill>
+          </p:cNvPr>
+          <p:cNvGrpSpPr>
+            <a:grpSpLocks noGrp="1" noUngrp="1" noRot="1" noChangeAspect="1" noMove="1" noResize="1"/>
+          </p:cNvGrpSpPr>
+          <p:nvPr>
+            <p:extLst>
+              <p:ext uri="{386F3935-93C4-4BCD-93E2-E3B085C9AB24}">
+                <p16:designElem xmlns:p16="http://schemas.microsoft.com/office/powerpoint/2015/main" val="1"/>
+              </p:ext>
+            </p:extLst>
+          </p:nvPr>
+        </p:nvGrpSpPr>
+        <p:grpSpPr>
+          <a:xfrm>
+            <a:off x="1155481" y="498348"/>
+            <a:ext cx="9902663" cy="5861304"/>
+            <a:chOff x="1155481" y="498348"/>
+            <a:chExt cx="9902663" cy="5861304"/>
+          </a:xfrm>
+        </p:grpSpPr>
+        <p:sp>
+          <p:nvSpPr>
+            <p:cNvPr id="11" name="Oval 5">
+              <a:extLst>
+                <a:ext uri="{FF2B5EF4-FFF2-40B4-BE49-F238E27FC236}">
+                  <a16:creationId xmlns:a16="http://schemas.microsoft.com/office/drawing/2014/main" id="{985A7375-E3AF-4F5C-85AE-17E8832952CA}"/>
+                </a:ext>
+              </a:extLst>
+            </p:cNvPr>
+            <p:cNvSpPr>
+              <a:spLocks noChangeArrowheads="1"/>
+            </p:cNvSpPr>
+            <p:nvPr>
+              <p:extLst>
+                <p:ext uri="{386F3935-93C4-4BCD-93E2-E3B085C9AB24}">
+                  <p16:designElem xmlns:p16="http://schemas.microsoft.com/office/powerpoint/2015/main" val="1"/>
+                </p:ext>
+              </p:extLst>
+            </p:nvPr>
+          </p:nvSpPr>
+          <p:spPr bwMode="auto">
+            <a:xfrm>
+              <a:off x="1155481" y="498348"/>
+              <a:ext cx="5861304" cy="5861304"/>
+            </a:xfrm>
+            <a:prstGeom prst="ellipse">
+              <a:avLst/>
+            </a:prstGeom>
+            <a:solidFill>
+              <a:schemeClr val="accent1">
+                <a:alpha val="55000"/>
+              </a:schemeClr>
+            </a:solidFill>
+            <a:ln>
+              <a:noFill/>
+            </a:ln>
+          </p:spPr>
+        </p:sp>
+        <p:sp>
+          <p:nvSpPr>
+            <p:cNvPr id="12" name="Oval 11">
+              <a:extLst>
+                <a:ext uri="{FF2B5EF4-FFF2-40B4-BE49-F238E27FC236}">
+                  <a16:creationId xmlns:a16="http://schemas.microsoft.com/office/drawing/2014/main" id="{F0307F65-8304-4FA8-A841-D4D7625411BE}"/>
+                </a:ext>
+              </a:extLst>
+            </p:cNvPr>
+            <p:cNvSpPr>
+              <a:spLocks noChangeArrowheads="1"/>
+            </p:cNvSpPr>
+            <p:nvPr>
+              <p:extLst>
+                <p:ext uri="{386F3935-93C4-4BCD-93E2-E3B085C9AB24}">
+                  <p16:designElem xmlns:p16="http://schemas.microsoft.com/office/powerpoint/2015/main" val="1"/>
+                </p:ext>
+              </p:extLst>
+            </p:nvPr>
+          </p:nvSpPr>
+          <p:spPr bwMode="auto">
+            <a:xfrm>
+              <a:off x="5196840" y="498348"/>
+              <a:ext cx="5861304" cy="5861304"/>
+            </a:xfrm>
+            <a:prstGeom prst="ellipse">
+              <a:avLst/>
+            </a:prstGeom>
+            <a:solidFill>
+              <a:schemeClr val="accent1">
+                <a:alpha val="55000"/>
+              </a:schemeClr>
+            </a:solidFill>
+            <a:ln>
+              <a:noFill/>
+            </a:ln>
+          </p:spPr>
+        </p:sp>
+        <p:sp>
+          <p:nvSpPr>
+            <p:cNvPr id="13" name="Oval 5">
+              <a:extLst>
+                <a:ext uri="{FF2B5EF4-FFF2-40B4-BE49-F238E27FC236}">
+                  <a16:creationId xmlns:a16="http://schemas.microsoft.com/office/drawing/2014/main" id="{C8B8394C-136F-4E05-A002-D93A5E79CD50}"/>
+                </a:ext>
+              </a:extLst>
+            </p:cNvPr>
+            <p:cNvSpPr>
+              <a:spLocks noChangeArrowheads="1"/>
+            </p:cNvSpPr>
+            <p:nvPr>
+              <p:extLst>
+                <p:ext uri="{386F3935-93C4-4BCD-93E2-E3B085C9AB24}">
+                  <p16:designElem xmlns:p16="http://schemas.microsoft.com/office/powerpoint/2015/main" val="1"/>
+                </p:ext>
+              </p:extLst>
+            </p:nvPr>
+          </p:nvSpPr>
+          <p:spPr bwMode="auto">
+            <a:xfrm>
+              <a:off x="3165348" y="498348"/>
+              <a:ext cx="5861304" cy="5861304"/>
+            </a:xfrm>
+            <a:prstGeom prst="ellipse">
+              <a:avLst/>
+            </a:prstGeom>
+            <a:solidFill>
+              <a:schemeClr val="accent1">
+                <a:alpha val="70000"/>
+              </a:schemeClr>
+            </a:solidFill>
+            <a:ln>
+              <a:noFill/>
+            </a:ln>
+          </p:spPr>
+        </p:sp>
+      </p:grpSp>
+      <p:sp>
+        <p:nvSpPr>
+          <p:cNvPr id="15" name="Rectangle 14" title="ribbon">
+            <a:extLst>
+              <a:ext uri="{FF2B5EF4-FFF2-40B4-BE49-F238E27FC236}">
+                <a16:creationId xmlns:a16="http://schemas.microsoft.com/office/drawing/2014/main" id="{053FB2EE-284F-4C87-AB3D-BBF87A9FAB97}"/>
+              </a:ext>
+            </a:extLst>
+          </p:cNvPr>
+          <p:cNvSpPr>
+            <a:spLocks noGrp="1" noRot="1" noChangeAspect="1" noMove="1" noResize="1" noEditPoints="1" noAdjustHandles="1" noChangeArrowheads="1" noChangeShapeType="1" noTextEdit="1"/>
+          </p:cNvSpPr>
+          <p:nvPr>
+            <p:extLst>
+              <p:ext uri="{386F3935-93C4-4BCD-93E2-E3B085C9AB24}">
+                <p16:designElem xmlns:p16="http://schemas.microsoft.com/office/powerpoint/2015/main" val="1"/>
+              </p:ext>
+            </p:extLst>
+          </p:nvPr>
+        </p:nvSpPr>
         <p:spPr>
           <a:xfrm>
-            <a:off x="1524020" y="10"/>
-            <a:ext cx="9143980" cy="6857990"/>
+            <a:off x="0" y="2514600"/>
+            <a:ext cx="12192000" cy="1828800"/>
           </a:xfrm>
           <a:prstGeom prst="rect">
             <a:avLst/>
           </a:prstGeom>
-        </p:spPr>
-      </p:pic>
-      <p:sp>
-        <p:nvSpPr>
-          <p:cNvPr id="6" name="Title 5"/>
-          <p:cNvSpPr>
-            <a:spLocks noGrp="1"/>
-          </p:cNvSpPr>
-          <p:nvPr>
-            <p:ph type="ctrTitle"/>
-          </p:nvPr>
-        </p:nvSpPr>
-        <p:spPr>
-          <a:xfrm>
-            <a:off x="4814512" y="1200152"/>
-            <a:ext cx="5172879" cy="4457696"/>
-          </a:xfrm>
-        </p:spPr>
-        <p:txBody>
-          <a:bodyPr anchor="ctr">
-            <a:normAutofit/>
-          </a:bodyPr>
-          <a:lstStyle/>
-          <a:p>
-            <a:pPr algn="l"/>
-            <a:r>
-              <a:rPr lang="en-US" sz="7000" dirty="0">
-                <a:solidFill>
-                  <a:srgbClr val="FFFFFF"/>
-                </a:solidFill>
-              </a:rPr>
-              <a:t>Lecture 4</a:t>
-            </a:r>
-          </a:p>
-        </p:txBody>
-      </p:sp>
-      <p:sp>
-        <p:nvSpPr>
-          <p:cNvPr id="7" name="Subtitle 6"/>
-          <p:cNvSpPr>
-            <a:spLocks noGrp="1"/>
-          </p:cNvSpPr>
-          <p:nvPr>
-            <p:ph type="subTitle" idx="1"/>
-          </p:nvPr>
-        </p:nvSpPr>
-        <p:spPr>
-          <a:xfrm>
-            <a:off x="2161473" y="1200152"/>
-            <a:ext cx="2112401" cy="4457696"/>
-          </a:xfrm>
-        </p:spPr>
-        <p:txBody>
-          <a:bodyPr anchor="ctr">
-            <a:normAutofit/>
-          </a:bodyPr>
-          <a:lstStyle/>
-          <a:p>
-            <a:pPr algn="r"/>
-            <a:r>
-              <a:rPr lang="en-US" dirty="0">
-                <a:solidFill>
-                  <a:srgbClr val="FFFFFF"/>
-                </a:solidFill>
-              </a:rPr>
-              <a:t>CITS5503 Cloud Computing</a:t>
-            </a:r>
-          </a:p>
-          <a:p>
-            <a:pPr algn="r"/>
-            <a:r>
-              <a:rPr lang="en-US" dirty="0" err="1">
-                <a:solidFill>
-                  <a:srgbClr val="FFFFFF"/>
-                </a:solidFill>
-              </a:rPr>
-              <a:t>Dr</a:t>
-            </a:r>
-            <a:r>
-              <a:rPr lang="en-US" dirty="0">
-                <a:solidFill>
-                  <a:srgbClr val="FFFFFF"/>
-                </a:solidFill>
-              </a:rPr>
-              <a:t> David Glance</a:t>
-            </a:r>
-          </a:p>
-        </p:txBody>
-      </p:sp>
-      <p:sp>
-        <p:nvSpPr>
-          <p:cNvPr id="4" name="Footer Placeholder 3"/>
-          <p:cNvSpPr>
-            <a:spLocks noGrp="1"/>
-          </p:cNvSpPr>
-          <p:nvPr>
-            <p:ph type="ftr" sz="quarter" idx="11"/>
-          </p:nvPr>
-        </p:nvSpPr>
-        <p:spPr>
-          <a:xfrm>
-            <a:off x="5014721" y="6356351"/>
-            <a:ext cx="4236219" cy="365125"/>
-          </a:xfrm>
-          <a:prstGeom prst="rect">
-            <a:avLst/>
-          </a:prstGeom>
-        </p:spPr>
-        <p:txBody>
-          <a:bodyPr>
-            <a:normAutofit fontScale="92500"/>
-          </a:bodyPr>
-          <a:lstStyle/>
-          <a:p>
-            <a:pPr algn="l"/>
-            <a:r>
-              <a:rPr lang="de-DE" dirty="0" err="1">
-                <a:solidFill>
-                  <a:srgbClr val="FFFFFF"/>
-                </a:solidFill>
-              </a:rPr>
-              <a:t>Based</a:t>
-            </a:r>
-            <a:r>
-              <a:rPr lang="de-DE" dirty="0">
-                <a:solidFill>
-                  <a:srgbClr val="FFFFFF"/>
-                </a:solidFill>
-              </a:rPr>
-              <a:t> on University </a:t>
-            </a:r>
-            <a:r>
-              <a:rPr lang="de-DE" dirty="0" err="1">
-                <a:solidFill>
-                  <a:srgbClr val="FFFFFF"/>
-                </a:solidFill>
-              </a:rPr>
-              <a:t>of</a:t>
-            </a:r>
-            <a:r>
-              <a:rPr lang="de-DE" dirty="0">
-                <a:solidFill>
-                  <a:srgbClr val="FFFFFF"/>
-                </a:solidFill>
-              </a:rPr>
-              <a:t> Pennsylvania NETS212 </a:t>
-            </a:r>
-            <a:r>
-              <a:rPr lang="de-DE" dirty="0" err="1">
-                <a:solidFill>
-                  <a:srgbClr val="FFFFFF"/>
-                </a:solidFill>
-              </a:rPr>
-              <a:t>Haeberlen</a:t>
-            </a:r>
-            <a:r>
-              <a:rPr lang="de-DE" dirty="0">
-                <a:solidFill>
-                  <a:srgbClr val="FFFFFF"/>
-                </a:solidFill>
-              </a:rPr>
-              <a:t>, Z. Ives</a:t>
-            </a:r>
-            <a:endParaRPr lang="en-GB" dirty="0">
-              <a:solidFill>
-                <a:srgbClr val="FFFFFF"/>
-              </a:solidFill>
-            </a:endParaRPr>
-          </a:p>
-        </p:txBody>
-      </p:sp>
-      <p:cxnSp>
-        <p:nvCxnSpPr>
-          <p:cNvPr id="5" name="Straight Connector 4">
-            <a:extLst>
-              <a:ext uri="{FF2B5EF4-FFF2-40B4-BE49-F238E27FC236}">
-                <a16:creationId xmlns:a16="http://schemas.microsoft.com/office/drawing/2014/main" id="{CD3F56E3-8912-C249-BF8B-D1F5A43D2372}"/>
-              </a:ext>
-            </a:extLst>
-          </p:cNvPr>
-          <p:cNvCxnSpPr/>
-          <p:nvPr/>
-        </p:nvCxnSpPr>
-        <p:spPr>
-          <a:xfrm>
-            <a:off x="4504765" y="2474259"/>
-            <a:ext cx="0" cy="1909482"/>
-          </a:xfrm>
-          <a:prstGeom prst="line">
-            <a:avLst/>
-          </a:prstGeom>
-          <a:ln w="25400">
-            <a:solidFill>
-              <a:schemeClr val="bg1"/>
-            </a:solidFill>
+          <a:solidFill>
+            <a:schemeClr val="tx2"/>
+          </a:solidFill>
+          <a:ln>
+            <a:noFill/>
           </a:ln>
         </p:spPr>
         <p:style>
-          <a:lnRef idx="1">
-            <a:schemeClr val="accent1"/>
+          <a:lnRef idx="2">
+            <a:schemeClr val="accent1">
+              <a:shade val="50000"/>
+            </a:schemeClr>
           </a:lnRef>
-          <a:fillRef idx="0">
+          <a:fillRef idx="1">
             <a:schemeClr val="accent1"/>
           </a:fillRef>
           <a:effectRef idx="0">
             <a:schemeClr val="accent1"/>
           </a:effectRef>
           <a:fontRef idx="minor">
-            <a:schemeClr val="tx1"/>
+            <a:schemeClr val="lt1"/>
           </a:fontRef>
         </p:style>
-      </p:cxnSp>
+      </p:sp>
+      <p:sp>
+        <p:nvSpPr>
+          <p:cNvPr id="2" name="Title 1">
+            <a:extLst>
+              <a:ext uri="{FF2B5EF4-FFF2-40B4-BE49-F238E27FC236}">
+                <a16:creationId xmlns:a16="http://schemas.microsoft.com/office/drawing/2014/main" id="{1C0812FA-7938-534A-A788-A42161393A5D}"/>
+              </a:ext>
+            </a:extLst>
+          </p:cNvPr>
+          <p:cNvSpPr>
+            <a:spLocks noGrp="1"/>
+          </p:cNvSpPr>
+          <p:nvPr>
+            <p:ph type="ctrTitle"/>
+          </p:nvPr>
+        </p:nvSpPr>
+        <p:spPr>
+          <a:xfrm>
+            <a:off x="1524000" y="2776538"/>
+            <a:ext cx="9144000" cy="1381188"/>
+          </a:xfrm>
+        </p:spPr>
+        <p:txBody>
+          <a:bodyPr anchor="ctr">
+            <a:normAutofit/>
+          </a:bodyPr>
+          <a:lstStyle/>
+          <a:p>
+            <a:r>
+              <a:rPr lang="en-US" sz="4000" dirty="0" err="1">
+                <a:solidFill>
+                  <a:schemeClr val="bg2"/>
+                </a:solidFill>
+              </a:rPr>
+              <a:t>Virtualisation</a:t>
+            </a:r>
+            <a:endParaRPr lang="en-US" sz="4000" dirty="0">
+              <a:solidFill>
+                <a:schemeClr val="bg2"/>
+              </a:solidFill>
+            </a:endParaRPr>
+          </a:p>
+        </p:txBody>
+      </p:sp>
+      <p:sp>
+        <p:nvSpPr>
+          <p:cNvPr id="3" name="Subtitle 2">
+            <a:extLst>
+              <a:ext uri="{FF2B5EF4-FFF2-40B4-BE49-F238E27FC236}">
+                <a16:creationId xmlns:a16="http://schemas.microsoft.com/office/drawing/2014/main" id="{BC497D37-585A-944D-9149-54D6FAD95F8F}"/>
+              </a:ext>
+            </a:extLst>
+          </p:cNvPr>
+          <p:cNvSpPr>
+            <a:spLocks noGrp="1"/>
+          </p:cNvSpPr>
+          <p:nvPr>
+            <p:ph type="subTitle" idx="1"/>
+          </p:nvPr>
+        </p:nvSpPr>
+        <p:spPr>
+          <a:xfrm>
+            <a:off x="1524000" y="4495800"/>
+            <a:ext cx="9144000" cy="762000"/>
+          </a:xfrm>
+        </p:spPr>
+        <p:txBody>
+          <a:bodyPr>
+            <a:normAutofit/>
+          </a:bodyPr>
+          <a:lstStyle/>
+          <a:p>
+            <a:r>
+              <a:rPr lang="en-US" sz="1800" dirty="0"/>
+              <a:t>CITS5503 </a:t>
+            </a:r>
+            <a:r>
+              <a:rPr lang="en-US" sz="1800" dirty="0" err="1"/>
+              <a:t>Dr</a:t>
+            </a:r>
+            <a:r>
+              <a:rPr lang="en-US" sz="1800" dirty="0"/>
+              <a:t> David Glance</a:t>
+            </a:r>
+          </a:p>
+        </p:txBody>
+      </p:sp>
+      <p:sp>
+        <p:nvSpPr>
+          <p:cNvPr id="4" name="Footer Placeholder 3">
+            <a:extLst>
+              <a:ext uri="{FF2B5EF4-FFF2-40B4-BE49-F238E27FC236}">
+                <a16:creationId xmlns:a16="http://schemas.microsoft.com/office/drawing/2014/main" id="{6FA85B08-3FCD-6645-9469-462F8FC6912C}"/>
+              </a:ext>
+            </a:extLst>
+          </p:cNvPr>
+          <p:cNvSpPr>
+            <a:spLocks noGrp="1"/>
+          </p:cNvSpPr>
+          <p:nvPr>
+            <p:ph type="ftr" sz="quarter" idx="11"/>
+          </p:nvPr>
+        </p:nvSpPr>
+        <p:spPr>
+          <a:xfrm>
+            <a:off x="4038600" y="6356350"/>
+            <a:ext cx="4114800" cy="365125"/>
+          </a:xfrm>
+        </p:spPr>
+        <p:txBody>
+          <a:bodyPr>
+            <a:normAutofit/>
+          </a:bodyPr>
+          <a:lstStyle/>
+          <a:p>
+            <a:endParaRPr lang="en-GB">
+              <a:solidFill>
+                <a:schemeClr val="tx1"/>
+              </a:solidFill>
+            </a:endParaRPr>
+          </a:p>
+        </p:txBody>
+      </p:sp>
+      <p:sp>
+        <p:nvSpPr>
+          <p:cNvPr id="5" name="Slide Number Placeholder 4">
+            <a:extLst>
+              <a:ext uri="{FF2B5EF4-FFF2-40B4-BE49-F238E27FC236}">
+                <a16:creationId xmlns:a16="http://schemas.microsoft.com/office/drawing/2014/main" id="{C7B8E6CC-41E4-E24D-871D-6D9D509F959F}"/>
+              </a:ext>
+            </a:extLst>
+          </p:cNvPr>
+          <p:cNvSpPr>
+            <a:spLocks noGrp="1"/>
+          </p:cNvSpPr>
+          <p:nvPr>
+            <p:ph type="sldNum" sz="quarter" idx="12"/>
+          </p:nvPr>
+        </p:nvSpPr>
+        <p:spPr>
+          <a:xfrm>
+            <a:off x="8610600" y="6356350"/>
+            <a:ext cx="2743200" cy="365125"/>
+          </a:xfrm>
+        </p:spPr>
+        <p:txBody>
+          <a:bodyPr>
+            <a:normAutofit/>
+          </a:bodyPr>
+          <a:lstStyle/>
+          <a:p>
+            <a:fld id="{05072F42-4DFA-4725-86F9-7594E4AB4EB5}" type="slidenum">
+              <a:rPr lang="en-GB">
+                <a:solidFill>
+                  <a:schemeClr val="tx1"/>
+                </a:solidFill>
+              </a:rPr>
+              <a:pPr/>
+              <a:t>2</a:t>
+            </a:fld>
+            <a:endParaRPr lang="en-GB">
+              <a:solidFill>
+                <a:schemeClr val="tx1"/>
+              </a:solidFill>
+            </a:endParaRPr>
+          </a:p>
+        </p:txBody>
+      </p:sp>
     </p:spTree>
     <p:extLst>
       <p:ext uri="{BB962C8B-B14F-4D97-AF65-F5344CB8AC3E}">
-        <p14:creationId xmlns:p14="http://schemas.microsoft.com/office/powerpoint/2010/main" val="3649459556"/>
+        <p14:creationId xmlns:p14="http://schemas.microsoft.com/office/powerpoint/2010/main" val="4244864056"/>
       </p:ext>
     </p:extLst>
   </p:cSld>
   <p:clrMapOvr>
-    <a:masterClrMapping/>
+    <a:overrideClrMapping bg1="dk1" tx1="lt1" bg2="dk2" tx2="lt2" accent1="accent1" accent2="accent2" accent3="accent3" accent4="accent4" accent5="accent5" accent6="accent6" hlink="hlink" folHlink="folHlink"/>
   </p:clrMapOvr>
 </p:sld>
 </file>

--- a/Lectures/CITS5503Virtualisation.pptx
+++ b/Lectures/CITS5503Virtualisation.pptx
@@ -5,29 +5,49 @@
     <p:sldMasterId id="2147483694" r:id="rId1"/>
   </p:sldMasterIdLst>
   <p:notesMasterIdLst>
-    <p:notesMasterId r:id="rId19"/>
+    <p:notesMasterId r:id="rId39"/>
   </p:notesMasterIdLst>
   <p:handoutMasterIdLst>
-    <p:handoutMasterId r:id="rId20"/>
+    <p:handoutMasterId r:id="rId40"/>
   </p:handoutMasterIdLst>
   <p:sldIdLst>
     <p:sldId id="1344" r:id="rId2"/>
-    <p:sldId id="1173" r:id="rId3"/>
-    <p:sldId id="1326" r:id="rId4"/>
-    <p:sldId id="1327" r:id="rId5"/>
-    <p:sldId id="1329" r:id="rId6"/>
-    <p:sldId id="1331" r:id="rId7"/>
-    <p:sldId id="1340" r:id="rId8"/>
-    <p:sldId id="1341" r:id="rId9"/>
-    <p:sldId id="1332" r:id="rId10"/>
-    <p:sldId id="1333" r:id="rId11"/>
-    <p:sldId id="1334" r:id="rId12"/>
-    <p:sldId id="1335" r:id="rId13"/>
-    <p:sldId id="1336" r:id="rId14"/>
-    <p:sldId id="1337" r:id="rId15"/>
-    <p:sldId id="1339" r:id="rId16"/>
-    <p:sldId id="1342" r:id="rId17"/>
-    <p:sldId id="1343" r:id="rId18"/>
+    <p:sldId id="1364" r:id="rId3"/>
+    <p:sldId id="1173" r:id="rId4"/>
+    <p:sldId id="1326" r:id="rId5"/>
+    <p:sldId id="1327" r:id="rId6"/>
+    <p:sldId id="1329" r:id="rId7"/>
+    <p:sldId id="1331" r:id="rId8"/>
+    <p:sldId id="1340" r:id="rId9"/>
+    <p:sldId id="1341" r:id="rId10"/>
+    <p:sldId id="1332" r:id="rId11"/>
+    <p:sldId id="1333" r:id="rId12"/>
+    <p:sldId id="1334" r:id="rId13"/>
+    <p:sldId id="1335" r:id="rId14"/>
+    <p:sldId id="1345" r:id="rId15"/>
+    <p:sldId id="1336" r:id="rId16"/>
+    <p:sldId id="1337" r:id="rId17"/>
+    <p:sldId id="1346" r:id="rId18"/>
+    <p:sldId id="1347" r:id="rId19"/>
+    <p:sldId id="1339" r:id="rId20"/>
+    <p:sldId id="1342" r:id="rId21"/>
+    <p:sldId id="1349" r:id="rId22"/>
+    <p:sldId id="1365" r:id="rId23"/>
+    <p:sldId id="1348" r:id="rId24"/>
+    <p:sldId id="1350" r:id="rId25"/>
+    <p:sldId id="1351" r:id="rId26"/>
+    <p:sldId id="1352" r:id="rId27"/>
+    <p:sldId id="1353" r:id="rId28"/>
+    <p:sldId id="1354" r:id="rId29"/>
+    <p:sldId id="1355" r:id="rId30"/>
+    <p:sldId id="1356" r:id="rId31"/>
+    <p:sldId id="1357" r:id="rId32"/>
+    <p:sldId id="1358" r:id="rId33"/>
+    <p:sldId id="1359" r:id="rId34"/>
+    <p:sldId id="1360" r:id="rId35"/>
+    <p:sldId id="1361" r:id="rId36"/>
+    <p:sldId id="1362" r:id="rId37"/>
+    <p:sldId id="1363" r:id="rId38"/>
   </p:sldIdLst>
   <p:sldSz cx="12192000" cy="6858000"/>
   <p:notesSz cx="9601200" cy="7315200"/>
@@ -1006,7 +1026,7 @@
             <a:fld id="{D37F8DB4-A4FF-4A8B-9A85-9B1874A58FCC}" type="slidenum">
               <a:rPr lang="en-US" smtClean="0"/>
               <a:pPr/>
-              <a:t>2</a:t>
+              <a:t>3</a:t>
             </a:fld>
             <a:endParaRPr lang="en-US"/>
           </a:p>
@@ -1098,7 +1118,7 @@
             <a:fld id="{D37F8DB4-A4FF-4A8B-9A85-9B1874A58FCC}" type="slidenum">
               <a:rPr lang="en-US" smtClean="0"/>
               <a:pPr/>
-              <a:t>11</a:t>
+              <a:t>12</a:t>
             </a:fld>
             <a:endParaRPr lang="en-US"/>
           </a:p>
@@ -1190,7 +1210,7 @@
             <a:fld id="{D37F8DB4-A4FF-4A8B-9A85-9B1874A58FCC}" type="slidenum">
               <a:rPr lang="en-US" smtClean="0"/>
               <a:pPr/>
-              <a:t>12</a:t>
+              <a:t>13</a:t>
             </a:fld>
             <a:endParaRPr lang="en-US"/>
           </a:p>
@@ -1260,7 +1280,7 @@
           </a:bodyPr>
           <a:lstStyle/>
           <a:p>
-            <a:endParaRPr lang="en-US"/>
+            <a:endParaRPr lang="en-US" dirty="0"/>
           </a:p>
         </p:txBody>
       </p:sp>
@@ -1282,7 +1302,7 @@
             <a:fld id="{D37F8DB4-A4FF-4A8B-9A85-9B1874A58FCC}" type="slidenum">
               <a:rPr lang="en-US" smtClean="0"/>
               <a:pPr/>
-              <a:t>13</a:t>
+              <a:t>14</a:t>
             </a:fld>
             <a:endParaRPr lang="en-US"/>
           </a:p>
@@ -1291,7 +1311,7 @@
     </p:spTree>
     <p:extLst>
       <p:ext uri="{BB962C8B-B14F-4D97-AF65-F5344CB8AC3E}">
-        <p14:creationId xmlns:p14="http://schemas.microsoft.com/office/powerpoint/2010/main" val="2463948650"/>
+        <p14:creationId xmlns:p14="http://schemas.microsoft.com/office/powerpoint/2010/main" val="875844394"/>
       </p:ext>
     </p:extLst>
   </p:cSld>
@@ -1374,7 +1394,7 @@
             <a:fld id="{D37F8DB4-A4FF-4A8B-9A85-9B1874A58FCC}" type="slidenum">
               <a:rPr lang="en-US" smtClean="0"/>
               <a:pPr/>
-              <a:t>14</a:t>
+              <a:t>15</a:t>
             </a:fld>
             <a:endParaRPr lang="en-US"/>
           </a:p>
@@ -1383,7 +1403,7 @@
     </p:spTree>
     <p:extLst>
       <p:ext uri="{BB962C8B-B14F-4D97-AF65-F5344CB8AC3E}">
-        <p14:creationId xmlns:p14="http://schemas.microsoft.com/office/powerpoint/2010/main" val="299523435"/>
+        <p14:creationId xmlns:p14="http://schemas.microsoft.com/office/powerpoint/2010/main" val="2463948650"/>
       </p:ext>
     </p:extLst>
   </p:cSld>
@@ -1466,7 +1486,7 @@
             <a:fld id="{D37F8DB4-A4FF-4A8B-9A85-9B1874A58FCC}" type="slidenum">
               <a:rPr lang="en-US" smtClean="0"/>
               <a:pPr/>
-              <a:t>15</a:t>
+              <a:t>16</a:t>
             </a:fld>
             <a:endParaRPr lang="en-US"/>
           </a:p>
@@ -1475,7 +1495,7 @@
     </p:spTree>
     <p:extLst>
       <p:ext uri="{BB962C8B-B14F-4D97-AF65-F5344CB8AC3E}">
-        <p14:creationId xmlns:p14="http://schemas.microsoft.com/office/powerpoint/2010/main" val="3141064327"/>
+        <p14:creationId xmlns:p14="http://schemas.microsoft.com/office/powerpoint/2010/main" val="299523435"/>
       </p:ext>
     </p:extLst>
   </p:cSld>
@@ -1558,7 +1578,283 @@
             <a:fld id="{D37F8DB4-A4FF-4A8B-9A85-9B1874A58FCC}" type="slidenum">
               <a:rPr lang="en-US" smtClean="0"/>
               <a:pPr/>
-              <a:t>16</a:t>
+              <a:t>17</a:t>
+            </a:fld>
+            <a:endParaRPr lang="en-US"/>
+          </a:p>
+        </p:txBody>
+      </p:sp>
+    </p:spTree>
+    <p:extLst>
+      <p:ext uri="{BB962C8B-B14F-4D97-AF65-F5344CB8AC3E}">
+        <p14:creationId xmlns:p14="http://schemas.microsoft.com/office/powerpoint/2010/main" val="3677729314"/>
+      </p:ext>
+    </p:extLst>
+  </p:cSld>
+  <p:clrMapOvr>
+    <a:masterClrMapping/>
+  </p:clrMapOvr>
+</p:notes>
+</file>
+
+<file path=ppt/notesSlides/notesSlide16.xml><?xml version="1.0" encoding="utf-8"?>
+<p:notes xmlns:a="http://schemas.openxmlformats.org/drawingml/2006/main" xmlns:r="http://schemas.openxmlformats.org/officeDocument/2006/relationships" xmlns:p="http://schemas.openxmlformats.org/presentationml/2006/main">
+  <p:cSld>
+    <p:spTree>
+      <p:nvGrpSpPr>
+        <p:cNvPr id="1" name=""/>
+        <p:cNvGrpSpPr/>
+        <p:nvPr/>
+      </p:nvGrpSpPr>
+      <p:grpSpPr>
+        <a:xfrm>
+          <a:off x="0" y="0"/>
+          <a:ext cx="0" cy="0"/>
+          <a:chOff x="0" y="0"/>
+          <a:chExt cx="0" cy="0"/>
+        </a:xfrm>
+      </p:grpSpPr>
+      <p:sp>
+        <p:nvSpPr>
+          <p:cNvPr id="2" name="Slide Image Placeholder 1"/>
+          <p:cNvSpPr>
+            <a:spLocks noGrp="1" noRot="1" noChangeAspect="1"/>
+          </p:cNvSpPr>
+          <p:nvPr>
+            <p:ph type="sldImg"/>
+          </p:nvPr>
+        </p:nvSpPr>
+        <p:spPr>
+          <a:xfrm>
+            <a:off x="2362200" y="549275"/>
+            <a:ext cx="4876800" cy="2743200"/>
+          </a:xfrm>
+        </p:spPr>
+      </p:sp>
+      <p:sp>
+        <p:nvSpPr>
+          <p:cNvPr id="3" name="Notes Placeholder 2"/>
+          <p:cNvSpPr>
+            <a:spLocks noGrp="1"/>
+          </p:cNvSpPr>
+          <p:nvPr>
+            <p:ph type="body" idx="1"/>
+          </p:nvPr>
+        </p:nvSpPr>
+        <p:spPr/>
+        <p:txBody>
+          <a:bodyPr>
+            <a:normAutofit/>
+          </a:bodyPr>
+          <a:lstStyle/>
+          <a:p>
+            <a:endParaRPr lang="en-US"/>
+          </a:p>
+        </p:txBody>
+      </p:sp>
+      <p:sp>
+        <p:nvSpPr>
+          <p:cNvPr id="4" name="Slide Number Placeholder 3"/>
+          <p:cNvSpPr>
+            <a:spLocks noGrp="1"/>
+          </p:cNvSpPr>
+          <p:nvPr>
+            <p:ph type="sldNum" sz="quarter" idx="10"/>
+          </p:nvPr>
+        </p:nvSpPr>
+        <p:spPr/>
+        <p:txBody>
+          <a:bodyPr/>
+          <a:lstStyle/>
+          <a:p>
+            <a:fld id="{D37F8DB4-A4FF-4A8B-9A85-9B1874A58FCC}" type="slidenum">
+              <a:rPr lang="en-US" smtClean="0"/>
+              <a:pPr/>
+              <a:t>18</a:t>
+            </a:fld>
+            <a:endParaRPr lang="en-US"/>
+          </a:p>
+        </p:txBody>
+      </p:sp>
+    </p:spTree>
+    <p:extLst>
+      <p:ext uri="{BB962C8B-B14F-4D97-AF65-F5344CB8AC3E}">
+        <p14:creationId xmlns:p14="http://schemas.microsoft.com/office/powerpoint/2010/main" val="57394117"/>
+      </p:ext>
+    </p:extLst>
+  </p:cSld>
+  <p:clrMapOvr>
+    <a:masterClrMapping/>
+  </p:clrMapOvr>
+</p:notes>
+</file>
+
+<file path=ppt/notesSlides/notesSlide17.xml><?xml version="1.0" encoding="utf-8"?>
+<p:notes xmlns:a="http://schemas.openxmlformats.org/drawingml/2006/main" xmlns:r="http://schemas.openxmlformats.org/officeDocument/2006/relationships" xmlns:p="http://schemas.openxmlformats.org/presentationml/2006/main">
+  <p:cSld>
+    <p:spTree>
+      <p:nvGrpSpPr>
+        <p:cNvPr id="1" name=""/>
+        <p:cNvGrpSpPr/>
+        <p:nvPr/>
+      </p:nvGrpSpPr>
+      <p:grpSpPr>
+        <a:xfrm>
+          <a:off x="0" y="0"/>
+          <a:ext cx="0" cy="0"/>
+          <a:chOff x="0" y="0"/>
+          <a:chExt cx="0" cy="0"/>
+        </a:xfrm>
+      </p:grpSpPr>
+      <p:sp>
+        <p:nvSpPr>
+          <p:cNvPr id="2" name="Slide Image Placeholder 1"/>
+          <p:cNvSpPr>
+            <a:spLocks noGrp="1" noRot="1" noChangeAspect="1"/>
+          </p:cNvSpPr>
+          <p:nvPr>
+            <p:ph type="sldImg"/>
+          </p:nvPr>
+        </p:nvSpPr>
+        <p:spPr>
+          <a:xfrm>
+            <a:off x="2362200" y="549275"/>
+            <a:ext cx="4876800" cy="2743200"/>
+          </a:xfrm>
+        </p:spPr>
+      </p:sp>
+      <p:sp>
+        <p:nvSpPr>
+          <p:cNvPr id="3" name="Notes Placeholder 2"/>
+          <p:cNvSpPr>
+            <a:spLocks noGrp="1"/>
+          </p:cNvSpPr>
+          <p:nvPr>
+            <p:ph type="body" idx="1"/>
+          </p:nvPr>
+        </p:nvSpPr>
+        <p:spPr/>
+        <p:txBody>
+          <a:bodyPr>
+            <a:normAutofit/>
+          </a:bodyPr>
+          <a:lstStyle/>
+          <a:p>
+            <a:endParaRPr lang="en-US"/>
+          </a:p>
+        </p:txBody>
+      </p:sp>
+      <p:sp>
+        <p:nvSpPr>
+          <p:cNvPr id="4" name="Slide Number Placeholder 3"/>
+          <p:cNvSpPr>
+            <a:spLocks noGrp="1"/>
+          </p:cNvSpPr>
+          <p:nvPr>
+            <p:ph type="sldNum" sz="quarter" idx="10"/>
+          </p:nvPr>
+        </p:nvSpPr>
+        <p:spPr/>
+        <p:txBody>
+          <a:bodyPr/>
+          <a:lstStyle/>
+          <a:p>
+            <a:fld id="{D37F8DB4-A4FF-4A8B-9A85-9B1874A58FCC}" type="slidenum">
+              <a:rPr lang="en-US" smtClean="0"/>
+              <a:pPr/>
+              <a:t>19</a:t>
+            </a:fld>
+            <a:endParaRPr lang="en-US"/>
+          </a:p>
+        </p:txBody>
+      </p:sp>
+    </p:spTree>
+    <p:extLst>
+      <p:ext uri="{BB962C8B-B14F-4D97-AF65-F5344CB8AC3E}">
+        <p14:creationId xmlns:p14="http://schemas.microsoft.com/office/powerpoint/2010/main" val="3141064327"/>
+      </p:ext>
+    </p:extLst>
+  </p:cSld>
+  <p:clrMapOvr>
+    <a:masterClrMapping/>
+  </p:clrMapOvr>
+</p:notes>
+</file>
+
+<file path=ppt/notesSlides/notesSlide18.xml><?xml version="1.0" encoding="utf-8"?>
+<p:notes xmlns:a="http://schemas.openxmlformats.org/drawingml/2006/main" xmlns:r="http://schemas.openxmlformats.org/officeDocument/2006/relationships" xmlns:p="http://schemas.openxmlformats.org/presentationml/2006/main">
+  <p:cSld>
+    <p:spTree>
+      <p:nvGrpSpPr>
+        <p:cNvPr id="1" name=""/>
+        <p:cNvGrpSpPr/>
+        <p:nvPr/>
+      </p:nvGrpSpPr>
+      <p:grpSpPr>
+        <a:xfrm>
+          <a:off x="0" y="0"/>
+          <a:ext cx="0" cy="0"/>
+          <a:chOff x="0" y="0"/>
+          <a:chExt cx="0" cy="0"/>
+        </a:xfrm>
+      </p:grpSpPr>
+      <p:sp>
+        <p:nvSpPr>
+          <p:cNvPr id="2" name="Slide Image Placeholder 1"/>
+          <p:cNvSpPr>
+            <a:spLocks noGrp="1" noRot="1" noChangeAspect="1"/>
+          </p:cNvSpPr>
+          <p:nvPr>
+            <p:ph type="sldImg"/>
+          </p:nvPr>
+        </p:nvSpPr>
+        <p:spPr>
+          <a:xfrm>
+            <a:off x="2362200" y="549275"/>
+            <a:ext cx="4876800" cy="2743200"/>
+          </a:xfrm>
+        </p:spPr>
+      </p:sp>
+      <p:sp>
+        <p:nvSpPr>
+          <p:cNvPr id="3" name="Notes Placeholder 2"/>
+          <p:cNvSpPr>
+            <a:spLocks noGrp="1"/>
+          </p:cNvSpPr>
+          <p:nvPr>
+            <p:ph type="body" idx="1"/>
+          </p:nvPr>
+        </p:nvSpPr>
+        <p:spPr/>
+        <p:txBody>
+          <a:bodyPr>
+            <a:normAutofit/>
+          </a:bodyPr>
+          <a:lstStyle/>
+          <a:p>
+            <a:endParaRPr lang="en-US"/>
+          </a:p>
+        </p:txBody>
+      </p:sp>
+      <p:sp>
+        <p:nvSpPr>
+          <p:cNvPr id="4" name="Slide Number Placeholder 3"/>
+          <p:cNvSpPr>
+            <a:spLocks noGrp="1"/>
+          </p:cNvSpPr>
+          <p:nvPr>
+            <p:ph type="sldNum" sz="quarter" idx="10"/>
+          </p:nvPr>
+        </p:nvSpPr>
+        <p:spPr/>
+        <p:txBody>
+          <a:bodyPr/>
+          <a:lstStyle/>
+          <a:p>
+            <a:fld id="{D37F8DB4-A4FF-4A8B-9A85-9B1874A58FCC}" type="slidenum">
+              <a:rPr lang="en-US" smtClean="0"/>
+              <a:pPr/>
+              <a:t>20</a:t>
             </a:fld>
             <a:endParaRPr lang="en-US"/>
           </a:p>
@@ -1568,6 +1864,98 @@
     <p:extLst>
       <p:ext uri="{BB962C8B-B14F-4D97-AF65-F5344CB8AC3E}">
         <p14:creationId xmlns:p14="http://schemas.microsoft.com/office/powerpoint/2010/main" val="2552804092"/>
+      </p:ext>
+    </p:extLst>
+  </p:cSld>
+  <p:clrMapOvr>
+    <a:masterClrMapping/>
+  </p:clrMapOvr>
+</p:notes>
+</file>
+
+<file path=ppt/notesSlides/notesSlide19.xml><?xml version="1.0" encoding="utf-8"?>
+<p:notes xmlns:a="http://schemas.openxmlformats.org/drawingml/2006/main" xmlns:r="http://schemas.openxmlformats.org/officeDocument/2006/relationships" xmlns:p="http://schemas.openxmlformats.org/presentationml/2006/main">
+  <p:cSld>
+    <p:spTree>
+      <p:nvGrpSpPr>
+        <p:cNvPr id="1" name=""/>
+        <p:cNvGrpSpPr/>
+        <p:nvPr/>
+      </p:nvGrpSpPr>
+      <p:grpSpPr>
+        <a:xfrm>
+          <a:off x="0" y="0"/>
+          <a:ext cx="0" cy="0"/>
+          <a:chOff x="0" y="0"/>
+          <a:chExt cx="0" cy="0"/>
+        </a:xfrm>
+      </p:grpSpPr>
+      <p:sp>
+        <p:nvSpPr>
+          <p:cNvPr id="2" name="Slide Image Placeholder 1"/>
+          <p:cNvSpPr>
+            <a:spLocks noGrp="1" noRot="1" noChangeAspect="1"/>
+          </p:cNvSpPr>
+          <p:nvPr>
+            <p:ph type="sldImg"/>
+          </p:nvPr>
+        </p:nvSpPr>
+        <p:spPr>
+          <a:xfrm>
+            <a:off x="2362200" y="549275"/>
+            <a:ext cx="4876800" cy="2743200"/>
+          </a:xfrm>
+        </p:spPr>
+      </p:sp>
+      <p:sp>
+        <p:nvSpPr>
+          <p:cNvPr id="3" name="Notes Placeholder 2"/>
+          <p:cNvSpPr>
+            <a:spLocks noGrp="1"/>
+          </p:cNvSpPr>
+          <p:nvPr>
+            <p:ph type="body" idx="1"/>
+          </p:nvPr>
+        </p:nvSpPr>
+        <p:spPr/>
+        <p:txBody>
+          <a:bodyPr>
+            <a:normAutofit/>
+          </a:bodyPr>
+          <a:lstStyle/>
+          <a:p>
+            <a:endParaRPr lang="en-US" dirty="0"/>
+          </a:p>
+        </p:txBody>
+      </p:sp>
+      <p:sp>
+        <p:nvSpPr>
+          <p:cNvPr id="4" name="Slide Number Placeholder 3"/>
+          <p:cNvSpPr>
+            <a:spLocks noGrp="1"/>
+          </p:cNvSpPr>
+          <p:nvPr>
+            <p:ph type="sldNum" sz="quarter" idx="10"/>
+          </p:nvPr>
+        </p:nvSpPr>
+        <p:spPr/>
+        <p:txBody>
+          <a:bodyPr/>
+          <a:lstStyle/>
+          <a:p>
+            <a:fld id="{D37F8DB4-A4FF-4A8B-9A85-9B1874A58FCC}" type="slidenum">
+              <a:rPr lang="en-US" smtClean="0"/>
+              <a:pPr/>
+              <a:t>23</a:t>
+            </a:fld>
+            <a:endParaRPr lang="en-US"/>
+          </a:p>
+        </p:txBody>
+      </p:sp>
+    </p:spTree>
+    <p:extLst>
+      <p:ext uri="{BB962C8B-B14F-4D97-AF65-F5344CB8AC3E}">
+        <p14:creationId xmlns:p14="http://schemas.microsoft.com/office/powerpoint/2010/main" val="59707315"/>
       </p:ext>
     </p:extLst>
   </p:cSld>
@@ -1650,7 +2038,7 @@
             <a:fld id="{D37F8DB4-A4FF-4A8B-9A85-9B1874A58FCC}" type="slidenum">
               <a:rPr lang="en-US" smtClean="0"/>
               <a:pPr/>
-              <a:t>3</a:t>
+              <a:t>4</a:t>
             </a:fld>
             <a:endParaRPr lang="en-US"/>
           </a:p>
@@ -1660,6 +2048,346 @@
     <p:extLst>
       <p:ext uri="{BB962C8B-B14F-4D97-AF65-F5344CB8AC3E}">
         <p14:creationId xmlns:p14="http://schemas.microsoft.com/office/powerpoint/2010/main" val="2623740525"/>
+      </p:ext>
+    </p:extLst>
+  </p:cSld>
+  <p:clrMapOvr>
+    <a:masterClrMapping/>
+  </p:clrMapOvr>
+</p:notes>
+</file>
+
+<file path=ppt/notesSlides/notesSlide20.xml><?xml version="1.0" encoding="utf-8"?>
+<p:notes xmlns:a="http://schemas.openxmlformats.org/drawingml/2006/main" xmlns:r="http://schemas.openxmlformats.org/officeDocument/2006/relationships" xmlns:p="http://schemas.openxmlformats.org/presentationml/2006/main">
+  <p:cSld>
+    <p:spTree>
+      <p:nvGrpSpPr>
+        <p:cNvPr id="1" name=""/>
+        <p:cNvGrpSpPr/>
+        <p:nvPr/>
+      </p:nvGrpSpPr>
+      <p:grpSpPr>
+        <a:xfrm>
+          <a:off x="0" y="0"/>
+          <a:ext cx="0" cy="0"/>
+          <a:chOff x="0" y="0"/>
+          <a:chExt cx="0" cy="0"/>
+        </a:xfrm>
+      </p:grpSpPr>
+      <p:sp>
+        <p:nvSpPr>
+          <p:cNvPr id="2" name="Slide Image Placeholder 1"/>
+          <p:cNvSpPr>
+            <a:spLocks noGrp="1" noRot="1" noChangeAspect="1"/>
+          </p:cNvSpPr>
+          <p:nvPr>
+            <p:ph type="sldImg"/>
+          </p:nvPr>
+        </p:nvSpPr>
+        <p:spPr/>
+      </p:sp>
+      <p:sp>
+        <p:nvSpPr>
+          <p:cNvPr id="3" name="Notes Placeholder 2"/>
+          <p:cNvSpPr>
+            <a:spLocks noGrp="1"/>
+          </p:cNvSpPr>
+          <p:nvPr>
+            <p:ph type="body" idx="1"/>
+          </p:nvPr>
+        </p:nvSpPr>
+        <p:spPr/>
+        <p:txBody>
+          <a:bodyPr/>
+          <a:lstStyle/>
+          <a:p>
+            <a:endParaRPr lang="en-US" dirty="0"/>
+          </a:p>
+        </p:txBody>
+      </p:sp>
+      <p:sp>
+        <p:nvSpPr>
+          <p:cNvPr id="4" name="Slide Number Placeholder 3"/>
+          <p:cNvSpPr>
+            <a:spLocks noGrp="1"/>
+          </p:cNvSpPr>
+          <p:nvPr>
+            <p:ph type="sldNum" sz="quarter" idx="10"/>
+          </p:nvPr>
+        </p:nvSpPr>
+        <p:spPr/>
+        <p:txBody>
+          <a:bodyPr/>
+          <a:lstStyle/>
+          <a:p>
+            <a:fld id="{D37F8DB4-A4FF-4A8B-9A85-9B1874A58FCC}" type="slidenum">
+              <a:rPr lang="en-US" smtClean="0"/>
+              <a:pPr/>
+              <a:t>24</a:t>
+            </a:fld>
+            <a:endParaRPr lang="en-US"/>
+          </a:p>
+        </p:txBody>
+      </p:sp>
+    </p:spTree>
+    <p:extLst>
+      <p:ext uri="{BB962C8B-B14F-4D97-AF65-F5344CB8AC3E}">
+        <p14:creationId xmlns:p14="http://schemas.microsoft.com/office/powerpoint/2010/main" val="3153424665"/>
+      </p:ext>
+    </p:extLst>
+  </p:cSld>
+  <p:clrMapOvr>
+    <a:masterClrMapping/>
+  </p:clrMapOvr>
+</p:notes>
+</file>
+
+<file path=ppt/notesSlides/notesSlide21.xml><?xml version="1.0" encoding="utf-8"?>
+<p:notes xmlns:a="http://schemas.openxmlformats.org/drawingml/2006/main" xmlns:r="http://schemas.openxmlformats.org/officeDocument/2006/relationships" xmlns:p="http://schemas.openxmlformats.org/presentationml/2006/main">
+  <p:cSld>
+    <p:spTree>
+      <p:nvGrpSpPr>
+        <p:cNvPr id="1" name=""/>
+        <p:cNvGrpSpPr/>
+        <p:nvPr/>
+      </p:nvGrpSpPr>
+      <p:grpSpPr>
+        <a:xfrm>
+          <a:off x="0" y="0"/>
+          <a:ext cx="0" cy="0"/>
+          <a:chOff x="0" y="0"/>
+          <a:chExt cx="0" cy="0"/>
+        </a:xfrm>
+      </p:grpSpPr>
+      <p:sp>
+        <p:nvSpPr>
+          <p:cNvPr id="2" name="Slide Image Placeholder 1"/>
+          <p:cNvSpPr>
+            <a:spLocks noGrp="1" noRot="1" noChangeAspect="1"/>
+          </p:cNvSpPr>
+          <p:nvPr>
+            <p:ph type="sldImg"/>
+          </p:nvPr>
+        </p:nvSpPr>
+        <p:spPr/>
+      </p:sp>
+      <p:sp>
+        <p:nvSpPr>
+          <p:cNvPr id="3" name="Notes Placeholder 2"/>
+          <p:cNvSpPr>
+            <a:spLocks noGrp="1"/>
+          </p:cNvSpPr>
+          <p:nvPr>
+            <p:ph type="body" idx="1"/>
+          </p:nvPr>
+        </p:nvSpPr>
+        <p:spPr/>
+        <p:txBody>
+          <a:bodyPr/>
+          <a:lstStyle/>
+          <a:p>
+            <a:endParaRPr lang="en-US" dirty="0"/>
+          </a:p>
+        </p:txBody>
+      </p:sp>
+      <p:sp>
+        <p:nvSpPr>
+          <p:cNvPr id="4" name="Slide Number Placeholder 3"/>
+          <p:cNvSpPr>
+            <a:spLocks noGrp="1"/>
+          </p:cNvSpPr>
+          <p:nvPr>
+            <p:ph type="sldNum" sz="quarter" idx="10"/>
+          </p:nvPr>
+        </p:nvSpPr>
+        <p:spPr/>
+        <p:txBody>
+          <a:bodyPr/>
+          <a:lstStyle/>
+          <a:p>
+            <a:fld id="{D37F8DB4-A4FF-4A8B-9A85-9B1874A58FCC}" type="slidenum">
+              <a:rPr lang="en-US" smtClean="0"/>
+              <a:pPr/>
+              <a:t>25</a:t>
+            </a:fld>
+            <a:endParaRPr lang="en-US"/>
+          </a:p>
+        </p:txBody>
+      </p:sp>
+    </p:spTree>
+    <p:extLst>
+      <p:ext uri="{BB962C8B-B14F-4D97-AF65-F5344CB8AC3E}">
+        <p14:creationId xmlns:p14="http://schemas.microsoft.com/office/powerpoint/2010/main" val="3161906138"/>
+      </p:ext>
+    </p:extLst>
+  </p:cSld>
+  <p:clrMapOvr>
+    <a:masterClrMapping/>
+  </p:clrMapOvr>
+</p:notes>
+</file>
+
+<file path=ppt/notesSlides/notesSlide22.xml><?xml version="1.0" encoding="utf-8"?>
+<p:notes xmlns:a="http://schemas.openxmlformats.org/drawingml/2006/main" xmlns:r="http://schemas.openxmlformats.org/officeDocument/2006/relationships" xmlns:p="http://schemas.openxmlformats.org/presentationml/2006/main">
+  <p:cSld>
+    <p:spTree>
+      <p:nvGrpSpPr>
+        <p:cNvPr id="1" name=""/>
+        <p:cNvGrpSpPr/>
+        <p:nvPr/>
+      </p:nvGrpSpPr>
+      <p:grpSpPr>
+        <a:xfrm>
+          <a:off x="0" y="0"/>
+          <a:ext cx="0" cy="0"/>
+          <a:chOff x="0" y="0"/>
+          <a:chExt cx="0" cy="0"/>
+        </a:xfrm>
+      </p:grpSpPr>
+      <p:sp>
+        <p:nvSpPr>
+          <p:cNvPr id="2" name="Slide Image Placeholder 1"/>
+          <p:cNvSpPr>
+            <a:spLocks noGrp="1" noRot="1" noChangeAspect="1"/>
+          </p:cNvSpPr>
+          <p:nvPr>
+            <p:ph type="sldImg"/>
+          </p:nvPr>
+        </p:nvSpPr>
+        <p:spPr/>
+      </p:sp>
+      <p:sp>
+        <p:nvSpPr>
+          <p:cNvPr id="3" name="Notes Placeholder 2"/>
+          <p:cNvSpPr>
+            <a:spLocks noGrp="1"/>
+          </p:cNvSpPr>
+          <p:nvPr>
+            <p:ph type="body" idx="1"/>
+          </p:nvPr>
+        </p:nvSpPr>
+        <p:spPr/>
+        <p:txBody>
+          <a:bodyPr/>
+          <a:lstStyle/>
+          <a:p>
+            <a:endParaRPr lang="en-US" dirty="0"/>
+          </a:p>
+        </p:txBody>
+      </p:sp>
+      <p:sp>
+        <p:nvSpPr>
+          <p:cNvPr id="4" name="Slide Number Placeholder 3"/>
+          <p:cNvSpPr>
+            <a:spLocks noGrp="1"/>
+          </p:cNvSpPr>
+          <p:nvPr>
+            <p:ph type="sldNum" sz="quarter" idx="10"/>
+          </p:nvPr>
+        </p:nvSpPr>
+        <p:spPr/>
+        <p:txBody>
+          <a:bodyPr/>
+          <a:lstStyle/>
+          <a:p>
+            <a:fld id="{D37F8DB4-A4FF-4A8B-9A85-9B1874A58FCC}" type="slidenum">
+              <a:rPr lang="en-US" smtClean="0"/>
+              <a:pPr/>
+              <a:t>26</a:t>
+            </a:fld>
+            <a:endParaRPr lang="en-US"/>
+          </a:p>
+        </p:txBody>
+      </p:sp>
+    </p:spTree>
+    <p:extLst>
+      <p:ext uri="{BB962C8B-B14F-4D97-AF65-F5344CB8AC3E}">
+        <p14:creationId xmlns:p14="http://schemas.microsoft.com/office/powerpoint/2010/main" val="1410954398"/>
+      </p:ext>
+    </p:extLst>
+  </p:cSld>
+  <p:clrMapOvr>
+    <a:masterClrMapping/>
+  </p:clrMapOvr>
+</p:notes>
+</file>
+
+<file path=ppt/notesSlides/notesSlide23.xml><?xml version="1.0" encoding="utf-8"?>
+<p:notes xmlns:a="http://schemas.openxmlformats.org/drawingml/2006/main" xmlns:r="http://schemas.openxmlformats.org/officeDocument/2006/relationships" xmlns:p="http://schemas.openxmlformats.org/presentationml/2006/main">
+  <p:cSld>
+    <p:spTree>
+      <p:nvGrpSpPr>
+        <p:cNvPr id="1" name=""/>
+        <p:cNvGrpSpPr/>
+        <p:nvPr/>
+      </p:nvGrpSpPr>
+      <p:grpSpPr>
+        <a:xfrm>
+          <a:off x="0" y="0"/>
+          <a:ext cx="0" cy="0"/>
+          <a:chOff x="0" y="0"/>
+          <a:chExt cx="0" cy="0"/>
+        </a:xfrm>
+      </p:grpSpPr>
+      <p:sp>
+        <p:nvSpPr>
+          <p:cNvPr id="2" name="Slide Image Placeholder 1"/>
+          <p:cNvSpPr>
+            <a:spLocks noGrp="1" noRot="1" noChangeAspect="1"/>
+          </p:cNvSpPr>
+          <p:nvPr>
+            <p:ph type="sldImg"/>
+          </p:nvPr>
+        </p:nvSpPr>
+        <p:spPr/>
+      </p:sp>
+      <p:sp>
+        <p:nvSpPr>
+          <p:cNvPr id="3" name="Notes Placeholder 2"/>
+          <p:cNvSpPr>
+            <a:spLocks noGrp="1"/>
+          </p:cNvSpPr>
+          <p:nvPr>
+            <p:ph type="body" idx="1"/>
+          </p:nvPr>
+        </p:nvSpPr>
+        <p:spPr/>
+        <p:txBody>
+          <a:bodyPr/>
+          <a:lstStyle/>
+          <a:p>
+            <a:endParaRPr lang="en-US" dirty="0"/>
+          </a:p>
+        </p:txBody>
+      </p:sp>
+      <p:sp>
+        <p:nvSpPr>
+          <p:cNvPr id="4" name="Slide Number Placeholder 3"/>
+          <p:cNvSpPr>
+            <a:spLocks noGrp="1"/>
+          </p:cNvSpPr>
+          <p:nvPr>
+            <p:ph type="sldNum" sz="quarter" idx="10"/>
+          </p:nvPr>
+        </p:nvSpPr>
+        <p:spPr/>
+        <p:txBody>
+          <a:bodyPr/>
+          <a:lstStyle/>
+          <a:p>
+            <a:fld id="{D37F8DB4-A4FF-4A8B-9A85-9B1874A58FCC}" type="slidenum">
+              <a:rPr lang="en-US" smtClean="0"/>
+              <a:pPr/>
+              <a:t>27</a:t>
+            </a:fld>
+            <a:endParaRPr lang="en-US"/>
+          </a:p>
+        </p:txBody>
+      </p:sp>
+    </p:spTree>
+    <p:extLst>
+      <p:ext uri="{BB962C8B-B14F-4D97-AF65-F5344CB8AC3E}">
+        <p14:creationId xmlns:p14="http://schemas.microsoft.com/office/powerpoint/2010/main" val="1549073981"/>
       </p:ext>
     </p:extLst>
   </p:cSld>
@@ -1742,7 +2470,7 @@
             <a:fld id="{D37F8DB4-A4FF-4A8B-9A85-9B1874A58FCC}" type="slidenum">
               <a:rPr lang="en-US" smtClean="0"/>
               <a:pPr/>
-              <a:t>4</a:t>
+              <a:t>5</a:t>
             </a:fld>
             <a:endParaRPr lang="en-US"/>
           </a:p>
@@ -1834,7 +2562,7 @@
             <a:fld id="{D37F8DB4-A4FF-4A8B-9A85-9B1874A58FCC}" type="slidenum">
               <a:rPr lang="en-US" smtClean="0"/>
               <a:pPr/>
-              <a:t>5</a:t>
+              <a:t>6</a:t>
             </a:fld>
             <a:endParaRPr lang="en-US"/>
           </a:p>
@@ -1926,7 +2654,7 @@
             <a:fld id="{D37F8DB4-A4FF-4A8B-9A85-9B1874A58FCC}" type="slidenum">
               <a:rPr lang="en-US" smtClean="0"/>
               <a:pPr/>
-              <a:t>6</a:t>
+              <a:t>7</a:t>
             </a:fld>
             <a:endParaRPr lang="en-US"/>
           </a:p>
@@ -2018,7 +2746,7 @@
             <a:fld id="{D37F8DB4-A4FF-4A8B-9A85-9B1874A58FCC}" type="slidenum">
               <a:rPr lang="en-US" smtClean="0"/>
               <a:pPr/>
-              <a:t>7</a:t>
+              <a:t>8</a:t>
             </a:fld>
             <a:endParaRPr lang="en-US"/>
           </a:p>
@@ -2110,7 +2838,7 @@
             <a:fld id="{D37F8DB4-A4FF-4A8B-9A85-9B1874A58FCC}" type="slidenum">
               <a:rPr lang="en-US" smtClean="0"/>
               <a:pPr/>
-              <a:t>8</a:t>
+              <a:t>9</a:t>
             </a:fld>
             <a:endParaRPr lang="en-US"/>
           </a:p>
@@ -2202,7 +2930,7 @@
             <a:fld id="{D37F8DB4-A4FF-4A8B-9A85-9B1874A58FCC}" type="slidenum">
               <a:rPr lang="en-US" smtClean="0"/>
               <a:pPr/>
-              <a:t>9</a:t>
+              <a:t>10</a:t>
             </a:fld>
             <a:endParaRPr lang="en-US"/>
           </a:p>
@@ -2294,7 +3022,7 @@
             <a:fld id="{D37F8DB4-A4FF-4A8B-9A85-9B1874A58FCC}" type="slidenum">
               <a:rPr lang="en-US" smtClean="0"/>
               <a:pPr/>
-              <a:t>10</a:t>
+              <a:t>11</a:t>
             </a:fld>
             <a:endParaRPr lang="en-US"/>
           </a:p>
@@ -2461,7 +3189,7 @@
             <a:fld id="{B61BEF0D-F0BB-DE4B-95CE-6DB70DBA9567}" type="datetimeFigureOut">
               <a:rPr lang="en-US" smtClean="0"/>
               <a:pPr/>
-              <a:t>4/9/18</a:t>
+              <a:t>8/13/18</a:t>
             </a:fld>
             <a:endParaRPr lang="en-US" dirty="0"/>
           </a:p>
@@ -2661,7 +3389,7 @@
             <a:fld id="{B61BEF0D-F0BB-DE4B-95CE-6DB70DBA9567}" type="datetimeFigureOut">
               <a:rPr lang="en-US" smtClean="0"/>
               <a:pPr/>
-              <a:t>4/9/18</a:t>
+              <a:t>8/13/18</a:t>
             </a:fld>
             <a:endParaRPr lang="en-US" dirty="0"/>
           </a:p>
@@ -2876,7 +3604,7 @@
             <a:fld id="{B61BEF0D-F0BB-DE4B-95CE-6DB70DBA9567}" type="datetimeFigureOut">
               <a:rPr lang="en-US" smtClean="0"/>
               <a:pPr/>
-              <a:t>4/9/18</a:t>
+              <a:t>8/13/18</a:t>
             </a:fld>
             <a:endParaRPr lang="en-US" dirty="0"/>
           </a:p>
@@ -3416,7 +4144,7 @@
             <a:fld id="{B61BEF0D-F0BB-DE4B-95CE-6DB70DBA9567}" type="datetimeFigureOut">
               <a:rPr lang="en-US" smtClean="0"/>
               <a:pPr/>
-              <a:t>4/9/18</a:t>
+              <a:t>8/13/18</a:t>
             </a:fld>
             <a:endParaRPr lang="en-US" dirty="0"/>
           </a:p>
@@ -3694,7 +4422,7 @@
             <a:fld id="{B61BEF0D-F0BB-DE4B-95CE-6DB70DBA9567}" type="datetimeFigureOut">
               <a:rPr lang="en-US" smtClean="0"/>
               <a:pPr/>
-              <a:t>4/9/18</a:t>
+              <a:t>8/13/18</a:t>
             </a:fld>
             <a:endParaRPr lang="en-US" dirty="0"/>
           </a:p>
@@ -3966,7 +4694,7 @@
             <a:fld id="{B61BEF0D-F0BB-DE4B-95CE-6DB70DBA9567}" type="datetimeFigureOut">
               <a:rPr lang="en-US" smtClean="0"/>
               <a:pPr/>
-              <a:t>4/9/18</a:t>
+              <a:t>8/13/18</a:t>
             </a:fld>
             <a:endParaRPr lang="en-US" dirty="0"/>
           </a:p>
@@ -4385,7 +5113,7 @@
             <a:fld id="{B61BEF0D-F0BB-DE4B-95CE-6DB70DBA9567}" type="datetimeFigureOut">
               <a:rPr lang="en-US" smtClean="0"/>
               <a:pPr/>
-              <a:t>4/9/18</a:t>
+              <a:t>8/13/18</a:t>
             </a:fld>
             <a:endParaRPr lang="en-US" dirty="0"/>
           </a:p>
@@ -4533,7 +5261,7 @@
             <a:fld id="{B61BEF0D-F0BB-DE4B-95CE-6DB70DBA9567}" type="datetimeFigureOut">
               <a:rPr lang="en-US" smtClean="0"/>
               <a:pPr/>
-              <a:t>4/9/18</a:t>
+              <a:t>8/13/18</a:t>
             </a:fld>
             <a:endParaRPr lang="en-US" dirty="0"/>
           </a:p>
@@ -4653,7 +5381,7 @@
             <a:fld id="{B61BEF0D-F0BB-DE4B-95CE-6DB70DBA9567}" type="datetimeFigureOut">
               <a:rPr lang="en-US" smtClean="0"/>
               <a:pPr/>
-              <a:t>4/9/18</a:t>
+              <a:t>8/13/18</a:t>
             </a:fld>
             <a:endParaRPr lang="en-US" dirty="0"/>
           </a:p>
@@ -4971,7 +5699,7 @@
             <a:fld id="{B61BEF0D-F0BB-DE4B-95CE-6DB70DBA9567}" type="datetimeFigureOut">
               <a:rPr lang="en-US" smtClean="0"/>
               <a:pPr/>
-              <a:t>4/9/18</a:t>
+              <a:t>8/13/18</a:t>
             </a:fld>
             <a:endParaRPr lang="en-US" dirty="0"/>
           </a:p>
@@ -5266,7 +5994,7 @@
             <a:fld id="{B61BEF0D-F0BB-DE4B-95CE-6DB70DBA9567}" type="datetimeFigureOut">
               <a:rPr lang="en-US" smtClean="0"/>
               <a:pPr/>
-              <a:t>4/9/18</a:t>
+              <a:t>8/13/18</a:t>
             </a:fld>
             <a:endParaRPr lang="en-US" dirty="0"/>
           </a:p>
@@ -5514,7 +6242,7 @@
             <a:fld id="{B61BEF0D-F0BB-DE4B-95CE-6DB70DBA9567}" type="datetimeFigureOut">
               <a:rPr lang="en-US" smtClean="0"/>
               <a:pPr/>
-              <a:t>4/9/18</a:t>
+              <a:t>8/13/18</a:t>
             </a:fld>
             <a:endParaRPr lang="en-US" dirty="0"/>
           </a:p>
@@ -6298,7 +7026,7 @@
                 </a:solidFill>
               </a:rPr>
               <a:pPr/>
-              <a:t>2</a:t>
+              <a:t>1</a:t>
             </a:fld>
             <a:endParaRPr lang="en-GB">
               <a:solidFill>
@@ -6355,7 +7083,7 @@
           <a:p>
             <a:r>
               <a:rPr lang="en-US" dirty="0"/>
-              <a:t>VMs and Security</a:t>
+              <a:t>AWS VM</a:t>
             </a:r>
           </a:p>
         </p:txBody>
@@ -6378,7 +7106,7 @@
         </p:spPr>
         <p:txBody>
           <a:bodyPr>
-            <a:normAutofit fontScale="92500" lnSpcReduction="10000"/>
+            <a:normAutofit/>
           </a:bodyPr>
           <a:lstStyle/>
           <a:p>
@@ -6387,7 +7115,34 @@
             </a:pPr>
             <a:r>
               <a:rPr lang="en-US" dirty="0"/>
-              <a:t>Hypervisor security</a:t>
+              <a:t>AWS uses different configurations that use Xen</a:t>
+            </a:r>
+          </a:p>
+          <a:p>
+            <a:pPr>
+              <a:defRPr/>
+            </a:pPr>
+            <a:r>
+              <a:rPr lang="en-US" dirty="0"/>
+              <a:t>AWS Nitro – a hypervisor based on KVM</a:t>
+            </a:r>
+          </a:p>
+          <a:p>
+            <a:pPr>
+              <a:defRPr/>
+            </a:pPr>
+            <a:r>
+              <a:rPr lang="en-US" dirty="0"/>
+              <a:t>AWS also offers actual ”bare metal” machines – with no virtualization</a:t>
+            </a:r>
+          </a:p>
+          <a:p>
+            <a:pPr>
+              <a:defRPr/>
+            </a:pPr>
+            <a:r>
+              <a:rPr lang="en-US" dirty="0"/>
+              <a:t>Different VM types are represented by AMIs that are either</a:t>
             </a:r>
           </a:p>
           <a:p>
@@ -6396,13 +7151,16 @@
             </a:pPr>
             <a:r>
               <a:rPr lang="en-US" dirty="0"/>
-              <a:t>Hypervisor, applications, drivers and libraries are loaded in randomized memory locations to stop </a:t>
+              <a:t>PV </a:t>
             </a:r>
             <a:r>
               <a:rPr lang="en-US" dirty="0" err="1"/>
-              <a:t>exploites</a:t>
-            </a:r>
-            <a:endParaRPr lang="en-US" dirty="0"/>
+              <a:t>paravirtual</a:t>
+            </a:r>
+            <a:r>
+              <a:rPr lang="en-US" dirty="0"/>
+              <a:t> (Linux only)</a:t>
+            </a:r>
           </a:p>
           <a:p>
             <a:pPr lvl="1">
@@ -6410,69 +7168,7 @@
             </a:pPr>
             <a:r>
               <a:rPr lang="en-US" dirty="0"/>
-              <a:t>VMWare uses digital signatures to verify modules drivers and applications – much as iOS and Android do</a:t>
-            </a:r>
-          </a:p>
-          <a:p>
-            <a:pPr lvl="1">
-              <a:defRPr/>
-            </a:pPr>
-            <a:r>
-              <a:rPr lang="en-US" dirty="0"/>
-              <a:t>However – Hypervisor represents an “attack surface” not present in native OSs and so they are subject to vulnerabilities</a:t>
-            </a:r>
-          </a:p>
-          <a:p>
-            <a:pPr>
-              <a:defRPr/>
-            </a:pPr>
-            <a:r>
-              <a:rPr lang="en-US" dirty="0"/>
-              <a:t>Virtualized OS</a:t>
-            </a:r>
-          </a:p>
-          <a:p>
-            <a:pPr lvl="1">
-              <a:defRPr/>
-            </a:pPr>
-            <a:r>
-              <a:rPr lang="en-US" dirty="0"/>
-              <a:t>Same vulnerabilities as a non-virtualized OS </a:t>
-            </a:r>
-          </a:p>
-          <a:p>
-            <a:pPr>
-              <a:defRPr/>
-            </a:pPr>
-            <a:r>
-              <a:rPr lang="en-US" dirty="0"/>
-              <a:t>VM to VM</a:t>
-            </a:r>
-          </a:p>
-          <a:p>
-            <a:pPr lvl="1">
-              <a:defRPr/>
-            </a:pPr>
-            <a:r>
-              <a:rPr lang="en-US" dirty="0"/>
-              <a:t>Theoretically possible to access memory in one VM from another but very hard to do</a:t>
-            </a:r>
-          </a:p>
-          <a:p>
-            <a:pPr>
-              <a:defRPr/>
-            </a:pPr>
-            <a:r>
-              <a:rPr lang="en-US" dirty="0"/>
-              <a:t>AWS itself introduces security vulnerabilities – e.g. access to keys, </a:t>
-            </a:r>
-            <a:r>
-              <a:rPr lang="en-US" dirty="0" err="1"/>
-              <a:t>uernames</a:t>
-            </a:r>
-            <a:r>
-              <a:rPr lang="en-US" dirty="0"/>
-              <a:t> and passwords</a:t>
+              <a:t>HVM hardware virtual machine (Linux and Windows)</a:t>
             </a:r>
           </a:p>
           <a:p>
@@ -6511,7 +7207,7 @@
     </p:spTree>
     <p:extLst>
       <p:ext uri="{BB962C8B-B14F-4D97-AF65-F5344CB8AC3E}">
-        <p14:creationId xmlns:p14="http://schemas.microsoft.com/office/powerpoint/2010/main" val="4024433517"/>
+        <p14:creationId xmlns:p14="http://schemas.microsoft.com/office/powerpoint/2010/main" val="3059773872"/>
       </p:ext>
     </p:extLst>
   </p:cSld>
@@ -6555,7 +7251,7 @@
           <a:p>
             <a:r>
               <a:rPr lang="en-US" dirty="0"/>
-              <a:t>Other types of virtualization</a:t>
+              <a:t>VMs and Security</a:t>
             </a:r>
           </a:p>
         </p:txBody>
@@ -6578,7 +7274,7 @@
         </p:spPr>
         <p:txBody>
           <a:bodyPr>
-            <a:normAutofit/>
+            <a:normAutofit fontScale="92500" lnSpcReduction="10000"/>
           </a:bodyPr>
           <a:lstStyle/>
           <a:p>
@@ -6587,7 +7283,7 @@
             </a:pPr>
             <a:r>
               <a:rPr lang="en-US" dirty="0"/>
-              <a:t>Web Server</a:t>
+              <a:t>Hypervisor security</a:t>
             </a:r>
           </a:p>
           <a:p>
@@ -6596,7 +7292,30 @@
             </a:pPr>
             <a:r>
               <a:rPr lang="en-US" dirty="0"/>
-              <a:t>Virtual hosts using a different hostname, configuration file</a:t>
+              <a:t>Hypervisor, applications, drivers and libraries are loaded in randomized memory locations to stop </a:t>
+            </a:r>
+            <a:r>
+              <a:rPr lang="en-US" dirty="0" err="1"/>
+              <a:t>exploites</a:t>
+            </a:r>
+            <a:endParaRPr lang="en-US" dirty="0"/>
+          </a:p>
+          <a:p>
+            <a:pPr lvl="1">
+              <a:defRPr/>
+            </a:pPr>
+            <a:r>
+              <a:rPr lang="en-US" dirty="0"/>
+              <a:t>VMWare uses digital signatures to verify modules drivers and applications – much as iOS and Android do</a:t>
+            </a:r>
+          </a:p>
+          <a:p>
+            <a:pPr lvl="1">
+              <a:defRPr/>
+            </a:pPr>
+            <a:r>
+              <a:rPr lang="en-US" dirty="0"/>
+              <a:t>However – Hypervisor represents an “attack surface” not present in native OSs and so they are subject to vulnerabilities</a:t>
             </a:r>
           </a:p>
           <a:p>
@@ -6605,7 +7324,7 @@
             </a:pPr>
             <a:r>
               <a:rPr lang="en-US" dirty="0"/>
-              <a:t>Virtual Environments</a:t>
+              <a:t>Virtualized OS</a:t>
             </a:r>
           </a:p>
           <a:p>
@@ -6614,7 +7333,7 @@
             </a:pPr>
             <a:r>
               <a:rPr lang="en-US" dirty="0"/>
-              <a:t>Java, Python and Ruby amongst others have the ability to configure separate versions of language and libraries</a:t>
+              <a:t>Same vulnerabilities as a non-virtualized OS </a:t>
             </a:r>
           </a:p>
           <a:p>
@@ -6623,7 +7342,7 @@
             </a:pPr>
             <a:r>
               <a:rPr lang="en-US" dirty="0"/>
-              <a:t>Containers</a:t>
+              <a:t>VM to VM</a:t>
             </a:r>
           </a:p>
           <a:p>
@@ -6632,16 +7351,7 @@
             </a:pPr>
             <a:r>
               <a:rPr lang="en-US" dirty="0"/>
-              <a:t>Like VMs but run in user space and packages binaries and libraries</a:t>
-            </a:r>
-          </a:p>
-          <a:p>
-            <a:pPr lvl="1">
-              <a:defRPr/>
-            </a:pPr>
-            <a:r>
-              <a:rPr lang="en-US" dirty="0"/>
-              <a:t>Docker, Kubernetes, AWS Containers (Docker)</a:t>
+              <a:t>Theoretically possible to access memory in one VM from another but very hard to do</a:t>
             </a:r>
           </a:p>
           <a:p>
@@ -6649,21 +7359,16 @@
               <a:defRPr/>
             </a:pPr>
             <a:r>
+              <a:rPr lang="en-US" dirty="0"/>
+              <a:t>AWS itself introduces security vulnerabilities – e.g. access to keys, </a:t>
+            </a:r>
+            <a:r>
               <a:rPr lang="en-US" dirty="0" err="1"/>
-              <a:t>Serverless</a:t>
-            </a:r>
-            <a:r>
-              <a:rPr lang="en-US" dirty="0"/>
-              <a:t> Environments</a:t>
-            </a:r>
-          </a:p>
-          <a:p>
-            <a:pPr lvl="1">
-              <a:defRPr/>
-            </a:pPr>
-            <a:r>
-              <a:rPr lang="en-US" dirty="0"/>
-              <a:t>Code is executed in response to an event, including HTTP</a:t>
+              <a:t>uernames</a:t>
+            </a:r>
+            <a:r>
+              <a:rPr lang="en-US" dirty="0"/>
+              <a:t> and passwords</a:t>
             </a:r>
           </a:p>
           <a:p>
@@ -6702,7 +7407,7 @@
     </p:spTree>
     <p:extLst>
       <p:ext uri="{BB962C8B-B14F-4D97-AF65-F5344CB8AC3E}">
-        <p14:creationId xmlns:p14="http://schemas.microsoft.com/office/powerpoint/2010/main" val="1315484338"/>
+        <p14:creationId xmlns:p14="http://schemas.microsoft.com/office/powerpoint/2010/main" val="4024433517"/>
       </p:ext>
     </p:extLst>
   </p:cSld>
@@ -6746,6 +7451,197 @@
           <a:p>
             <a:r>
               <a:rPr lang="en-US" dirty="0"/>
+              <a:t>Other types of virtualization</a:t>
+            </a:r>
+          </a:p>
+        </p:txBody>
+      </p:sp>
+      <p:sp>
+        <p:nvSpPr>
+          <p:cNvPr id="3" name="Content Placeholder 2"/>
+          <p:cNvSpPr>
+            <a:spLocks noGrp="1"/>
+          </p:cNvSpPr>
+          <p:nvPr>
+            <p:ph idx="1"/>
+          </p:nvPr>
+        </p:nvSpPr>
+        <p:spPr>
+          <a:xfrm>
+            <a:off x="708409" y="1690688"/>
+            <a:ext cx="10645391" cy="4532312"/>
+          </a:xfrm>
+        </p:spPr>
+        <p:txBody>
+          <a:bodyPr>
+            <a:normAutofit/>
+          </a:bodyPr>
+          <a:lstStyle/>
+          <a:p>
+            <a:pPr>
+              <a:defRPr/>
+            </a:pPr>
+            <a:r>
+              <a:rPr lang="en-US" dirty="0"/>
+              <a:t>Web Server</a:t>
+            </a:r>
+          </a:p>
+          <a:p>
+            <a:pPr lvl="1">
+              <a:defRPr/>
+            </a:pPr>
+            <a:r>
+              <a:rPr lang="en-US" dirty="0"/>
+              <a:t>Virtual hosts using a different hostname, configuration file</a:t>
+            </a:r>
+          </a:p>
+          <a:p>
+            <a:pPr>
+              <a:defRPr/>
+            </a:pPr>
+            <a:r>
+              <a:rPr lang="en-US" dirty="0"/>
+              <a:t>Virtual Environments</a:t>
+            </a:r>
+          </a:p>
+          <a:p>
+            <a:pPr lvl="1">
+              <a:defRPr/>
+            </a:pPr>
+            <a:r>
+              <a:rPr lang="en-US" dirty="0"/>
+              <a:t>Java, Python and Ruby amongst others have the ability to configure separate versions of language and libraries</a:t>
+            </a:r>
+          </a:p>
+          <a:p>
+            <a:pPr>
+              <a:defRPr/>
+            </a:pPr>
+            <a:r>
+              <a:rPr lang="en-US" dirty="0"/>
+              <a:t>Containers</a:t>
+            </a:r>
+          </a:p>
+          <a:p>
+            <a:pPr lvl="1">
+              <a:defRPr/>
+            </a:pPr>
+            <a:r>
+              <a:rPr lang="en-US" dirty="0"/>
+              <a:t>Like VMs but run in user space and packages binaries and libraries</a:t>
+            </a:r>
+          </a:p>
+          <a:p>
+            <a:pPr lvl="1">
+              <a:defRPr/>
+            </a:pPr>
+            <a:r>
+              <a:rPr lang="en-US" dirty="0"/>
+              <a:t>Docker, Kubernetes, AWS Containers (Docker)</a:t>
+            </a:r>
+          </a:p>
+          <a:p>
+            <a:pPr>
+              <a:defRPr/>
+            </a:pPr>
+            <a:r>
+              <a:rPr lang="en-US" dirty="0" err="1"/>
+              <a:t>Serverless</a:t>
+            </a:r>
+            <a:r>
+              <a:rPr lang="en-US" dirty="0"/>
+              <a:t> Environments</a:t>
+            </a:r>
+          </a:p>
+          <a:p>
+            <a:pPr lvl="1">
+              <a:defRPr/>
+            </a:pPr>
+            <a:r>
+              <a:rPr lang="en-US" dirty="0"/>
+              <a:t>Code is executed in response to an event, including HTTP</a:t>
+            </a:r>
+          </a:p>
+          <a:p>
+            <a:pPr marL="0" indent="0">
+              <a:buNone/>
+              <a:defRPr/>
+            </a:pPr>
+            <a:endParaRPr lang="en-US" dirty="0"/>
+          </a:p>
+          <a:p>
+            <a:pPr>
+              <a:defRPr/>
+            </a:pPr>
+            <a:endParaRPr lang="en-US" dirty="0"/>
+          </a:p>
+          <a:p>
+            <a:pPr>
+              <a:defRPr/>
+            </a:pPr>
+            <a:endParaRPr lang="en-US" dirty="0"/>
+          </a:p>
+          <a:p>
+            <a:pPr>
+              <a:defRPr/>
+            </a:pPr>
+            <a:endParaRPr lang="en-US" dirty="0"/>
+          </a:p>
+          <a:p>
+            <a:pPr>
+              <a:defRPr/>
+            </a:pPr>
+            <a:endParaRPr lang="en-US" dirty="0"/>
+          </a:p>
+        </p:txBody>
+      </p:sp>
+    </p:spTree>
+    <p:extLst>
+      <p:ext uri="{BB962C8B-B14F-4D97-AF65-F5344CB8AC3E}">
+        <p14:creationId xmlns:p14="http://schemas.microsoft.com/office/powerpoint/2010/main" val="1315484338"/>
+      </p:ext>
+    </p:extLst>
+  </p:cSld>
+  <p:clrMapOvr>
+    <a:masterClrMapping/>
+  </p:clrMapOvr>
+</p:sld>
+</file>
+
+<file path=ppt/slides/slide13.xml><?xml version="1.0" encoding="utf-8"?>
+<p:sld xmlns:a="http://schemas.openxmlformats.org/drawingml/2006/main" xmlns:r="http://schemas.openxmlformats.org/officeDocument/2006/relationships" xmlns:p="http://schemas.openxmlformats.org/presentationml/2006/main">
+  <p:cSld>
+    <p:spTree>
+      <p:nvGrpSpPr>
+        <p:cNvPr id="1" name=""/>
+        <p:cNvGrpSpPr/>
+        <p:nvPr/>
+      </p:nvGrpSpPr>
+      <p:grpSpPr>
+        <a:xfrm>
+          <a:off x="0" y="0"/>
+          <a:ext cx="0" cy="0"/>
+          <a:chOff x="0" y="0"/>
+          <a:chExt cx="0" cy="0"/>
+        </a:xfrm>
+      </p:grpSpPr>
+      <p:sp>
+        <p:nvSpPr>
+          <p:cNvPr id="2" name="Title 1"/>
+          <p:cNvSpPr>
+            <a:spLocks noGrp="1"/>
+          </p:cNvSpPr>
+          <p:nvPr>
+            <p:ph type="title"/>
+          </p:nvPr>
+        </p:nvSpPr>
+        <p:spPr/>
+        <p:txBody>
+          <a:bodyPr/>
+          <a:lstStyle/>
+          <a:p>
+            <a:r>
+              <a:rPr lang="en-US" dirty="0"/>
               <a:t>Containers</a:t>
             </a:r>
           </a:p>
@@ -6852,7 +7748,186 @@
 </p:sld>
 </file>
 
-<file path=ppt/slides/slide13.xml><?xml version="1.0" encoding="utf-8"?>
+<file path=ppt/slides/slide14.xml><?xml version="1.0" encoding="utf-8"?>
+<p:sld xmlns:a="http://schemas.openxmlformats.org/drawingml/2006/main" xmlns:r="http://schemas.openxmlformats.org/officeDocument/2006/relationships" xmlns:p="http://schemas.openxmlformats.org/presentationml/2006/main">
+  <p:cSld>
+    <p:spTree>
+      <p:nvGrpSpPr>
+        <p:cNvPr id="1" name=""/>
+        <p:cNvGrpSpPr/>
+        <p:nvPr/>
+      </p:nvGrpSpPr>
+      <p:grpSpPr>
+        <a:xfrm>
+          <a:off x="0" y="0"/>
+          <a:ext cx="0" cy="0"/>
+          <a:chOff x="0" y="0"/>
+          <a:chExt cx="0" cy="0"/>
+        </a:xfrm>
+      </p:grpSpPr>
+      <p:sp>
+        <p:nvSpPr>
+          <p:cNvPr id="2" name="Title 1"/>
+          <p:cNvSpPr>
+            <a:spLocks noGrp="1"/>
+          </p:cNvSpPr>
+          <p:nvPr>
+            <p:ph type="title"/>
+          </p:nvPr>
+        </p:nvSpPr>
+        <p:spPr/>
+        <p:txBody>
+          <a:bodyPr/>
+          <a:lstStyle/>
+          <a:p>
+            <a:r>
+              <a:rPr lang="en-US" dirty="0"/>
+              <a:t>Docker Architecture</a:t>
+            </a:r>
+          </a:p>
+        </p:txBody>
+      </p:sp>
+      <p:sp>
+        <p:nvSpPr>
+          <p:cNvPr id="3" name="Content Placeholder 2"/>
+          <p:cNvSpPr>
+            <a:spLocks noGrp="1"/>
+          </p:cNvSpPr>
+          <p:nvPr>
+            <p:ph idx="1"/>
+          </p:nvPr>
+        </p:nvSpPr>
+        <p:spPr>
+          <a:xfrm>
+            <a:off x="708409" y="1690688"/>
+            <a:ext cx="6553003" cy="4532312"/>
+          </a:xfrm>
+        </p:spPr>
+        <p:txBody>
+          <a:bodyPr>
+            <a:normAutofit lnSpcReduction="10000"/>
+          </a:bodyPr>
+          <a:lstStyle/>
+          <a:p>
+            <a:pPr>
+              <a:defRPr/>
+            </a:pPr>
+            <a:r>
+              <a:rPr lang="en-US" dirty="0"/>
+              <a:t>Server (</a:t>
+            </a:r>
+            <a:r>
+              <a:rPr lang="en-US" dirty="0" err="1"/>
+              <a:t>dockerd</a:t>
+            </a:r>
+            <a:r>
+              <a:rPr lang="en-US" dirty="0"/>
+              <a:t>) long running daemon process</a:t>
+            </a:r>
+          </a:p>
+          <a:p>
+            <a:pPr lvl="1">
+              <a:defRPr/>
+            </a:pPr>
+            <a:r>
+              <a:rPr lang="en-US" dirty="0"/>
+              <a:t>Manages data, network, processes, communication, </a:t>
+            </a:r>
+            <a:r>
+              <a:rPr lang="en-US" dirty="0" err="1"/>
+              <a:t>etc</a:t>
+            </a:r>
+            <a:endParaRPr lang="en-US" dirty="0"/>
+          </a:p>
+          <a:p>
+            <a:pPr>
+              <a:defRPr/>
+            </a:pPr>
+            <a:r>
+              <a:rPr lang="en-US" dirty="0"/>
+              <a:t>REST API used to communicate with server</a:t>
+            </a:r>
+          </a:p>
+          <a:p>
+            <a:pPr>
+              <a:defRPr/>
+            </a:pPr>
+            <a:r>
+              <a:rPr lang="en-US" dirty="0"/>
+              <a:t>CLI to execute docker containers</a:t>
+            </a:r>
+          </a:p>
+          <a:p>
+            <a:pPr>
+              <a:defRPr/>
+            </a:pPr>
+            <a:r>
+              <a:rPr lang="en-US" dirty="0"/>
+              <a:t>Instructions for creating a container is placed in an image</a:t>
+            </a:r>
+          </a:p>
+          <a:p>
+            <a:pPr>
+              <a:defRPr/>
+            </a:pPr>
+            <a:r>
+              <a:rPr lang="en-US" dirty="0"/>
+              <a:t>Services orchestrate docker containers in swarms</a:t>
+            </a:r>
+          </a:p>
+          <a:p>
+            <a:pPr marL="0" indent="0">
+              <a:buNone/>
+              <a:defRPr/>
+            </a:pPr>
+            <a:endParaRPr lang="en-US" dirty="0"/>
+          </a:p>
+        </p:txBody>
+      </p:sp>
+      <p:pic>
+        <p:nvPicPr>
+          <p:cNvPr id="4" name="Picture 3">
+            <a:extLst>
+              <a:ext uri="{FF2B5EF4-FFF2-40B4-BE49-F238E27FC236}">
+                <a16:creationId xmlns:a16="http://schemas.microsoft.com/office/drawing/2014/main" id="{64DC06B9-0D78-9F48-9296-6728BA66A415}"/>
+              </a:ext>
+            </a:extLst>
+          </p:cNvPr>
+          <p:cNvPicPr>
+            <a:picLocks noChangeAspect="1"/>
+          </p:cNvPicPr>
+          <p:nvPr/>
+        </p:nvPicPr>
+        <p:blipFill>
+          <a:blip r:embed="rId3"/>
+          <a:stretch>
+            <a:fillRect/>
+          </a:stretch>
+        </p:blipFill>
+        <p:spPr>
+          <a:xfrm>
+            <a:off x="7394430" y="2901930"/>
+            <a:ext cx="4566557" cy="3564142"/>
+          </a:xfrm>
+          <a:prstGeom prst="rect">
+            <a:avLst/>
+          </a:prstGeom>
+        </p:spPr>
+      </p:pic>
+    </p:spTree>
+    <p:extLst>
+      <p:ext uri="{BB962C8B-B14F-4D97-AF65-F5344CB8AC3E}">
+        <p14:creationId xmlns:p14="http://schemas.microsoft.com/office/powerpoint/2010/main" val="3457180233"/>
+      </p:ext>
+    </p:extLst>
+  </p:cSld>
+  <p:clrMapOvr>
+    <a:masterClrMapping/>
+  </p:clrMapOvr>
+</p:sld>
+</file>
+
+<file path=ppt/slides/slide15.xml><?xml version="1.0" encoding="utf-8"?>
 <p:sld xmlns:a="http://schemas.openxmlformats.org/drawingml/2006/main" xmlns:r="http://schemas.openxmlformats.org/officeDocument/2006/relationships" xmlns:p="http://schemas.openxmlformats.org/presentationml/2006/main">
   <p:cSld>
     <p:spTree>
@@ -6994,431 +8069,6 @@
 </p:sld>
 </file>
 
-<file path=ppt/slides/slide14.xml><?xml version="1.0" encoding="utf-8"?>
-<p:sld xmlns:a="http://schemas.openxmlformats.org/drawingml/2006/main" xmlns:r="http://schemas.openxmlformats.org/officeDocument/2006/relationships" xmlns:p="http://schemas.openxmlformats.org/presentationml/2006/main">
-  <p:cSld>
-    <p:spTree>
-      <p:nvGrpSpPr>
-        <p:cNvPr id="1" name=""/>
-        <p:cNvGrpSpPr/>
-        <p:nvPr/>
-      </p:nvGrpSpPr>
-      <p:grpSpPr>
-        <a:xfrm>
-          <a:off x="0" y="0"/>
-          <a:ext cx="0" cy="0"/>
-          <a:chOff x="0" y="0"/>
-          <a:chExt cx="0" cy="0"/>
-        </a:xfrm>
-      </p:grpSpPr>
-      <p:sp>
-        <p:nvSpPr>
-          <p:cNvPr id="2" name="Title 1"/>
-          <p:cNvSpPr>
-            <a:spLocks noGrp="1"/>
-          </p:cNvSpPr>
-          <p:nvPr>
-            <p:ph type="title"/>
-          </p:nvPr>
-        </p:nvSpPr>
-        <p:spPr/>
-        <p:txBody>
-          <a:bodyPr/>
-          <a:lstStyle/>
-          <a:p>
-            <a:r>
-              <a:rPr lang="en-US" dirty="0"/>
-              <a:t>Docker</a:t>
-            </a:r>
-          </a:p>
-        </p:txBody>
-      </p:sp>
-      <p:sp>
-        <p:nvSpPr>
-          <p:cNvPr id="3" name="Content Placeholder 2"/>
-          <p:cNvSpPr>
-            <a:spLocks noGrp="1"/>
-          </p:cNvSpPr>
-          <p:nvPr>
-            <p:ph idx="1"/>
-          </p:nvPr>
-        </p:nvSpPr>
-        <p:spPr>
-          <a:xfrm>
-            <a:off x="708409" y="1690688"/>
-            <a:ext cx="10645391" cy="4532312"/>
-          </a:xfrm>
-        </p:spPr>
-        <p:txBody>
-          <a:bodyPr>
-            <a:normAutofit/>
-          </a:bodyPr>
-          <a:lstStyle/>
-          <a:p>
-            <a:pPr>
-              <a:defRPr/>
-            </a:pPr>
-            <a:r>
-              <a:rPr lang="en-US" dirty="0"/>
-              <a:t>Docker Registry</a:t>
-            </a:r>
-          </a:p>
-          <a:p>
-            <a:pPr lvl="1">
-              <a:defRPr/>
-            </a:pPr>
-            <a:r>
-              <a:rPr lang="en-US" dirty="0"/>
-              <a:t>Contains Docker Images</a:t>
-            </a:r>
-          </a:p>
-          <a:p>
-            <a:pPr lvl="2">
-              <a:defRPr/>
-            </a:pPr>
-            <a:r>
-              <a:rPr lang="en-US" dirty="0"/>
-              <a:t>Instructions to create a Docker Container</a:t>
-            </a:r>
-          </a:p>
-          <a:p>
-            <a:pPr lvl="2">
-              <a:defRPr/>
-            </a:pPr>
-            <a:r>
-              <a:rPr lang="en-US" dirty="0"/>
-              <a:t>Images provide applications, libraries and operating system files </a:t>
-            </a:r>
-          </a:p>
-          <a:p>
-            <a:pPr lvl="1">
-              <a:defRPr/>
-            </a:pPr>
-            <a:r>
-              <a:rPr lang="en-US" dirty="0"/>
-              <a:t>Docker Images can be pulled down to Docker Host</a:t>
-            </a:r>
-          </a:p>
-          <a:p>
-            <a:pPr>
-              <a:defRPr/>
-            </a:pPr>
-            <a:r>
-              <a:rPr lang="en-US" dirty="0"/>
-              <a:t>Docker Host</a:t>
-            </a:r>
-          </a:p>
-          <a:p>
-            <a:pPr lvl="1">
-              <a:defRPr/>
-            </a:pPr>
-            <a:r>
-              <a:rPr lang="en-US" dirty="0"/>
-              <a:t>Host running the containers</a:t>
-            </a:r>
-          </a:p>
-          <a:p>
-            <a:pPr lvl="1">
-              <a:defRPr/>
-            </a:pPr>
-            <a:r>
-              <a:rPr lang="en-US" dirty="0"/>
-              <a:t>Docker daemon – server process that manages the Docker containers</a:t>
-            </a:r>
-          </a:p>
-          <a:p>
-            <a:pPr>
-              <a:defRPr/>
-            </a:pPr>
-            <a:r>
-              <a:rPr lang="en-US" dirty="0"/>
-              <a:t>Docker Client</a:t>
-            </a:r>
-          </a:p>
-          <a:p>
-            <a:pPr lvl="1">
-              <a:defRPr/>
-            </a:pPr>
-            <a:r>
-              <a:rPr lang="en-US" dirty="0"/>
-              <a:t>Client app that allows users to issue Docker commands</a:t>
-            </a:r>
-          </a:p>
-          <a:p>
-            <a:pPr lvl="1">
-              <a:defRPr/>
-            </a:pPr>
-            <a:endParaRPr lang="en-US" dirty="0"/>
-          </a:p>
-          <a:p>
-            <a:pPr>
-              <a:defRPr/>
-            </a:pPr>
-            <a:endParaRPr lang="en-US" dirty="0"/>
-          </a:p>
-          <a:p>
-            <a:pPr>
-              <a:defRPr/>
-            </a:pPr>
-            <a:endParaRPr lang="en-US" dirty="0"/>
-          </a:p>
-          <a:p>
-            <a:pPr>
-              <a:defRPr/>
-            </a:pPr>
-            <a:endParaRPr lang="en-US" dirty="0"/>
-          </a:p>
-          <a:p>
-            <a:pPr>
-              <a:defRPr/>
-            </a:pPr>
-            <a:endParaRPr lang="en-US" dirty="0"/>
-          </a:p>
-        </p:txBody>
-      </p:sp>
-    </p:spTree>
-    <p:extLst>
-      <p:ext uri="{BB962C8B-B14F-4D97-AF65-F5344CB8AC3E}">
-        <p14:creationId xmlns:p14="http://schemas.microsoft.com/office/powerpoint/2010/main" val="3381048554"/>
-      </p:ext>
-    </p:extLst>
-  </p:cSld>
-  <p:clrMapOvr>
-    <a:masterClrMapping/>
-  </p:clrMapOvr>
-</p:sld>
-</file>
-
-<file path=ppt/slides/slide15.xml><?xml version="1.0" encoding="utf-8"?>
-<p:sld xmlns:a="http://schemas.openxmlformats.org/drawingml/2006/main" xmlns:r="http://schemas.openxmlformats.org/officeDocument/2006/relationships" xmlns:p="http://schemas.openxmlformats.org/presentationml/2006/main">
-  <p:cSld>
-    <p:spTree>
-      <p:nvGrpSpPr>
-        <p:cNvPr id="1" name=""/>
-        <p:cNvGrpSpPr/>
-        <p:nvPr/>
-      </p:nvGrpSpPr>
-      <p:grpSpPr>
-        <a:xfrm>
-          <a:off x="0" y="0"/>
-          <a:ext cx="0" cy="0"/>
-          <a:chOff x="0" y="0"/>
-          <a:chExt cx="0" cy="0"/>
-        </a:xfrm>
-      </p:grpSpPr>
-      <p:sp>
-        <p:nvSpPr>
-          <p:cNvPr id="2" name="Title 1"/>
-          <p:cNvSpPr>
-            <a:spLocks noGrp="1"/>
-          </p:cNvSpPr>
-          <p:nvPr>
-            <p:ph type="title"/>
-          </p:nvPr>
-        </p:nvSpPr>
-        <p:spPr/>
-        <p:txBody>
-          <a:bodyPr/>
-          <a:lstStyle/>
-          <a:p>
-            <a:r>
-              <a:rPr lang="en-US" dirty="0"/>
-              <a:t>AWS ECS (Elastic Container Service)</a:t>
-            </a:r>
-          </a:p>
-        </p:txBody>
-      </p:sp>
-      <p:sp>
-        <p:nvSpPr>
-          <p:cNvPr id="3" name="Content Placeholder 2"/>
-          <p:cNvSpPr>
-            <a:spLocks noGrp="1"/>
-          </p:cNvSpPr>
-          <p:nvPr>
-            <p:ph idx="1"/>
-          </p:nvPr>
-        </p:nvSpPr>
-        <p:spPr>
-          <a:xfrm>
-            <a:off x="708409" y="1690688"/>
-            <a:ext cx="10645391" cy="4532312"/>
-          </a:xfrm>
-        </p:spPr>
-        <p:txBody>
-          <a:bodyPr>
-            <a:normAutofit lnSpcReduction="10000"/>
-          </a:bodyPr>
-          <a:lstStyle/>
-          <a:p>
-            <a:pPr>
-              <a:defRPr/>
-            </a:pPr>
-            <a:r>
-              <a:rPr lang="en-US" dirty="0"/>
-              <a:t>Although Docker can be run on a client machine like a Mac or Windows, it is easier to run it on a Linux VM or AWS</a:t>
-            </a:r>
-          </a:p>
-          <a:p>
-            <a:pPr>
-              <a:defRPr/>
-            </a:pPr>
-            <a:r>
-              <a:rPr lang="en-US" dirty="0"/>
-              <a:t>Hello World example</a:t>
-            </a:r>
-          </a:p>
-          <a:p>
-            <a:pPr>
-              <a:defRPr/>
-            </a:pPr>
-            <a:r>
-              <a:rPr lang="en-US" dirty="0"/>
-              <a:t>[1] Create an Ubuntu VM to run Docker</a:t>
-            </a:r>
-          </a:p>
-          <a:p>
-            <a:pPr lvl="1">
-              <a:defRPr/>
-            </a:pPr>
-            <a:r>
-              <a:rPr lang="en-US" dirty="0"/>
-              <a:t>Download </a:t>
-            </a:r>
-            <a:r>
-              <a:rPr lang="en-US" dirty="0" err="1"/>
-              <a:t>VirtualBox</a:t>
-            </a:r>
-            <a:r>
-              <a:rPr lang="en-US" dirty="0"/>
-              <a:t> </a:t>
-            </a:r>
-            <a:r>
-              <a:rPr lang="en-US" dirty="0">
-                <a:hlinkClick r:id="rId3"/>
-              </a:rPr>
-              <a:t>https://www.virtualbox.org/wiki/Downloads</a:t>
-            </a:r>
-            <a:endParaRPr lang="en-US" dirty="0"/>
-          </a:p>
-          <a:p>
-            <a:pPr lvl="1">
-              <a:defRPr/>
-            </a:pPr>
-            <a:r>
-              <a:rPr lang="en-US" dirty="0"/>
-              <a:t>Download Ubuntu image </a:t>
-            </a:r>
-            <a:r>
-              <a:rPr lang="en-US" dirty="0">
-                <a:hlinkClick r:id="rId4"/>
-              </a:rPr>
-              <a:t>https://mirror.aarnet.edu.au/pub/ubuntu/releases/16.04.4/</a:t>
-            </a:r>
-            <a:endParaRPr lang="en-US" dirty="0"/>
-          </a:p>
-          <a:p>
-            <a:pPr lvl="1">
-              <a:defRPr/>
-            </a:pPr>
-            <a:r>
-              <a:rPr lang="en-US" dirty="0"/>
-              <a:t>Start VM using defaults</a:t>
-            </a:r>
-          </a:p>
-          <a:p>
-            <a:pPr>
-              <a:defRPr/>
-            </a:pPr>
-            <a:r>
-              <a:rPr lang="en-US" dirty="0"/>
-              <a:t>[2] Install Docker</a:t>
-            </a:r>
-          </a:p>
-          <a:p>
-            <a:pPr lvl="1">
-              <a:defRPr/>
-            </a:pPr>
-            <a:r>
-              <a:rPr lang="en-US" dirty="0"/>
-              <a:t>Open Terminal then </a:t>
-            </a:r>
-          </a:p>
-          <a:p>
-            <a:pPr lvl="2">
-              <a:defRPr/>
-            </a:pPr>
-            <a:r>
-              <a:rPr lang="en-US" dirty="0" err="1"/>
-              <a:t>sudo</a:t>
-            </a:r>
-            <a:r>
-              <a:rPr lang="en-US" dirty="0"/>
-              <a:t> apt-get update</a:t>
-            </a:r>
-          </a:p>
-          <a:p>
-            <a:pPr lvl="2">
-              <a:defRPr/>
-            </a:pPr>
-            <a:r>
-              <a:rPr lang="en-US" dirty="0" err="1"/>
-              <a:t>sudo</a:t>
-            </a:r>
-            <a:r>
-              <a:rPr lang="en-US" dirty="0"/>
-              <a:t> apt-get install </a:t>
-            </a:r>
-            <a:r>
-              <a:rPr lang="en-US" dirty="0" err="1"/>
-              <a:t>docker-ce</a:t>
-            </a:r>
-            <a:endParaRPr lang="en-US" dirty="0"/>
-          </a:p>
-          <a:p>
-            <a:pPr lvl="1">
-              <a:defRPr/>
-            </a:pPr>
-            <a:endParaRPr lang="en-US" dirty="0"/>
-          </a:p>
-          <a:p>
-            <a:pPr>
-              <a:defRPr/>
-            </a:pPr>
-            <a:endParaRPr lang="en-US" dirty="0"/>
-          </a:p>
-          <a:p>
-            <a:pPr>
-              <a:defRPr/>
-            </a:pPr>
-            <a:endParaRPr lang="en-US" dirty="0"/>
-          </a:p>
-          <a:p>
-            <a:pPr>
-              <a:defRPr/>
-            </a:pPr>
-            <a:endParaRPr lang="en-US" dirty="0"/>
-          </a:p>
-          <a:p>
-            <a:pPr>
-              <a:defRPr/>
-            </a:pPr>
-            <a:endParaRPr lang="en-US" dirty="0"/>
-          </a:p>
-        </p:txBody>
-      </p:sp>
-    </p:spTree>
-    <p:extLst>
-      <p:ext uri="{BB962C8B-B14F-4D97-AF65-F5344CB8AC3E}">
-        <p14:creationId xmlns:p14="http://schemas.microsoft.com/office/powerpoint/2010/main" val="3596589084"/>
-      </p:ext>
-    </p:extLst>
-  </p:cSld>
-  <p:clrMapOvr>
-    <a:masterClrMapping/>
-  </p:clrMapOvr>
-</p:sld>
-</file>
-
 <file path=ppt/slides/slide16.xml><?xml version="1.0" encoding="utf-8"?>
 <p:sld xmlns:a="http://schemas.openxmlformats.org/drawingml/2006/main" xmlns:r="http://schemas.openxmlformats.org/officeDocument/2006/relationships" xmlns:p="http://schemas.openxmlformats.org/presentationml/2006/main">
   <p:cSld>
@@ -7453,7 +8103,7 @@
           <a:p>
             <a:r>
               <a:rPr lang="en-US" dirty="0"/>
-              <a:t>Docker example</a:t>
+              <a:t>Docker</a:t>
             </a:r>
           </a:p>
         </p:txBody>
@@ -7485,13 +8135,8 @@
             </a:pPr>
             <a:r>
               <a:rPr lang="en-US" dirty="0"/>
-              <a:t>Create a </a:t>
-            </a:r>
-            <a:r>
-              <a:rPr lang="en-US" dirty="0" err="1"/>
-              <a:t>Dockerfile</a:t>
-            </a:r>
-            <a:endParaRPr lang="en-US" dirty="0"/>
+              <a:t>Docker Registry</a:t>
+            </a:r>
           </a:p>
           <a:p>
             <a:pPr lvl="1">
@@ -7499,7 +8144,25 @@
             </a:pPr>
             <a:r>
               <a:rPr lang="en-US" dirty="0"/>
-              <a:t>FROM httpd:2.4</a:t>
+              <a:t>Contains Docker Images</a:t>
+            </a:r>
+          </a:p>
+          <a:p>
+            <a:pPr lvl="2">
+              <a:defRPr/>
+            </a:pPr>
+            <a:r>
+              <a:rPr lang="en-US" dirty="0"/>
+              <a:t>Instructions to create a Docker Container</a:t>
+            </a:r>
+          </a:p>
+          <a:p>
+            <a:pPr lvl="2">
+              <a:defRPr/>
+            </a:pPr>
+            <a:r>
+              <a:rPr lang="en-US" dirty="0"/>
+              <a:t>Images provide applications, libraries and operating system files </a:t>
             </a:r>
           </a:p>
           <a:p>
@@ -7508,23 +8171,7 @@
             </a:pPr>
             <a:r>
               <a:rPr lang="en-US" dirty="0"/>
-              <a:t>COPY ./public-html/ /</a:t>
-            </a:r>
-            <a:r>
-              <a:rPr lang="en-US" dirty="0" err="1"/>
-              <a:t>usr</a:t>
-            </a:r>
-            <a:r>
-              <a:rPr lang="en-US" dirty="0"/>
-              <a:t>/local/apache2/</a:t>
-            </a:r>
-            <a:r>
-              <a:rPr lang="en-US" dirty="0" err="1"/>
-              <a:t>htdocs</a:t>
-            </a:r>
-            <a:r>
-              <a:rPr lang="en-US" dirty="0"/>
-              <a:t>/</a:t>
+              <a:t>Docker Images can be pulled down to Docker Host</a:t>
             </a:r>
           </a:p>
           <a:p>
@@ -7533,15 +8180,25 @@
             </a:pPr>
             <a:r>
               <a:rPr lang="en-US" dirty="0"/>
-              <a:t>Create a file </a:t>
-            </a:r>
-            <a:r>
-              <a:rPr lang="en-US" dirty="0" err="1"/>
-              <a:t>index.html</a:t>
-            </a:r>
-            <a:r>
-              <a:rPr lang="en-US" dirty="0"/>
-              <a:t> in ./public-html and add “hello world”</a:t>
+              <a:t>Docker Host</a:t>
+            </a:r>
+          </a:p>
+          <a:p>
+            <a:pPr lvl="1">
+              <a:defRPr/>
+            </a:pPr>
+            <a:r>
+              <a:rPr lang="en-US" dirty="0"/>
+              <a:t>Host running the containers</a:t>
+            </a:r>
+          </a:p>
+          <a:p>
+            <a:pPr lvl="1">
+              <a:defRPr/>
+            </a:pPr>
+            <a:r>
+              <a:rPr lang="en-US" dirty="0"/>
+              <a:t>Docker daemon – server process that manages the Docker containers</a:t>
             </a:r>
           </a:p>
           <a:p>
@@ -7549,43 +8206,24 @@
               <a:defRPr/>
             </a:pPr>
             <a:r>
-              <a:rPr lang="en-US" dirty="0" err="1"/>
-              <a:t>docker</a:t>
-            </a:r>
-            <a:r>
-              <a:rPr lang="en-US" dirty="0"/>
-              <a:t> build -t my-apache2 .</a:t>
-            </a:r>
-          </a:p>
-          <a:p>
-            <a:pPr>
+              <a:rPr lang="en-US" dirty="0"/>
+              <a:t>Docker Client</a:t>
+            </a:r>
+          </a:p>
+          <a:p>
+            <a:pPr lvl="1">
               <a:defRPr/>
             </a:pPr>
             <a:r>
-              <a:rPr lang="en-US" dirty="0" err="1"/>
-              <a:t>docker</a:t>
-            </a:r>
-            <a:r>
-              <a:rPr lang="en-US" dirty="0"/>
-              <a:t> run -</a:t>
-            </a:r>
-            <a:r>
-              <a:rPr lang="en-US" dirty="0" err="1"/>
-              <a:t>dit</a:t>
-            </a:r>
-            <a:r>
-              <a:rPr lang="en-US" dirty="0"/>
-              <a:t> -p 8080:80 --name my-app my-apache2</a:t>
-            </a:r>
-          </a:p>
-          <a:p>
-            <a:pPr>
+              <a:rPr lang="en-US" dirty="0"/>
+              <a:t>Client app that allows users to issue Docker commands</a:t>
+            </a:r>
+          </a:p>
+          <a:p>
+            <a:pPr lvl="1">
               <a:defRPr/>
             </a:pPr>
-            <a:r>
-              <a:rPr lang="en-US" dirty="0"/>
-              <a:t>Open browser and check hell world</a:t>
-            </a:r>
+            <a:endParaRPr lang="en-US" dirty="0"/>
           </a:p>
           <a:p>
             <a:pPr>
@@ -7605,12 +8243,18 @@
             </a:pPr>
             <a:endParaRPr lang="en-US" dirty="0"/>
           </a:p>
+          <a:p>
+            <a:pPr>
+              <a:defRPr/>
+            </a:pPr>
+            <a:endParaRPr lang="en-US" dirty="0"/>
+          </a:p>
         </p:txBody>
       </p:sp>
     </p:spTree>
     <p:extLst>
       <p:ext uri="{BB962C8B-B14F-4D97-AF65-F5344CB8AC3E}">
-        <p14:creationId xmlns:p14="http://schemas.microsoft.com/office/powerpoint/2010/main" val="4277884697"/>
+        <p14:creationId xmlns:p14="http://schemas.microsoft.com/office/powerpoint/2010/main" val="3381048554"/>
       </p:ext>
     </p:extLst>
   </p:cSld>
@@ -7639,13 +8283,7 @@
       </p:grpSpPr>
       <p:sp>
         <p:nvSpPr>
-          <p:cNvPr id="2" name="Title 1">
-            <a:extLst>
-              <a:ext uri="{FF2B5EF4-FFF2-40B4-BE49-F238E27FC236}">
-                <a16:creationId xmlns:a16="http://schemas.microsoft.com/office/drawing/2014/main" id="{6F34F41A-90EB-834D-8292-39E3753C281A}"/>
-              </a:ext>
-            </a:extLst>
-          </p:cNvPr>
+          <p:cNvPr id="2" name="Title 1"/>
           <p:cNvSpPr>
             <a:spLocks noGrp="1"/>
           </p:cNvSpPr>
@@ -7660,20 +8298,14 @@
           <a:p>
             <a:r>
               <a:rPr lang="en-US" dirty="0"/>
-              <a:t>AWS ECS Example</a:t>
-            </a:r>
-          </a:p>
-        </p:txBody>
-      </p:sp>
-      <p:sp>
-        <p:nvSpPr>
-          <p:cNvPr id="3" name="Content Placeholder 2">
-            <a:extLst>
-              <a:ext uri="{FF2B5EF4-FFF2-40B4-BE49-F238E27FC236}">
-                <a16:creationId xmlns:a16="http://schemas.microsoft.com/office/drawing/2014/main" id="{92A638FF-83C8-8247-A955-3486D120425E}"/>
-              </a:ext>
-            </a:extLst>
-          </p:cNvPr>
+              <a:t>Docker underlying technology</a:t>
+            </a:r>
+          </a:p>
+        </p:txBody>
+      </p:sp>
+      <p:sp>
+        <p:nvSpPr>
+          <p:cNvPr id="3" name="Content Placeholder 2"/>
           <p:cNvSpPr>
             <a:spLocks noGrp="1"/>
           </p:cNvSpPr>
@@ -7681,123 +8313,497 @@
             <p:ph idx="1"/>
           </p:nvPr>
         </p:nvSpPr>
-        <p:spPr/>
-        <p:txBody>
-          <a:bodyPr/>
-          <a:lstStyle/>
-          <a:p>
-            <a:r>
-              <a:rPr lang="en-US" dirty="0"/>
-              <a:t>Navigate to ECS</a:t>
-            </a:r>
-          </a:p>
-          <a:p>
-            <a:r>
-              <a:rPr lang="en-US" dirty="0"/>
-              <a:t>Create Cluster</a:t>
-            </a:r>
-          </a:p>
-          <a:p>
-            <a:r>
-              <a:rPr lang="en-US" dirty="0"/>
-              <a:t>Select EC2 Linux + Networking</a:t>
-            </a:r>
-          </a:p>
-          <a:p>
-            <a:pPr lvl="1"/>
-            <a:r>
-              <a:rPr lang="en-US" dirty="0"/>
-              <a:t>Creates a Cluster</a:t>
-            </a:r>
-          </a:p>
-          <a:p>
-            <a:pPr lvl="1"/>
-            <a:r>
-              <a:rPr lang="en-US" dirty="0"/>
-              <a:t>VPC</a:t>
-            </a:r>
-          </a:p>
-          <a:p>
-            <a:pPr lvl="1"/>
-            <a:r>
-              <a:rPr lang="en-US" dirty="0"/>
-              <a:t>Subnets</a:t>
-            </a:r>
-          </a:p>
-          <a:p>
-            <a:pPr lvl="1"/>
-            <a:r>
-              <a:rPr lang="en-US" dirty="0"/>
-              <a:t>Auto Scaling group</a:t>
-            </a:r>
-          </a:p>
-          <a:p>
-            <a:r>
-              <a:rPr lang="en-US" dirty="0"/>
-              <a:t>Default program Hello World</a:t>
-            </a:r>
-          </a:p>
-        </p:txBody>
-      </p:sp>
-      <p:sp>
-        <p:nvSpPr>
-          <p:cNvPr id="4" name="Footer Placeholder 3">
-            <a:extLst>
-              <a:ext uri="{FF2B5EF4-FFF2-40B4-BE49-F238E27FC236}">
-                <a16:creationId xmlns:a16="http://schemas.microsoft.com/office/drawing/2014/main" id="{C05C8335-CEFE-5C44-A217-AB0FBB70D64E}"/>
-              </a:ext>
-            </a:extLst>
-          </p:cNvPr>
-          <p:cNvSpPr>
-            <a:spLocks noGrp="1"/>
-          </p:cNvSpPr>
-          <p:nvPr>
-            <p:ph type="ftr" sz="quarter" idx="11"/>
-          </p:nvPr>
-        </p:nvSpPr>
-        <p:spPr/>
-        <p:txBody>
-          <a:bodyPr/>
-          <a:lstStyle/>
-          <a:p>
-            <a:endParaRPr lang="en-GB" dirty="0"/>
-          </a:p>
-        </p:txBody>
-      </p:sp>
-      <p:sp>
-        <p:nvSpPr>
-          <p:cNvPr id="5" name="Slide Number Placeholder 4">
-            <a:extLst>
-              <a:ext uri="{FF2B5EF4-FFF2-40B4-BE49-F238E27FC236}">
-                <a16:creationId xmlns:a16="http://schemas.microsoft.com/office/drawing/2014/main" id="{77726B13-C263-444B-BF9B-C9588249DACC}"/>
-              </a:ext>
-            </a:extLst>
-          </p:cNvPr>
-          <p:cNvSpPr>
-            <a:spLocks noGrp="1"/>
-          </p:cNvSpPr>
-          <p:nvPr>
-            <p:ph type="sldNum" sz="quarter" idx="12"/>
-          </p:nvPr>
-        </p:nvSpPr>
-        <p:spPr/>
-        <p:txBody>
-          <a:bodyPr/>
-          <a:lstStyle/>
-          <a:p>
-            <a:fld id="{05072F42-4DFA-4725-86F9-7594E4AB4EB5}" type="slidenum">
-              <a:rPr lang="en-GB" smtClean="0"/>
-              <a:pPr/>
-              <a:t>17</a:t>
-            </a:fld>
-            <a:endParaRPr lang="en-GB"/>
+        <p:spPr>
+          <a:xfrm>
+            <a:off x="708409" y="1690688"/>
+            <a:ext cx="10645391" cy="4532312"/>
+          </a:xfrm>
+        </p:spPr>
+        <p:txBody>
+          <a:bodyPr>
+            <a:normAutofit fontScale="92500" lnSpcReduction="10000"/>
+          </a:bodyPr>
+          <a:lstStyle/>
+          <a:p>
+            <a:pPr>
+              <a:defRPr/>
+            </a:pPr>
+            <a:r>
+              <a:rPr lang="en-US" dirty="0"/>
+              <a:t>Linux namespaces provide isolation:</a:t>
+            </a:r>
+          </a:p>
+          <a:p>
+            <a:pPr lvl="1">
+              <a:defRPr/>
+            </a:pPr>
+            <a:r>
+              <a:rPr lang="en-US" dirty="0"/>
+              <a:t>Process isolation: </a:t>
+            </a:r>
+            <a:r>
+              <a:rPr lang="en-US" dirty="0" err="1"/>
+              <a:t>pid</a:t>
+            </a:r>
+            <a:r>
+              <a:rPr lang="en-US" dirty="0"/>
+              <a:t> namespace</a:t>
+            </a:r>
+          </a:p>
+          <a:p>
+            <a:pPr lvl="1">
+              <a:defRPr/>
+            </a:pPr>
+            <a:r>
+              <a:rPr lang="en-US" dirty="0"/>
+              <a:t>Network interfaces: net namespace</a:t>
+            </a:r>
+          </a:p>
+          <a:p>
+            <a:pPr lvl="1">
+              <a:defRPr/>
+            </a:pPr>
+            <a:r>
+              <a:rPr lang="en-US" dirty="0" err="1"/>
+              <a:t>Interprocess</a:t>
+            </a:r>
+            <a:r>
+              <a:rPr lang="en-US" dirty="0"/>
+              <a:t> communication: </a:t>
+            </a:r>
+            <a:r>
+              <a:rPr lang="en-US" dirty="0" err="1"/>
+              <a:t>ipc</a:t>
+            </a:r>
+            <a:r>
+              <a:rPr lang="en-US" dirty="0"/>
+              <a:t> namespace</a:t>
+            </a:r>
+          </a:p>
+          <a:p>
+            <a:pPr lvl="1">
+              <a:defRPr/>
+            </a:pPr>
+            <a:r>
+              <a:rPr lang="en-US" dirty="0"/>
+              <a:t>Filesystem: </a:t>
+            </a:r>
+            <a:r>
+              <a:rPr lang="en-US" dirty="0" err="1"/>
+              <a:t>mnt</a:t>
+            </a:r>
+            <a:r>
+              <a:rPr lang="en-US" dirty="0"/>
+              <a:t> namespace</a:t>
+            </a:r>
+          </a:p>
+          <a:p>
+            <a:pPr lvl="1">
+              <a:defRPr/>
+            </a:pPr>
+            <a:r>
+              <a:rPr lang="en-US" dirty="0"/>
+              <a:t>Kernel and version identifiers: </a:t>
+            </a:r>
+            <a:r>
+              <a:rPr lang="en-US" dirty="0" err="1"/>
+              <a:t>uts</a:t>
+            </a:r>
+            <a:r>
+              <a:rPr lang="en-US" dirty="0"/>
+              <a:t> namespace</a:t>
+            </a:r>
+          </a:p>
+          <a:p>
+            <a:pPr>
+              <a:defRPr/>
+            </a:pPr>
+            <a:r>
+              <a:rPr lang="en-US" dirty="0"/>
+              <a:t>Control groups (</a:t>
+            </a:r>
+            <a:r>
+              <a:rPr lang="en-US" dirty="0" err="1"/>
+              <a:t>cgroups</a:t>
+            </a:r>
+            <a:r>
+              <a:rPr lang="en-US" dirty="0"/>
+              <a:t>)</a:t>
+            </a:r>
+          </a:p>
+          <a:p>
+            <a:pPr lvl="1">
+              <a:defRPr/>
+            </a:pPr>
+            <a:r>
+              <a:rPr lang="en-US" dirty="0"/>
+              <a:t>Limits resources such as CPU, memory, network bandwidth, device access control</a:t>
+            </a:r>
+          </a:p>
+          <a:p>
+            <a:pPr>
+              <a:defRPr/>
+            </a:pPr>
+            <a:r>
+              <a:rPr lang="en-US" dirty="0" err="1"/>
+              <a:t>UnionFS</a:t>
+            </a:r>
+            <a:endParaRPr lang="en-US" dirty="0"/>
+          </a:p>
+          <a:p>
+            <a:pPr lvl="1">
+              <a:defRPr/>
+            </a:pPr>
+            <a:r>
+              <a:rPr lang="en-US" dirty="0"/>
+              <a:t>Layered files used for containers</a:t>
+            </a:r>
+          </a:p>
+          <a:p>
+            <a:pPr>
+              <a:defRPr/>
+            </a:pPr>
+            <a:r>
+              <a:rPr lang="en-US" dirty="0"/>
+              <a:t>Container format</a:t>
+            </a:r>
+          </a:p>
+          <a:p>
+            <a:pPr lvl="1">
+              <a:defRPr/>
+            </a:pPr>
+            <a:r>
+              <a:rPr lang="en-US" dirty="0" err="1"/>
+              <a:t>libcontainer</a:t>
+            </a:r>
+            <a:r>
+              <a:rPr lang="en-US" dirty="0"/>
+              <a:t> – Docker may use other formats in the future</a:t>
+            </a:r>
+          </a:p>
+          <a:p>
+            <a:pPr lvl="1">
+              <a:defRPr/>
+            </a:pPr>
+            <a:endParaRPr lang="en-US" dirty="0"/>
+          </a:p>
+          <a:p>
+            <a:pPr>
+              <a:defRPr/>
+            </a:pPr>
+            <a:endParaRPr lang="en-US" dirty="0"/>
+          </a:p>
+          <a:p>
+            <a:pPr>
+              <a:defRPr/>
+            </a:pPr>
+            <a:endParaRPr lang="en-US" dirty="0"/>
+          </a:p>
+          <a:p>
+            <a:pPr>
+              <a:defRPr/>
+            </a:pPr>
+            <a:endParaRPr lang="en-US" dirty="0"/>
+          </a:p>
+          <a:p>
+            <a:pPr>
+              <a:defRPr/>
+            </a:pPr>
+            <a:endParaRPr lang="en-US" dirty="0"/>
           </a:p>
         </p:txBody>
       </p:sp>
     </p:spTree>
     <p:extLst>
       <p:ext uri="{BB962C8B-B14F-4D97-AF65-F5344CB8AC3E}">
-        <p14:creationId xmlns:p14="http://schemas.microsoft.com/office/powerpoint/2010/main" val="2789489296"/>
+        <p14:creationId xmlns:p14="http://schemas.microsoft.com/office/powerpoint/2010/main" val="247981001"/>
+      </p:ext>
+    </p:extLst>
+  </p:cSld>
+  <p:clrMapOvr>
+    <a:masterClrMapping/>
+  </p:clrMapOvr>
+</p:sld>
+</file>
+
+<file path=ppt/slides/slide18.xml><?xml version="1.0" encoding="utf-8"?>
+<p:sld xmlns:a="http://schemas.openxmlformats.org/drawingml/2006/main" xmlns:r="http://schemas.openxmlformats.org/officeDocument/2006/relationships" xmlns:p="http://schemas.openxmlformats.org/presentationml/2006/main">
+  <p:cSld>
+    <p:spTree>
+      <p:nvGrpSpPr>
+        <p:cNvPr id="1" name=""/>
+        <p:cNvGrpSpPr/>
+        <p:nvPr/>
+      </p:nvGrpSpPr>
+      <p:grpSpPr>
+        <a:xfrm>
+          <a:off x="0" y="0"/>
+          <a:ext cx="0" cy="0"/>
+          <a:chOff x="0" y="0"/>
+          <a:chExt cx="0" cy="0"/>
+        </a:xfrm>
+      </p:grpSpPr>
+      <p:sp>
+        <p:nvSpPr>
+          <p:cNvPr id="2" name="Title 1"/>
+          <p:cNvSpPr>
+            <a:spLocks noGrp="1"/>
+          </p:cNvSpPr>
+          <p:nvPr>
+            <p:ph type="title"/>
+          </p:nvPr>
+        </p:nvSpPr>
+        <p:spPr/>
+        <p:txBody>
+          <a:bodyPr/>
+          <a:lstStyle/>
+          <a:p>
+            <a:r>
+              <a:rPr lang="en-US" dirty="0"/>
+              <a:t>Properties of Containers </a:t>
+            </a:r>
+          </a:p>
+        </p:txBody>
+      </p:sp>
+      <p:sp>
+        <p:nvSpPr>
+          <p:cNvPr id="3" name="Content Placeholder 2"/>
+          <p:cNvSpPr>
+            <a:spLocks noGrp="1"/>
+          </p:cNvSpPr>
+          <p:nvPr>
+            <p:ph idx="1"/>
+          </p:nvPr>
+        </p:nvSpPr>
+        <p:spPr>
+          <a:xfrm>
+            <a:off x="708409" y="1690688"/>
+            <a:ext cx="10645391" cy="4532312"/>
+          </a:xfrm>
+        </p:spPr>
+        <p:txBody>
+          <a:bodyPr>
+            <a:normAutofit fontScale="92500" lnSpcReduction="10000"/>
+          </a:bodyPr>
+          <a:lstStyle/>
+          <a:p>
+            <a:r>
+              <a:rPr lang="en-AU" b="1" dirty="0"/>
+              <a:t>Remember the properties of VMs? </a:t>
+            </a:r>
+          </a:p>
+          <a:p>
+            <a:r>
+              <a:rPr lang="en-AU" b="1" dirty="0"/>
+              <a:t>Partitioning</a:t>
+            </a:r>
+            <a:endParaRPr lang="en-AU" dirty="0"/>
+          </a:p>
+          <a:p>
+            <a:pPr lvl="1"/>
+            <a:r>
+              <a:rPr lang="en-AU" dirty="0"/>
+              <a:t>🚫 Run multiple operating systems on one physical machine.</a:t>
+            </a:r>
+          </a:p>
+          <a:p>
+            <a:pPr lvl="1"/>
+            <a:r>
+              <a:rPr lang="en-AU" dirty="0"/>
+              <a:t>✅ Divide system resources between containers.</a:t>
+            </a:r>
+          </a:p>
+          <a:p>
+            <a:r>
+              <a:rPr lang="en-AU" b="1" dirty="0"/>
+              <a:t>Isolation</a:t>
+            </a:r>
+            <a:endParaRPr lang="en-AU" dirty="0"/>
+          </a:p>
+          <a:p>
+            <a:pPr lvl="1"/>
+            <a:r>
+              <a:rPr lang="en-AU" dirty="0"/>
+              <a:t>Provide fault and security isolation at the software level.</a:t>
+            </a:r>
+          </a:p>
+          <a:p>
+            <a:pPr lvl="1"/>
+            <a:r>
+              <a:rPr lang="en-AU" dirty="0"/>
+              <a:t>Preserve performance with resource controls.</a:t>
+            </a:r>
+          </a:p>
+          <a:p>
+            <a:r>
+              <a:rPr lang="en-AU" b="1" dirty="0"/>
+              <a:t>Encapsulation</a:t>
+            </a:r>
+            <a:endParaRPr lang="en-AU" dirty="0"/>
+          </a:p>
+          <a:p>
+            <a:pPr lvl="1"/>
+            <a:r>
+              <a:rPr lang="en-AU" dirty="0"/>
+              <a:t>Containers not really designed to save state – they are temporary.</a:t>
+            </a:r>
+          </a:p>
+          <a:p>
+            <a:pPr lvl="1"/>
+            <a:r>
+              <a:rPr lang="en-AU" dirty="0"/>
+              <a:t>Can create numerous instances rapidly</a:t>
+            </a:r>
+          </a:p>
+          <a:p>
+            <a:r>
+              <a:rPr lang="en-AU" b="1" dirty="0"/>
+              <a:t>Hardware Independence</a:t>
+            </a:r>
+            <a:endParaRPr lang="en-AU" dirty="0"/>
+          </a:p>
+          <a:p>
+            <a:pPr lvl="1"/>
+            <a:r>
+              <a:rPr lang="en-AU" dirty="0"/>
+              <a:t>Provision containers on any physical server.</a:t>
+            </a:r>
+          </a:p>
+          <a:p>
+            <a:pPr>
+              <a:defRPr/>
+            </a:pPr>
+            <a:endParaRPr lang="en-US" dirty="0"/>
+          </a:p>
+        </p:txBody>
+      </p:sp>
+    </p:spTree>
+    <p:extLst>
+      <p:ext uri="{BB962C8B-B14F-4D97-AF65-F5344CB8AC3E}">
+        <p14:creationId xmlns:p14="http://schemas.microsoft.com/office/powerpoint/2010/main" val="2753040705"/>
+      </p:ext>
+    </p:extLst>
+  </p:cSld>
+  <p:clrMapOvr>
+    <a:masterClrMapping/>
+  </p:clrMapOvr>
+</p:sld>
+</file>
+
+<file path=ppt/slides/slide19.xml><?xml version="1.0" encoding="utf-8"?>
+<p:sld xmlns:a="http://schemas.openxmlformats.org/drawingml/2006/main" xmlns:r="http://schemas.openxmlformats.org/officeDocument/2006/relationships" xmlns:p="http://schemas.openxmlformats.org/presentationml/2006/main">
+  <p:cSld>
+    <p:spTree>
+      <p:nvGrpSpPr>
+        <p:cNvPr id="1" name=""/>
+        <p:cNvGrpSpPr/>
+        <p:nvPr/>
+      </p:nvGrpSpPr>
+      <p:grpSpPr>
+        <a:xfrm>
+          <a:off x="0" y="0"/>
+          <a:ext cx="0" cy="0"/>
+          <a:chOff x="0" y="0"/>
+          <a:chExt cx="0" cy="0"/>
+        </a:xfrm>
+      </p:grpSpPr>
+      <p:sp>
+        <p:nvSpPr>
+          <p:cNvPr id="2" name="Title 1"/>
+          <p:cNvSpPr>
+            <a:spLocks noGrp="1"/>
+          </p:cNvSpPr>
+          <p:nvPr>
+            <p:ph type="title"/>
+          </p:nvPr>
+        </p:nvSpPr>
+        <p:spPr/>
+        <p:txBody>
+          <a:bodyPr/>
+          <a:lstStyle/>
+          <a:p>
+            <a:r>
+              <a:rPr lang="en-US" dirty="0"/>
+              <a:t>AWS ECS (Elastic Container Service)</a:t>
+            </a:r>
+          </a:p>
+        </p:txBody>
+      </p:sp>
+      <p:sp>
+        <p:nvSpPr>
+          <p:cNvPr id="3" name="Content Placeholder 2"/>
+          <p:cNvSpPr>
+            <a:spLocks noGrp="1"/>
+          </p:cNvSpPr>
+          <p:nvPr>
+            <p:ph idx="1"/>
+          </p:nvPr>
+        </p:nvSpPr>
+        <p:spPr>
+          <a:xfrm>
+            <a:off x="708409" y="1690688"/>
+            <a:ext cx="10645391" cy="4532312"/>
+          </a:xfrm>
+        </p:spPr>
+        <p:txBody>
+          <a:bodyPr>
+            <a:normAutofit/>
+          </a:bodyPr>
+          <a:lstStyle/>
+          <a:p>
+            <a:pPr>
+              <a:defRPr/>
+            </a:pPr>
+            <a:r>
+              <a:rPr lang="en-US" dirty="0"/>
+              <a:t>Although Docker can be run on a client machine like a Mac or Windows, it is easier to run it on a Linux VM or AWS</a:t>
+            </a:r>
+          </a:p>
+          <a:p>
+            <a:pPr>
+              <a:defRPr/>
+            </a:pPr>
+            <a:r>
+              <a:rPr lang="en-US" dirty="0"/>
+              <a:t>Hello World example</a:t>
+            </a:r>
+          </a:p>
+          <a:p>
+            <a:pPr>
+              <a:defRPr/>
+            </a:pPr>
+            <a:endParaRPr lang="en-US" dirty="0"/>
+          </a:p>
+          <a:p>
+            <a:pPr>
+              <a:defRPr/>
+            </a:pPr>
+            <a:endParaRPr lang="en-US" dirty="0"/>
+          </a:p>
+          <a:p>
+            <a:pPr>
+              <a:defRPr/>
+            </a:pPr>
+            <a:endParaRPr lang="en-US" dirty="0"/>
+          </a:p>
+          <a:p>
+            <a:pPr>
+              <a:defRPr/>
+            </a:pPr>
+            <a:endParaRPr lang="en-US" dirty="0"/>
+          </a:p>
+          <a:p>
+            <a:pPr>
+              <a:defRPr/>
+            </a:pPr>
+            <a:endParaRPr lang="en-US" dirty="0"/>
+          </a:p>
+        </p:txBody>
+      </p:sp>
+    </p:spTree>
+    <p:extLst>
+      <p:ext uri="{BB962C8B-B14F-4D97-AF65-F5344CB8AC3E}">
+        <p14:creationId xmlns:p14="http://schemas.microsoft.com/office/powerpoint/2010/main" val="3596589084"/>
       </p:ext>
     </p:extLst>
   </p:cSld>
@@ -7826,6 +8832,194 @@
       </p:grpSpPr>
       <p:sp>
         <p:nvSpPr>
+          <p:cNvPr id="2" name="Title 1">
+            <a:extLst>
+              <a:ext uri="{FF2B5EF4-FFF2-40B4-BE49-F238E27FC236}">
+                <a16:creationId xmlns:a16="http://schemas.microsoft.com/office/drawing/2014/main" id="{C621E7BB-F134-BF4E-969B-FFFB27A55DE7}"/>
+              </a:ext>
+            </a:extLst>
+          </p:cNvPr>
+          <p:cNvSpPr>
+            <a:spLocks noGrp="1"/>
+          </p:cNvSpPr>
+          <p:nvPr>
+            <p:ph type="title"/>
+          </p:nvPr>
+        </p:nvSpPr>
+        <p:spPr/>
+        <p:txBody>
+          <a:bodyPr/>
+          <a:lstStyle/>
+          <a:p>
+            <a:r>
+              <a:rPr lang="en-US" dirty="0"/>
+              <a:t>Reading list</a:t>
+            </a:r>
+          </a:p>
+        </p:txBody>
+      </p:sp>
+      <p:sp>
+        <p:nvSpPr>
+          <p:cNvPr id="3" name="Content Placeholder 2">
+            <a:extLst>
+              <a:ext uri="{FF2B5EF4-FFF2-40B4-BE49-F238E27FC236}">
+                <a16:creationId xmlns:a16="http://schemas.microsoft.com/office/drawing/2014/main" id="{5F61FE91-ED0E-864D-A056-87F12C157EC2}"/>
+              </a:ext>
+            </a:extLst>
+          </p:cNvPr>
+          <p:cNvSpPr>
+            <a:spLocks noGrp="1"/>
+          </p:cNvSpPr>
+          <p:nvPr>
+            <p:ph idx="1"/>
+          </p:nvPr>
+        </p:nvSpPr>
+        <p:spPr/>
+        <p:txBody>
+          <a:bodyPr/>
+          <a:lstStyle/>
+          <a:p>
+            <a:r>
+              <a:rPr lang="en-US" dirty="0"/>
+              <a:t>Docker overview: </a:t>
+            </a:r>
+            <a:r>
+              <a:rPr lang="en-US" dirty="0">
+                <a:hlinkClick r:id="rId2"/>
+              </a:rPr>
+              <a:t>https://docs.docker.com/v17.09/engine/docker-overview/#what-can-i-use-docker-for</a:t>
+            </a:r>
+            <a:endParaRPr lang="en-US" dirty="0"/>
+          </a:p>
+          <a:p>
+            <a:r>
+              <a:rPr lang="en-US" dirty="0"/>
+              <a:t>ECS, ECR and </a:t>
+            </a:r>
+            <a:r>
+              <a:rPr lang="en-US" dirty="0" err="1"/>
+              <a:t>Fargate</a:t>
+            </a:r>
+            <a:r>
+              <a:rPr lang="en-US" dirty="0"/>
+              <a:t>: </a:t>
+            </a:r>
+            <a:r>
+              <a:rPr lang="en-US" dirty="0">
+                <a:hlinkClick r:id="rId3"/>
+              </a:rPr>
+              <a:t>https://docs.aws.amazon.com/AmazonECS/latest/developerguide/Welcome.html</a:t>
+            </a:r>
+            <a:endParaRPr lang="en-US" dirty="0"/>
+          </a:p>
+          <a:p>
+            <a:r>
+              <a:rPr lang="en-US" dirty="0"/>
+              <a:t>Lambda: </a:t>
+            </a:r>
+            <a:r>
+              <a:rPr lang="en-US" dirty="0">
+                <a:hlinkClick r:id="rId4"/>
+              </a:rPr>
+              <a:t>https://docs.aws.amazon.com/lambda/latest/dg/welcome.html</a:t>
+            </a:r>
+            <a:endParaRPr lang="en-US"/>
+          </a:p>
+          <a:p>
+            <a:endParaRPr lang="en-US" dirty="0"/>
+          </a:p>
+          <a:p>
+            <a:endParaRPr lang="en-US" dirty="0"/>
+          </a:p>
+        </p:txBody>
+      </p:sp>
+      <p:sp>
+        <p:nvSpPr>
+          <p:cNvPr id="4" name="Footer Placeholder 3">
+            <a:extLst>
+              <a:ext uri="{FF2B5EF4-FFF2-40B4-BE49-F238E27FC236}">
+                <a16:creationId xmlns:a16="http://schemas.microsoft.com/office/drawing/2014/main" id="{292491DB-1DE9-E047-863F-CC096D022D36}"/>
+              </a:ext>
+            </a:extLst>
+          </p:cNvPr>
+          <p:cNvSpPr>
+            <a:spLocks noGrp="1"/>
+          </p:cNvSpPr>
+          <p:nvPr>
+            <p:ph type="ftr" sz="quarter" idx="11"/>
+          </p:nvPr>
+        </p:nvSpPr>
+        <p:spPr/>
+        <p:txBody>
+          <a:bodyPr/>
+          <a:lstStyle/>
+          <a:p>
+            <a:endParaRPr lang="en-GB" dirty="0"/>
+          </a:p>
+        </p:txBody>
+      </p:sp>
+      <p:sp>
+        <p:nvSpPr>
+          <p:cNvPr id="5" name="Slide Number Placeholder 4">
+            <a:extLst>
+              <a:ext uri="{FF2B5EF4-FFF2-40B4-BE49-F238E27FC236}">
+                <a16:creationId xmlns:a16="http://schemas.microsoft.com/office/drawing/2014/main" id="{2DF9973A-860E-6F44-8507-5E3540E6CA12}"/>
+              </a:ext>
+            </a:extLst>
+          </p:cNvPr>
+          <p:cNvSpPr>
+            <a:spLocks noGrp="1"/>
+          </p:cNvSpPr>
+          <p:nvPr>
+            <p:ph type="sldNum" sz="quarter" idx="12"/>
+          </p:nvPr>
+        </p:nvSpPr>
+        <p:spPr/>
+        <p:txBody>
+          <a:bodyPr/>
+          <a:lstStyle/>
+          <a:p>
+            <a:fld id="{05072F42-4DFA-4725-86F9-7594E4AB4EB5}" type="slidenum">
+              <a:rPr lang="en-GB" smtClean="0"/>
+              <a:pPr/>
+              <a:t>2</a:t>
+            </a:fld>
+            <a:endParaRPr lang="en-GB"/>
+          </a:p>
+        </p:txBody>
+      </p:sp>
+    </p:spTree>
+    <p:extLst>
+      <p:ext uri="{BB962C8B-B14F-4D97-AF65-F5344CB8AC3E}">
+        <p14:creationId xmlns:p14="http://schemas.microsoft.com/office/powerpoint/2010/main" val="1736499828"/>
+      </p:ext>
+    </p:extLst>
+  </p:cSld>
+  <p:clrMapOvr>
+    <a:masterClrMapping/>
+  </p:clrMapOvr>
+</p:sld>
+</file>
+
+<file path=ppt/slides/slide20.xml><?xml version="1.0" encoding="utf-8"?>
+<p:sld xmlns:a="http://schemas.openxmlformats.org/drawingml/2006/main" xmlns:r="http://schemas.openxmlformats.org/officeDocument/2006/relationships" xmlns:p="http://schemas.openxmlformats.org/presentationml/2006/main">
+  <p:cSld>
+    <p:spTree>
+      <p:nvGrpSpPr>
+        <p:cNvPr id="1" name=""/>
+        <p:cNvGrpSpPr/>
+        <p:nvPr/>
+      </p:nvGrpSpPr>
+      <p:grpSpPr>
+        <a:xfrm>
+          <a:off x="0" y="0"/>
+          <a:ext cx="0" cy="0"/>
+          <a:chOff x="0" y="0"/>
+          <a:chExt cx="0" cy="0"/>
+        </a:xfrm>
+      </p:grpSpPr>
+      <p:sp>
+        <p:nvSpPr>
           <p:cNvPr id="2" name="Title 1"/>
           <p:cNvSpPr>
             <a:spLocks noGrp="1"/>
@@ -7841,7 +9035,7 @@
           <a:p>
             <a:r>
               <a:rPr lang="en-US" dirty="0"/>
-              <a:t>Virtualization</a:t>
+              <a:t>Docker example</a:t>
             </a:r>
           </a:p>
         </p:txBody>
@@ -7873,8 +9067,13 @@
             </a:pPr>
             <a:r>
               <a:rPr lang="en-US" dirty="0"/>
-              <a:t>Term is somewhat ill-defined, generally</a:t>
-            </a:r>
+              <a:t>Create a </a:t>
+            </a:r>
+            <a:r>
+              <a:rPr lang="en-US" dirty="0" err="1"/>
+              <a:t>Dockerfile</a:t>
+            </a:r>
+            <a:endParaRPr lang="en-US" dirty="0"/>
           </a:p>
           <a:p>
             <a:pPr lvl="1">
@@ -7882,7 +9081,7 @@
             </a:pPr>
             <a:r>
               <a:rPr lang="en-US" dirty="0"/>
-              <a:t>A machine that’s implemented in software, rather than hardware</a:t>
+              <a:t>FROM httpd:2.4</a:t>
             </a:r>
           </a:p>
           <a:p>
@@ -7891,16 +9090,23 @@
             </a:pPr>
             <a:r>
               <a:rPr lang="en-US" dirty="0"/>
-              <a:t>A self-contained environment that acts like a computer</a:t>
-            </a:r>
-          </a:p>
-          <a:p>
-            <a:pPr lvl="1">
-              <a:defRPr/>
-            </a:pPr>
-            <a:r>
-              <a:rPr lang="en-US" dirty="0"/>
-              <a:t>An abstract specification for a computing device (instruction set, etc.)</a:t>
+              <a:t>COPY ./public-html/ /</a:t>
+            </a:r>
+            <a:r>
+              <a:rPr lang="en-US" dirty="0" err="1"/>
+              <a:t>usr</a:t>
+            </a:r>
+            <a:r>
+              <a:rPr lang="en-US" dirty="0"/>
+              <a:t>/local/apache2/</a:t>
+            </a:r>
+            <a:r>
+              <a:rPr lang="en-US" dirty="0" err="1"/>
+              <a:t>htdocs</a:t>
+            </a:r>
+            <a:r>
+              <a:rPr lang="en-US" dirty="0"/>
+              <a:t>/</a:t>
             </a:r>
           </a:p>
           <a:p>
@@ -7909,65 +9115,2307 @@
             </a:pPr>
             <a:r>
               <a:rPr lang="en-US" dirty="0"/>
-              <a:t>Common distinction:</a:t>
-            </a:r>
-          </a:p>
-          <a:p>
-            <a:pPr lvl="1">
+              <a:t>Create a file </a:t>
+            </a:r>
+            <a:r>
+              <a:rPr lang="en-US" dirty="0" err="1"/>
+              <a:t>index.html</a:t>
+            </a:r>
+            <a:r>
+              <a:rPr lang="en-US" dirty="0"/>
+              <a:t> in ./public-html and add “hello world”</a:t>
+            </a:r>
+          </a:p>
+          <a:p>
+            <a:pPr>
               <a:defRPr/>
             </a:pPr>
             <a:r>
-              <a:rPr lang="en-US" dirty="0"/>
-              <a:t>(language-based) virtual machines </a:t>
-            </a:r>
-          </a:p>
-          <a:p>
-            <a:pPr lvl="2">
+              <a:rPr lang="en-US" dirty="0" err="1"/>
+              <a:t>docker</a:t>
+            </a:r>
+            <a:r>
+              <a:rPr lang="en-US" dirty="0"/>
+              <a:t> build -t my-apache2 .</a:t>
+            </a:r>
+          </a:p>
+          <a:p>
+            <a:pPr>
               <a:defRPr/>
             </a:pPr>
             <a:r>
-              <a:rPr lang="en-US" dirty="0"/>
-              <a:t>Instruction set usually does not resemble any existing architecture</a:t>
-            </a:r>
-          </a:p>
-          <a:p>
-            <a:pPr lvl="2">
+              <a:rPr lang="en-US" dirty="0" err="1"/>
+              <a:t>docker</a:t>
+            </a:r>
+            <a:r>
+              <a:rPr lang="en-US" dirty="0"/>
+              <a:t> run -</a:t>
+            </a:r>
+            <a:r>
+              <a:rPr lang="en-US" dirty="0" err="1"/>
+              <a:t>dit</a:t>
+            </a:r>
+            <a:r>
+              <a:rPr lang="en-US" dirty="0"/>
+              <a:t> -p 8080:80 --name my-app my-apache2</a:t>
+            </a:r>
+          </a:p>
+          <a:p>
+            <a:pPr>
               <a:defRPr/>
             </a:pPr>
             <a:r>
               <a:rPr lang="en-US" dirty="0"/>
-              <a:t>Java VM, </a:t>
-            </a:r>
-            <a:r>
-              <a:rPr lang="en-US" dirty="0" err="1"/>
-              <a:t>.Net</a:t>
-            </a:r>
-            <a:r>
-              <a:rPr lang="en-US" dirty="0"/>
-              <a:t> CLR, many others</a:t>
-            </a:r>
-          </a:p>
-          <a:p>
-            <a:pPr lvl="1">
+              <a:t>Open browser and check hell world</a:t>
+            </a:r>
+          </a:p>
+          <a:p>
+            <a:pPr>
               <a:defRPr/>
             </a:pPr>
-            <a:r>
-              <a:rPr lang="en-US" dirty="0"/>
-              <a:t>Virtual Machine Monitors (VMM) or Hypervisor</a:t>
-            </a:r>
-          </a:p>
-          <a:p>
-            <a:pPr lvl="2">
+            <a:endParaRPr lang="en-US" dirty="0"/>
+          </a:p>
+          <a:p>
+            <a:pPr>
               <a:defRPr/>
             </a:pPr>
-            <a:r>
-              <a:rPr lang="en-US" dirty="0"/>
-              <a:t>instruction set fully or partially taken from a real architecture</a:t>
-            </a:r>
+            <a:endParaRPr lang="en-US" dirty="0"/>
+          </a:p>
+          <a:p>
+            <a:pPr>
+              <a:defRPr/>
+            </a:pPr>
+            <a:endParaRPr lang="en-US" dirty="0"/>
           </a:p>
         </p:txBody>
       </p:sp>
     </p:spTree>
+    <p:extLst>
+      <p:ext uri="{BB962C8B-B14F-4D97-AF65-F5344CB8AC3E}">
+        <p14:creationId xmlns:p14="http://schemas.microsoft.com/office/powerpoint/2010/main" val="4277884697"/>
+      </p:ext>
+    </p:extLst>
+  </p:cSld>
+  <p:clrMapOvr>
+    <a:masterClrMapping/>
+  </p:clrMapOvr>
+</p:sld>
+</file>
+
+<file path=ppt/slides/slide21.xml><?xml version="1.0" encoding="utf-8"?>
+<p:sld xmlns:a="http://schemas.openxmlformats.org/drawingml/2006/main" xmlns:r="http://schemas.openxmlformats.org/officeDocument/2006/relationships" xmlns:p="http://schemas.openxmlformats.org/presentationml/2006/main">
+  <p:cSld>
+    <p:bg>
+      <p:bgPr>
+        <a:solidFill>
+          <a:schemeClr val="bg1"/>
+        </a:solidFill>
+        <a:effectLst/>
+      </p:bgPr>
+    </p:bg>
+    <p:spTree>
+      <p:nvGrpSpPr>
+        <p:cNvPr id="1" name=""/>
+        <p:cNvGrpSpPr/>
+        <p:nvPr/>
+      </p:nvGrpSpPr>
+      <p:grpSpPr>
+        <a:xfrm>
+          <a:off x="0" y="0"/>
+          <a:ext cx="0" cy="0"/>
+          <a:chOff x="0" y="0"/>
+          <a:chExt cx="0" cy="0"/>
+        </a:xfrm>
+      </p:grpSpPr>
+      <p:sp>
+        <p:nvSpPr>
+          <p:cNvPr id="12" name="Rectangle 11">
+            <a:extLst>
+              <a:ext uri="{FF2B5EF4-FFF2-40B4-BE49-F238E27FC236}">
+                <a16:creationId xmlns:a16="http://schemas.microsoft.com/office/drawing/2014/main" id="{6753252F-4873-4F63-801D-CC719279A7D5}"/>
+              </a:ext>
+              <a:ext uri="{C183D7F6-B498-43B3-948B-1728B52AA6E4}">
+                <adec:decorative xmlns:adec="http://schemas.microsoft.com/office/drawing/2017/decorative" val="1"/>
+              </a:ext>
+            </a:extLst>
+          </p:cNvPr>
+          <p:cNvSpPr>
+            <a:spLocks noGrp="1" noRot="1" noChangeAspect="1" noMove="1" noResize="1" noEditPoints="1" noAdjustHandles="1" noChangeArrowheads="1" noChangeShapeType="1" noTextEdit="1"/>
+          </p:cNvSpPr>
+          <p:nvPr>
+            <p:extLst>
+              <p:ext uri="{386F3935-93C4-4BCD-93E2-E3B085C9AB24}">
+                <p16:designElem xmlns:p16="http://schemas.microsoft.com/office/powerpoint/2015/main" val="1"/>
+              </p:ext>
+            </p:extLst>
+          </p:nvPr>
+        </p:nvSpPr>
+        <p:spPr>
+          <a:xfrm>
+            <a:off x="0" y="0"/>
+            <a:ext cx="12192000" cy="6858000"/>
+          </a:xfrm>
+          <a:prstGeom prst="rect">
+            <a:avLst/>
+          </a:prstGeom>
+          <a:solidFill>
+            <a:srgbClr val="FFFFFF"/>
+          </a:solidFill>
+          <a:ln>
+            <a:noFill/>
+          </a:ln>
+        </p:spPr>
+        <p:style>
+          <a:lnRef idx="2">
+            <a:schemeClr val="accent1">
+              <a:shade val="50000"/>
+            </a:schemeClr>
+          </a:lnRef>
+          <a:fillRef idx="1">
+            <a:schemeClr val="accent1"/>
+          </a:fillRef>
+          <a:effectRef idx="0">
+            <a:schemeClr val="accent1"/>
+          </a:effectRef>
+          <a:fontRef idx="minor">
+            <a:schemeClr val="lt1"/>
+          </a:fontRef>
+        </p:style>
+        <p:txBody>
+          <a:bodyPr rtlCol="0" anchor="ctr"/>
+          <a:lstStyle/>
+          <a:p>
+            <a:pPr algn="ctr"/>
+            <a:endParaRPr lang="en-US"/>
+          </a:p>
+        </p:txBody>
+      </p:sp>
+      <p:sp>
+        <p:nvSpPr>
+          <p:cNvPr id="14" name="Rectangle 13">
+            <a:extLst>
+              <a:ext uri="{FF2B5EF4-FFF2-40B4-BE49-F238E27FC236}">
+                <a16:creationId xmlns:a16="http://schemas.microsoft.com/office/drawing/2014/main" id="{047C8CCB-F95D-4249-92DD-651249D3535A}"/>
+              </a:ext>
+              <a:ext uri="{C183D7F6-B498-43B3-948B-1728B52AA6E4}">
+                <adec:decorative xmlns:adec="http://schemas.microsoft.com/office/drawing/2017/decorative" val="1"/>
+              </a:ext>
+            </a:extLst>
+          </p:cNvPr>
+          <p:cNvSpPr>
+            <a:spLocks noGrp="1" noRot="1" noChangeAspect="1" noMove="1" noResize="1" noEditPoints="1" noAdjustHandles="1" noChangeArrowheads="1" noChangeShapeType="1" noTextEdit="1"/>
+          </p:cNvSpPr>
+          <p:nvPr>
+            <p:extLst>
+              <p:ext uri="{386F3935-93C4-4BCD-93E2-E3B085C9AB24}">
+                <p16:designElem xmlns:p16="http://schemas.microsoft.com/office/powerpoint/2015/main" val="1"/>
+              </p:ext>
+            </p:extLst>
+          </p:nvPr>
+        </p:nvSpPr>
+        <p:spPr>
+          <a:xfrm>
+            <a:off x="0" y="0"/>
+            <a:ext cx="2013557" cy="6858000"/>
+          </a:xfrm>
+          <a:prstGeom prst="rect">
+            <a:avLst/>
+          </a:prstGeom>
+          <a:solidFill>
+            <a:srgbClr val="63463E"/>
+          </a:solidFill>
+          <a:ln>
+            <a:noFill/>
+          </a:ln>
+        </p:spPr>
+        <p:style>
+          <a:lnRef idx="2">
+            <a:schemeClr val="accent1">
+              <a:shade val="50000"/>
+            </a:schemeClr>
+          </a:lnRef>
+          <a:fillRef idx="1">
+            <a:schemeClr val="accent1"/>
+          </a:fillRef>
+          <a:effectRef idx="0">
+            <a:schemeClr val="accent1"/>
+          </a:effectRef>
+          <a:fontRef idx="minor">
+            <a:schemeClr val="lt1"/>
+          </a:fontRef>
+        </p:style>
+        <p:txBody>
+          <a:bodyPr rtlCol="0" anchor="ctr"/>
+          <a:lstStyle/>
+          <a:p>
+            <a:pPr algn="ctr"/>
+            <a:endParaRPr lang="en-US"/>
+          </a:p>
+        </p:txBody>
+      </p:sp>
+      <p:sp>
+        <p:nvSpPr>
+          <p:cNvPr id="2" name="Title 1">
+            <a:extLst>
+              <a:ext uri="{FF2B5EF4-FFF2-40B4-BE49-F238E27FC236}">
+                <a16:creationId xmlns:a16="http://schemas.microsoft.com/office/drawing/2014/main" id="{69E96641-1C3A-FE4D-80E2-25766B44A0BE}"/>
+              </a:ext>
+            </a:extLst>
+          </p:cNvPr>
+          <p:cNvSpPr>
+            <a:spLocks noGrp="1"/>
+          </p:cNvSpPr>
+          <p:nvPr>
+            <p:ph type="title"/>
+          </p:nvPr>
+        </p:nvSpPr>
+        <p:spPr>
+          <a:xfrm>
+            <a:off x="640080" y="2074363"/>
+            <a:ext cx="2752354" cy="2709275"/>
+          </a:xfrm>
+          <a:prstGeom prst="ellipse">
+            <a:avLst/>
+          </a:prstGeom>
+          <a:solidFill>
+            <a:srgbClr val="262626"/>
+          </a:solidFill>
+          <a:ln w="174625" cmpd="thinThick">
+            <a:solidFill>
+              <a:srgbClr val="262626"/>
+            </a:solidFill>
+          </a:ln>
+        </p:spPr>
+        <p:txBody>
+          <a:bodyPr vert="horz" lIns="91440" tIns="45720" rIns="91440" bIns="45720" rtlCol="0" anchor="ctr">
+            <a:normAutofit/>
+          </a:bodyPr>
+          <a:lstStyle/>
+          <a:p>
+            <a:pPr algn="ctr"/>
+            <a:r>
+              <a:rPr lang="en-US" sz="2600" kern="1200">
+                <a:solidFill>
+                  <a:srgbClr val="FFFFFF"/>
+                </a:solidFill>
+                <a:latin typeface="+mj-lt"/>
+                <a:ea typeface="+mj-ea"/>
+                <a:cs typeface="+mj-cs"/>
+              </a:rPr>
+              <a:t>Docker Hub</a:t>
+            </a:r>
+          </a:p>
+        </p:txBody>
+      </p:sp>
+      <p:pic>
+        <p:nvPicPr>
+          <p:cNvPr id="7" name="Content Placeholder 6">
+            <a:extLst>
+              <a:ext uri="{FF2B5EF4-FFF2-40B4-BE49-F238E27FC236}">
+                <a16:creationId xmlns:a16="http://schemas.microsoft.com/office/drawing/2014/main" id="{BB8E2308-62CB-F54A-98B4-AF56A85B8F98}"/>
+              </a:ext>
+            </a:extLst>
+          </p:cNvPr>
+          <p:cNvPicPr>
+            <a:picLocks noGrp="1" noChangeAspect="1"/>
+          </p:cNvPicPr>
+          <p:nvPr>
+            <p:ph idx="1"/>
+          </p:nvPr>
+        </p:nvPicPr>
+        <p:blipFill>
+          <a:blip r:embed="rId2">
+            <a:extLst>
+              <a:ext uri="{28A0092B-C50C-407E-A947-70E740481C1C}">
+                <a14:useLocalDpi xmlns:a14="http://schemas.microsoft.com/office/drawing/2010/main" val="0"/>
+              </a:ext>
+            </a:extLst>
+          </a:blip>
+          <a:stretch>
+            <a:fillRect/>
+          </a:stretch>
+        </p:blipFill>
+        <p:spPr>
+          <a:xfrm>
+            <a:off x="4491942" y="961812"/>
+            <a:ext cx="6281514" cy="4930987"/>
+          </a:xfrm>
+          <a:prstGeom prst="rect">
+            <a:avLst/>
+          </a:prstGeom>
+        </p:spPr>
+      </p:pic>
+      <p:sp>
+        <p:nvSpPr>
+          <p:cNvPr id="4" name="Footer Placeholder 3">
+            <a:extLst>
+              <a:ext uri="{FF2B5EF4-FFF2-40B4-BE49-F238E27FC236}">
+                <a16:creationId xmlns:a16="http://schemas.microsoft.com/office/drawing/2014/main" id="{2CE09D83-510C-7648-A534-ACEE893BDA13}"/>
+              </a:ext>
+            </a:extLst>
+          </p:cNvPr>
+          <p:cNvSpPr>
+            <a:spLocks noGrp="1"/>
+          </p:cNvSpPr>
+          <p:nvPr>
+            <p:ph type="ftr" sz="quarter" idx="11"/>
+          </p:nvPr>
+        </p:nvSpPr>
+        <p:spPr>
+          <a:xfrm>
+            <a:off x="4116613" y="6356350"/>
+            <a:ext cx="7032172" cy="365125"/>
+          </a:xfrm>
+        </p:spPr>
+        <p:txBody>
+          <a:bodyPr vert="horz" lIns="91440" tIns="45720" rIns="91440" bIns="45720" rtlCol="0" anchor="ctr">
+            <a:normAutofit/>
+          </a:bodyPr>
+          <a:lstStyle/>
+          <a:p>
+            <a:endParaRPr lang="en-US" sz="1200" kern="1200">
+              <a:solidFill>
+                <a:srgbClr val="898989"/>
+              </a:solidFill>
+              <a:latin typeface="+mn-lt"/>
+              <a:ea typeface="+mn-ea"/>
+              <a:cs typeface="+mn-cs"/>
+            </a:endParaRPr>
+          </a:p>
+        </p:txBody>
+      </p:sp>
+      <p:sp>
+        <p:nvSpPr>
+          <p:cNvPr id="5" name="Slide Number Placeholder 4">
+            <a:extLst>
+              <a:ext uri="{FF2B5EF4-FFF2-40B4-BE49-F238E27FC236}">
+                <a16:creationId xmlns:a16="http://schemas.microsoft.com/office/drawing/2014/main" id="{9946A909-AF70-A84D-9001-BD8AAABD7082}"/>
+              </a:ext>
+            </a:extLst>
+          </p:cNvPr>
+          <p:cNvSpPr>
+            <a:spLocks noGrp="1"/>
+          </p:cNvSpPr>
+          <p:nvPr>
+            <p:ph type="sldNum" sz="quarter" idx="12"/>
+          </p:nvPr>
+        </p:nvSpPr>
+        <p:spPr>
+          <a:xfrm>
+            <a:off x="11310257" y="6356350"/>
+            <a:ext cx="560009" cy="365125"/>
+          </a:xfrm>
+        </p:spPr>
+        <p:txBody>
+          <a:bodyPr vert="horz" lIns="91440" tIns="45720" rIns="91440" bIns="45720" rtlCol="0" anchor="ctr">
+            <a:normAutofit/>
+          </a:bodyPr>
+          <a:lstStyle/>
+          <a:p>
+            <a:fld id="{05072F42-4DFA-4725-86F9-7594E4AB4EB5}" type="slidenum">
+              <a:rPr lang="en-US">
+                <a:solidFill>
+                  <a:srgbClr val="898989"/>
+                </a:solidFill>
+                <a:latin typeface="+mn-lt"/>
+              </a:rPr>
+              <a:pPr/>
+              <a:t>21</a:t>
+            </a:fld>
+            <a:endParaRPr lang="en-US">
+              <a:solidFill>
+                <a:srgbClr val="898989"/>
+              </a:solidFill>
+              <a:latin typeface="+mn-lt"/>
+            </a:endParaRPr>
+          </a:p>
+        </p:txBody>
+      </p:sp>
+    </p:spTree>
+    <p:extLst>
+      <p:ext uri="{BB962C8B-B14F-4D97-AF65-F5344CB8AC3E}">
+        <p14:creationId xmlns:p14="http://schemas.microsoft.com/office/powerpoint/2010/main" val="1482348985"/>
+      </p:ext>
+    </p:extLst>
+  </p:cSld>
+  <p:clrMapOvr>
+    <a:masterClrMapping/>
+  </p:clrMapOvr>
+</p:sld>
+</file>
+
+<file path=ppt/slides/slide22.xml><?xml version="1.0" encoding="utf-8"?>
+<p:sld xmlns:a="http://schemas.openxmlformats.org/drawingml/2006/main" xmlns:r="http://schemas.openxmlformats.org/officeDocument/2006/relationships" xmlns:p="http://schemas.openxmlformats.org/presentationml/2006/main">
+  <p:cSld>
+    <p:spTree>
+      <p:nvGrpSpPr>
+        <p:cNvPr id="1" name=""/>
+        <p:cNvGrpSpPr/>
+        <p:nvPr/>
+      </p:nvGrpSpPr>
+      <p:grpSpPr>
+        <a:xfrm>
+          <a:off x="0" y="0"/>
+          <a:ext cx="0" cy="0"/>
+          <a:chOff x="0" y="0"/>
+          <a:chExt cx="0" cy="0"/>
+        </a:xfrm>
+      </p:grpSpPr>
+      <p:sp>
+        <p:nvSpPr>
+          <p:cNvPr id="2" name="Title 1">
+            <a:extLst>
+              <a:ext uri="{FF2B5EF4-FFF2-40B4-BE49-F238E27FC236}">
+                <a16:creationId xmlns:a16="http://schemas.microsoft.com/office/drawing/2014/main" id="{727D1D4F-4248-AA44-82C1-3BEFC0714695}"/>
+              </a:ext>
+            </a:extLst>
+          </p:cNvPr>
+          <p:cNvSpPr>
+            <a:spLocks noGrp="1"/>
+          </p:cNvSpPr>
+          <p:nvPr>
+            <p:ph type="title"/>
+          </p:nvPr>
+        </p:nvSpPr>
+        <p:spPr/>
+        <p:txBody>
+          <a:bodyPr/>
+          <a:lstStyle/>
+          <a:p>
+            <a:r>
+              <a:rPr lang="en-US" dirty="0"/>
+              <a:t>Push to Docker Hub</a:t>
+            </a:r>
+          </a:p>
+        </p:txBody>
+      </p:sp>
+      <p:sp>
+        <p:nvSpPr>
+          <p:cNvPr id="3" name="Content Placeholder 2">
+            <a:extLst>
+              <a:ext uri="{FF2B5EF4-FFF2-40B4-BE49-F238E27FC236}">
+                <a16:creationId xmlns:a16="http://schemas.microsoft.com/office/drawing/2014/main" id="{5D1ED187-3094-E14A-BAAD-732026073B7C}"/>
+              </a:ext>
+            </a:extLst>
+          </p:cNvPr>
+          <p:cNvSpPr>
+            <a:spLocks noGrp="1"/>
+          </p:cNvSpPr>
+          <p:nvPr>
+            <p:ph idx="1"/>
+          </p:nvPr>
+        </p:nvSpPr>
+        <p:spPr/>
+        <p:txBody>
+          <a:bodyPr/>
+          <a:lstStyle/>
+          <a:p>
+            <a:r>
+              <a:rPr lang="en-US" dirty="0"/>
+              <a:t>Create a private repository on Docker Hub</a:t>
+            </a:r>
+          </a:p>
+          <a:p>
+            <a:r>
+              <a:rPr lang="en-US" dirty="0"/>
+              <a:t>Login to docker on command line:</a:t>
+            </a:r>
+          </a:p>
+          <a:p>
+            <a:pPr lvl="1"/>
+            <a:r>
+              <a:rPr lang="en-US" dirty="0"/>
+              <a:t>docker login –u &lt;username&gt; -p &lt;password&gt;</a:t>
+            </a:r>
+          </a:p>
+          <a:p>
+            <a:r>
+              <a:rPr lang="en-US" dirty="0"/>
+              <a:t>Add tag</a:t>
+            </a:r>
+          </a:p>
+          <a:p>
+            <a:pPr lvl="1"/>
+            <a:r>
+              <a:rPr lang="en-US" dirty="0"/>
+              <a:t>docker tag cits5503demo </a:t>
+            </a:r>
+            <a:r>
+              <a:rPr lang="en-US" dirty="0" err="1"/>
+              <a:t>dglance</a:t>
+            </a:r>
+            <a:r>
+              <a:rPr lang="en-US" dirty="0"/>
+              <a:t>/cits5503demo</a:t>
+            </a:r>
+          </a:p>
+          <a:p>
+            <a:r>
+              <a:rPr lang="en-US" dirty="0"/>
+              <a:t>Push to Docker Hub</a:t>
+            </a:r>
+          </a:p>
+          <a:p>
+            <a:pPr lvl="1"/>
+            <a:r>
+              <a:rPr lang="en-US" dirty="0"/>
+              <a:t>docker push </a:t>
+            </a:r>
+            <a:r>
+              <a:rPr lang="en-US" dirty="0" err="1"/>
+              <a:t>dglance</a:t>
+            </a:r>
+            <a:r>
+              <a:rPr lang="en-US" dirty="0"/>
+              <a:t>/cits5503demo</a:t>
+            </a:r>
+          </a:p>
+          <a:p>
+            <a:r>
+              <a:rPr lang="en-US" dirty="0"/>
+              <a:t>Now can run using </a:t>
+            </a:r>
+            <a:r>
+              <a:rPr lang="en-US" dirty="0" err="1"/>
+              <a:t>dglance</a:t>
+            </a:r>
+            <a:r>
+              <a:rPr lang="en-US" dirty="0"/>
+              <a:t>/cits5503demo</a:t>
+            </a:r>
+          </a:p>
+        </p:txBody>
+      </p:sp>
+      <p:sp>
+        <p:nvSpPr>
+          <p:cNvPr id="4" name="Footer Placeholder 3">
+            <a:extLst>
+              <a:ext uri="{FF2B5EF4-FFF2-40B4-BE49-F238E27FC236}">
+                <a16:creationId xmlns:a16="http://schemas.microsoft.com/office/drawing/2014/main" id="{6402614C-5ED3-3247-A0BA-E28903F32639}"/>
+              </a:ext>
+            </a:extLst>
+          </p:cNvPr>
+          <p:cNvSpPr>
+            <a:spLocks noGrp="1"/>
+          </p:cNvSpPr>
+          <p:nvPr>
+            <p:ph type="ftr" sz="quarter" idx="11"/>
+          </p:nvPr>
+        </p:nvSpPr>
+        <p:spPr/>
+        <p:txBody>
+          <a:bodyPr/>
+          <a:lstStyle/>
+          <a:p>
+            <a:endParaRPr lang="en-GB" dirty="0"/>
+          </a:p>
+        </p:txBody>
+      </p:sp>
+      <p:sp>
+        <p:nvSpPr>
+          <p:cNvPr id="5" name="Slide Number Placeholder 4">
+            <a:extLst>
+              <a:ext uri="{FF2B5EF4-FFF2-40B4-BE49-F238E27FC236}">
+                <a16:creationId xmlns:a16="http://schemas.microsoft.com/office/drawing/2014/main" id="{D9133FD2-8192-A946-ABAF-5921A3A40509}"/>
+              </a:ext>
+            </a:extLst>
+          </p:cNvPr>
+          <p:cNvSpPr>
+            <a:spLocks noGrp="1"/>
+          </p:cNvSpPr>
+          <p:nvPr>
+            <p:ph type="sldNum" sz="quarter" idx="12"/>
+          </p:nvPr>
+        </p:nvSpPr>
+        <p:spPr/>
+        <p:txBody>
+          <a:bodyPr/>
+          <a:lstStyle/>
+          <a:p>
+            <a:fld id="{05072F42-4DFA-4725-86F9-7594E4AB4EB5}" type="slidenum">
+              <a:rPr lang="en-GB" smtClean="0"/>
+              <a:pPr/>
+              <a:t>22</a:t>
+            </a:fld>
+            <a:endParaRPr lang="en-GB"/>
+          </a:p>
+        </p:txBody>
+      </p:sp>
+    </p:spTree>
+    <p:extLst>
+      <p:ext uri="{BB962C8B-B14F-4D97-AF65-F5344CB8AC3E}">
+        <p14:creationId xmlns:p14="http://schemas.microsoft.com/office/powerpoint/2010/main" val="2755224439"/>
+      </p:ext>
+    </p:extLst>
+  </p:cSld>
+  <p:clrMapOvr>
+    <a:masterClrMapping/>
+  </p:clrMapOvr>
+</p:sld>
+</file>
+
+<file path=ppt/slides/slide23.xml><?xml version="1.0" encoding="utf-8"?>
+<p:sld xmlns:a="http://schemas.openxmlformats.org/drawingml/2006/main" xmlns:r="http://schemas.openxmlformats.org/officeDocument/2006/relationships" xmlns:p="http://schemas.openxmlformats.org/presentationml/2006/main">
+  <p:cSld>
+    <p:spTree>
+      <p:nvGrpSpPr>
+        <p:cNvPr id="1" name=""/>
+        <p:cNvGrpSpPr/>
+        <p:nvPr/>
+      </p:nvGrpSpPr>
+      <p:grpSpPr>
+        <a:xfrm>
+          <a:off x="0" y="0"/>
+          <a:ext cx="0" cy="0"/>
+          <a:chOff x="0" y="0"/>
+          <a:chExt cx="0" cy="0"/>
+        </a:xfrm>
+      </p:grpSpPr>
+      <p:sp>
+        <p:nvSpPr>
+          <p:cNvPr id="2" name="Title 1"/>
+          <p:cNvSpPr>
+            <a:spLocks noGrp="1"/>
+          </p:cNvSpPr>
+          <p:nvPr>
+            <p:ph type="title"/>
+          </p:nvPr>
+        </p:nvSpPr>
+        <p:spPr/>
+        <p:txBody>
+          <a:bodyPr/>
+          <a:lstStyle/>
+          <a:p>
+            <a:r>
+              <a:rPr lang="en-US" dirty="0"/>
+              <a:t>Basic Docker commands</a:t>
+            </a:r>
+          </a:p>
+        </p:txBody>
+      </p:sp>
+      <p:sp>
+        <p:nvSpPr>
+          <p:cNvPr id="3" name="Content Placeholder 2"/>
+          <p:cNvSpPr>
+            <a:spLocks noGrp="1"/>
+          </p:cNvSpPr>
+          <p:nvPr>
+            <p:ph idx="1"/>
+          </p:nvPr>
+        </p:nvSpPr>
+        <p:spPr>
+          <a:xfrm>
+            <a:off x="708409" y="1690688"/>
+            <a:ext cx="10645391" cy="4532312"/>
+          </a:xfrm>
+        </p:spPr>
+        <p:txBody>
+          <a:bodyPr>
+            <a:normAutofit fontScale="92500" lnSpcReduction="20000"/>
+          </a:bodyPr>
+          <a:lstStyle/>
+          <a:p>
+            <a:r>
+              <a:rPr lang="en-AU" dirty="0"/>
+              <a:t>docker run – Runs a command in a new container.</a:t>
+            </a:r>
+          </a:p>
+          <a:p>
+            <a:r>
+              <a:rPr lang="en-AU" dirty="0"/>
+              <a:t>docker start – Starts one or more stopped containers</a:t>
+            </a:r>
+          </a:p>
+          <a:p>
+            <a:r>
+              <a:rPr lang="en-AU" dirty="0"/>
+              <a:t>docker stop – Stops one or more running containers</a:t>
+            </a:r>
+          </a:p>
+          <a:p>
+            <a:r>
+              <a:rPr lang="en-AU" dirty="0"/>
+              <a:t>docker build – Builds an image form a Docker file</a:t>
+            </a:r>
+          </a:p>
+          <a:p>
+            <a:r>
+              <a:rPr lang="en-AU" dirty="0"/>
+              <a:t>docker pull – Pulls an image or a repository from a registry</a:t>
+            </a:r>
+          </a:p>
+          <a:p>
+            <a:r>
+              <a:rPr lang="en-AU" dirty="0"/>
+              <a:t>docker push – Pushes an image or a repository to a registry</a:t>
+            </a:r>
+          </a:p>
+          <a:p>
+            <a:r>
+              <a:rPr lang="en-AU" dirty="0"/>
+              <a:t>docker export – Exports a container’s filesystem as a tar archive</a:t>
+            </a:r>
+          </a:p>
+          <a:p>
+            <a:r>
+              <a:rPr lang="en-AU" dirty="0"/>
+              <a:t>docker exec – Runs a command in a run-time container</a:t>
+            </a:r>
+          </a:p>
+          <a:p>
+            <a:r>
+              <a:rPr lang="en-AU" dirty="0"/>
+              <a:t>docker search – Searches the Docker Hub for images</a:t>
+            </a:r>
+          </a:p>
+          <a:p>
+            <a:r>
+              <a:rPr lang="en-AU" dirty="0"/>
+              <a:t>docker attach – Attaches to a running container</a:t>
+            </a:r>
+          </a:p>
+          <a:p>
+            <a:r>
+              <a:rPr lang="en-AU" dirty="0"/>
+              <a:t>docker commit – Creates a new image from a container’s changes</a:t>
+            </a:r>
+            <a:endParaRPr lang="en-US" dirty="0"/>
+          </a:p>
+          <a:p>
+            <a:pPr>
+              <a:defRPr/>
+            </a:pPr>
+            <a:endParaRPr lang="en-US" dirty="0"/>
+          </a:p>
+          <a:p>
+            <a:pPr>
+              <a:defRPr/>
+            </a:pPr>
+            <a:endParaRPr lang="en-US" dirty="0"/>
+          </a:p>
+        </p:txBody>
+      </p:sp>
+    </p:spTree>
+    <p:extLst>
+      <p:ext uri="{BB962C8B-B14F-4D97-AF65-F5344CB8AC3E}">
+        <p14:creationId xmlns:p14="http://schemas.microsoft.com/office/powerpoint/2010/main" val="72039658"/>
+      </p:ext>
+    </p:extLst>
+  </p:cSld>
+  <p:clrMapOvr>
+    <a:masterClrMapping/>
+  </p:clrMapOvr>
+</p:sld>
+</file>
+
+<file path=ppt/slides/slide24.xml><?xml version="1.0" encoding="utf-8"?>
+<p:sld xmlns:a="http://schemas.openxmlformats.org/drawingml/2006/main" xmlns:r="http://schemas.openxmlformats.org/officeDocument/2006/relationships" xmlns:p="http://schemas.openxmlformats.org/presentationml/2006/main">
+  <p:cSld>
+    <p:spTree>
+      <p:nvGrpSpPr>
+        <p:cNvPr id="1" name=""/>
+        <p:cNvGrpSpPr/>
+        <p:nvPr/>
+      </p:nvGrpSpPr>
+      <p:grpSpPr>
+        <a:xfrm>
+          <a:off x="0" y="0"/>
+          <a:ext cx="0" cy="0"/>
+          <a:chOff x="0" y="0"/>
+          <a:chExt cx="0" cy="0"/>
+        </a:xfrm>
+      </p:grpSpPr>
+      <p:sp>
+        <p:nvSpPr>
+          <p:cNvPr id="2" name="Title 1">
+            <a:extLst>
+              <a:ext uri="{FF2B5EF4-FFF2-40B4-BE49-F238E27FC236}">
+                <a16:creationId xmlns:a16="http://schemas.microsoft.com/office/drawing/2014/main" id="{B8F2C8FB-445B-7C4B-8F9F-E83AD89062B0}"/>
+              </a:ext>
+            </a:extLst>
+          </p:cNvPr>
+          <p:cNvSpPr>
+            <a:spLocks noGrp="1"/>
+          </p:cNvSpPr>
+          <p:nvPr>
+            <p:ph type="title"/>
+          </p:nvPr>
+        </p:nvSpPr>
+        <p:spPr/>
+        <p:txBody>
+          <a:bodyPr/>
+          <a:lstStyle/>
+          <a:p>
+            <a:r>
+              <a:rPr lang="en-US" dirty="0"/>
+              <a:t>Compose example: </a:t>
+            </a:r>
+            <a:r>
+              <a:rPr lang="en-US" dirty="0" err="1"/>
+              <a:t>Dockerfile</a:t>
+            </a:r>
+            <a:endParaRPr lang="en-US" dirty="0"/>
+          </a:p>
+        </p:txBody>
+      </p:sp>
+      <p:sp>
+        <p:nvSpPr>
+          <p:cNvPr id="4" name="Footer Placeholder 3">
+            <a:extLst>
+              <a:ext uri="{FF2B5EF4-FFF2-40B4-BE49-F238E27FC236}">
+                <a16:creationId xmlns:a16="http://schemas.microsoft.com/office/drawing/2014/main" id="{6403E1C0-DAE2-A942-BF71-EB19481CF30A}"/>
+              </a:ext>
+            </a:extLst>
+          </p:cNvPr>
+          <p:cNvSpPr>
+            <a:spLocks noGrp="1"/>
+          </p:cNvSpPr>
+          <p:nvPr>
+            <p:ph type="ftr" sz="quarter" idx="11"/>
+          </p:nvPr>
+        </p:nvSpPr>
+        <p:spPr/>
+        <p:txBody>
+          <a:bodyPr/>
+          <a:lstStyle/>
+          <a:p>
+            <a:endParaRPr lang="en-GB" dirty="0"/>
+          </a:p>
+        </p:txBody>
+      </p:sp>
+      <p:sp>
+        <p:nvSpPr>
+          <p:cNvPr id="5" name="Slide Number Placeholder 4">
+            <a:extLst>
+              <a:ext uri="{FF2B5EF4-FFF2-40B4-BE49-F238E27FC236}">
+                <a16:creationId xmlns:a16="http://schemas.microsoft.com/office/drawing/2014/main" id="{1B9E49F1-502B-0240-9772-04F5DF93A621}"/>
+              </a:ext>
+            </a:extLst>
+          </p:cNvPr>
+          <p:cNvSpPr>
+            <a:spLocks noGrp="1"/>
+          </p:cNvSpPr>
+          <p:nvPr>
+            <p:ph type="sldNum" sz="quarter" idx="12"/>
+          </p:nvPr>
+        </p:nvSpPr>
+        <p:spPr/>
+        <p:txBody>
+          <a:bodyPr/>
+          <a:lstStyle/>
+          <a:p>
+            <a:fld id="{05072F42-4DFA-4725-86F9-7594E4AB4EB5}" type="slidenum">
+              <a:rPr lang="en-GB" smtClean="0"/>
+              <a:pPr/>
+              <a:t>24</a:t>
+            </a:fld>
+            <a:endParaRPr lang="en-GB"/>
+          </a:p>
+        </p:txBody>
+      </p:sp>
+      <p:sp>
+        <p:nvSpPr>
+          <p:cNvPr id="6" name="TextBox 5">
+            <a:extLst>
+              <a:ext uri="{FF2B5EF4-FFF2-40B4-BE49-F238E27FC236}">
+                <a16:creationId xmlns:a16="http://schemas.microsoft.com/office/drawing/2014/main" id="{FF171030-C532-2041-9339-A60E42A1AC55}"/>
+              </a:ext>
+            </a:extLst>
+          </p:cNvPr>
+          <p:cNvSpPr txBox="1"/>
+          <p:nvPr/>
+        </p:nvSpPr>
+        <p:spPr>
+          <a:xfrm>
+            <a:off x="838199" y="1690688"/>
+            <a:ext cx="11016727" cy="2985433"/>
+          </a:xfrm>
+          <a:prstGeom prst="rect">
+            <a:avLst/>
+          </a:prstGeom>
+          <a:solidFill>
+            <a:schemeClr val="bg1">
+              <a:lumMod val="85000"/>
+            </a:schemeClr>
+          </a:solidFill>
+        </p:spPr>
+        <p:txBody>
+          <a:bodyPr wrap="square" rtlCol="0">
+            <a:spAutoFit/>
+          </a:bodyPr>
+          <a:lstStyle/>
+          <a:p>
+            <a:pPr algn="l"/>
+            <a:endParaRPr lang="en-AU" dirty="0"/>
+          </a:p>
+          <a:p>
+            <a:pPr algn="l"/>
+            <a:endParaRPr lang="en-US" dirty="0"/>
+          </a:p>
+          <a:p>
+            <a:pPr algn="l"/>
+            <a:r>
+              <a:rPr lang="en-US" dirty="0"/>
+              <a:t>FROM python:3.4-alpine</a:t>
+            </a:r>
+          </a:p>
+          <a:p>
+            <a:pPr algn="l"/>
+            <a:r>
+              <a:rPr lang="en-US" dirty="0"/>
+              <a:t>ADD . /code</a:t>
+            </a:r>
+          </a:p>
+          <a:p>
+            <a:pPr algn="l"/>
+            <a:r>
+              <a:rPr lang="en-US" dirty="0"/>
+              <a:t>WORKDIR /code</a:t>
+            </a:r>
+          </a:p>
+          <a:p>
+            <a:pPr algn="l"/>
+            <a:r>
+              <a:rPr lang="en-US" dirty="0"/>
+              <a:t>RUN pip install -r </a:t>
+            </a:r>
+            <a:r>
+              <a:rPr lang="en-US" dirty="0" err="1"/>
+              <a:t>requirements.txt</a:t>
+            </a:r>
+            <a:endParaRPr lang="en-US" dirty="0"/>
+          </a:p>
+          <a:p>
+            <a:pPr algn="l"/>
+            <a:r>
+              <a:rPr lang="en-US" dirty="0"/>
+              <a:t>CMD ["python", "</a:t>
+            </a:r>
+            <a:r>
+              <a:rPr lang="en-US" dirty="0" err="1"/>
+              <a:t>app.py</a:t>
+            </a:r>
+            <a:r>
+              <a:rPr lang="en-US" dirty="0"/>
+              <a:t>"]</a:t>
+            </a:r>
+          </a:p>
+          <a:p>
+            <a:pPr algn="l"/>
+            <a:endParaRPr lang="en-US" dirty="0"/>
+          </a:p>
+        </p:txBody>
+      </p:sp>
+    </p:spTree>
+    <p:extLst>
+      <p:ext uri="{BB962C8B-B14F-4D97-AF65-F5344CB8AC3E}">
+        <p14:creationId xmlns:p14="http://schemas.microsoft.com/office/powerpoint/2010/main" val="2940580340"/>
+      </p:ext>
+    </p:extLst>
+  </p:cSld>
+  <p:clrMapOvr>
+    <a:masterClrMapping/>
+  </p:clrMapOvr>
+</p:sld>
+</file>
+
+<file path=ppt/slides/slide25.xml><?xml version="1.0" encoding="utf-8"?>
+<p:sld xmlns:a="http://schemas.openxmlformats.org/drawingml/2006/main" xmlns:r="http://schemas.openxmlformats.org/officeDocument/2006/relationships" xmlns:p="http://schemas.openxmlformats.org/presentationml/2006/main">
+  <p:cSld>
+    <p:spTree>
+      <p:nvGrpSpPr>
+        <p:cNvPr id="1" name=""/>
+        <p:cNvGrpSpPr/>
+        <p:nvPr/>
+      </p:nvGrpSpPr>
+      <p:grpSpPr>
+        <a:xfrm>
+          <a:off x="0" y="0"/>
+          <a:ext cx="0" cy="0"/>
+          <a:chOff x="0" y="0"/>
+          <a:chExt cx="0" cy="0"/>
+        </a:xfrm>
+      </p:grpSpPr>
+      <p:sp>
+        <p:nvSpPr>
+          <p:cNvPr id="2" name="Title 1">
+            <a:extLst>
+              <a:ext uri="{FF2B5EF4-FFF2-40B4-BE49-F238E27FC236}">
+                <a16:creationId xmlns:a16="http://schemas.microsoft.com/office/drawing/2014/main" id="{B8F2C8FB-445B-7C4B-8F9F-E83AD89062B0}"/>
+              </a:ext>
+            </a:extLst>
+          </p:cNvPr>
+          <p:cNvSpPr>
+            <a:spLocks noGrp="1"/>
+          </p:cNvSpPr>
+          <p:nvPr>
+            <p:ph type="title"/>
+          </p:nvPr>
+        </p:nvSpPr>
+        <p:spPr/>
+        <p:txBody>
+          <a:bodyPr>
+            <a:normAutofit fontScale="90000"/>
+          </a:bodyPr>
+          <a:lstStyle/>
+          <a:p>
+            <a:r>
+              <a:rPr lang="en-US" dirty="0"/>
+              <a:t>Compose example</a:t>
+            </a:r>
+            <a:br>
+              <a:rPr lang="en-US" dirty="0"/>
+            </a:br>
+            <a:br>
+              <a:rPr lang="en-US" dirty="0"/>
+            </a:br>
+            <a:r>
+              <a:rPr lang="en-US" dirty="0" err="1"/>
+              <a:t>app.py</a:t>
+            </a:r>
+            <a:endParaRPr lang="en-US" dirty="0"/>
+          </a:p>
+        </p:txBody>
+      </p:sp>
+      <p:sp>
+        <p:nvSpPr>
+          <p:cNvPr id="4" name="Footer Placeholder 3">
+            <a:extLst>
+              <a:ext uri="{FF2B5EF4-FFF2-40B4-BE49-F238E27FC236}">
+                <a16:creationId xmlns:a16="http://schemas.microsoft.com/office/drawing/2014/main" id="{6403E1C0-DAE2-A942-BF71-EB19481CF30A}"/>
+              </a:ext>
+            </a:extLst>
+          </p:cNvPr>
+          <p:cNvSpPr>
+            <a:spLocks noGrp="1"/>
+          </p:cNvSpPr>
+          <p:nvPr>
+            <p:ph type="ftr" sz="quarter" idx="11"/>
+          </p:nvPr>
+        </p:nvSpPr>
+        <p:spPr/>
+        <p:txBody>
+          <a:bodyPr/>
+          <a:lstStyle/>
+          <a:p>
+            <a:endParaRPr lang="en-GB" dirty="0"/>
+          </a:p>
+        </p:txBody>
+      </p:sp>
+      <p:sp>
+        <p:nvSpPr>
+          <p:cNvPr id="5" name="Slide Number Placeholder 4">
+            <a:extLst>
+              <a:ext uri="{FF2B5EF4-FFF2-40B4-BE49-F238E27FC236}">
+                <a16:creationId xmlns:a16="http://schemas.microsoft.com/office/drawing/2014/main" id="{1B9E49F1-502B-0240-9772-04F5DF93A621}"/>
+              </a:ext>
+            </a:extLst>
+          </p:cNvPr>
+          <p:cNvSpPr>
+            <a:spLocks noGrp="1"/>
+          </p:cNvSpPr>
+          <p:nvPr>
+            <p:ph type="sldNum" sz="quarter" idx="12"/>
+          </p:nvPr>
+        </p:nvSpPr>
+        <p:spPr/>
+        <p:txBody>
+          <a:bodyPr/>
+          <a:lstStyle/>
+          <a:p>
+            <a:fld id="{05072F42-4DFA-4725-86F9-7594E4AB4EB5}" type="slidenum">
+              <a:rPr lang="en-GB" smtClean="0"/>
+              <a:pPr/>
+              <a:t>25</a:t>
+            </a:fld>
+            <a:endParaRPr lang="en-GB"/>
+          </a:p>
+        </p:txBody>
+      </p:sp>
+      <p:sp>
+        <p:nvSpPr>
+          <p:cNvPr id="6" name="TextBox 5">
+            <a:extLst>
+              <a:ext uri="{FF2B5EF4-FFF2-40B4-BE49-F238E27FC236}">
+                <a16:creationId xmlns:a16="http://schemas.microsoft.com/office/drawing/2014/main" id="{FF171030-C532-2041-9339-A60E42A1AC55}"/>
+              </a:ext>
+            </a:extLst>
+          </p:cNvPr>
+          <p:cNvSpPr txBox="1"/>
+          <p:nvPr/>
+        </p:nvSpPr>
+        <p:spPr>
+          <a:xfrm>
+            <a:off x="5334897" y="208288"/>
+            <a:ext cx="6767457" cy="6512552"/>
+          </a:xfrm>
+          <a:prstGeom prst="rect">
+            <a:avLst/>
+          </a:prstGeom>
+          <a:solidFill>
+            <a:schemeClr val="bg1">
+              <a:lumMod val="85000"/>
+            </a:schemeClr>
+          </a:solidFill>
+        </p:spPr>
+        <p:txBody>
+          <a:bodyPr wrap="square" rtlCol="0">
+            <a:spAutoFit/>
+          </a:bodyPr>
+          <a:lstStyle/>
+          <a:p>
+            <a:pPr algn="l"/>
+            <a:r>
+              <a:rPr lang="en-AU" sz="1400" dirty="0"/>
+              <a:t>import time</a:t>
+            </a:r>
+          </a:p>
+          <a:p>
+            <a:pPr algn="l"/>
+            <a:r>
+              <a:rPr lang="en-AU" sz="1400" dirty="0"/>
+              <a:t>import </a:t>
+            </a:r>
+            <a:r>
+              <a:rPr lang="en-AU" sz="1400" dirty="0" err="1"/>
+              <a:t>redis</a:t>
+            </a:r>
+            <a:endParaRPr lang="en-AU" sz="1400" dirty="0"/>
+          </a:p>
+          <a:p>
+            <a:pPr algn="l"/>
+            <a:r>
+              <a:rPr lang="en-AU" sz="1400" dirty="0"/>
+              <a:t>from flask import Flask</a:t>
+            </a:r>
+          </a:p>
+          <a:p>
+            <a:pPr algn="l"/>
+            <a:endParaRPr lang="en-AU" sz="1400" dirty="0"/>
+          </a:p>
+          <a:p>
+            <a:pPr algn="l"/>
+            <a:r>
+              <a:rPr lang="en-AU" sz="1400" dirty="0"/>
+              <a:t>app = Flask(__name__)</a:t>
+            </a:r>
+          </a:p>
+          <a:p>
+            <a:pPr algn="l"/>
+            <a:r>
+              <a:rPr lang="en-AU" sz="1400" dirty="0"/>
+              <a:t>cache = </a:t>
+            </a:r>
+            <a:r>
+              <a:rPr lang="en-AU" sz="1400" dirty="0" err="1"/>
+              <a:t>redis.Redis</a:t>
+            </a:r>
+            <a:r>
+              <a:rPr lang="en-AU" sz="1400" dirty="0"/>
+              <a:t>(host='</a:t>
+            </a:r>
+            <a:r>
+              <a:rPr lang="en-AU" sz="1400" dirty="0" err="1"/>
+              <a:t>redis</a:t>
+            </a:r>
+            <a:r>
+              <a:rPr lang="en-AU" sz="1400" dirty="0"/>
+              <a:t>', port=6379)</a:t>
+            </a:r>
+          </a:p>
+          <a:p>
+            <a:pPr algn="l"/>
+            <a:endParaRPr lang="en-AU" sz="1400" dirty="0"/>
+          </a:p>
+          <a:p>
+            <a:pPr algn="l"/>
+            <a:r>
+              <a:rPr lang="en-AU" sz="1400" dirty="0"/>
+              <a:t>def </a:t>
+            </a:r>
+            <a:r>
+              <a:rPr lang="en-AU" sz="1400" dirty="0" err="1"/>
+              <a:t>get_hit_count</a:t>
+            </a:r>
+            <a:r>
+              <a:rPr lang="en-AU" sz="1400" dirty="0"/>
+              <a:t>():</a:t>
+            </a:r>
+          </a:p>
+          <a:p>
+            <a:pPr algn="l"/>
+            <a:r>
+              <a:rPr lang="en-AU" sz="1400" dirty="0"/>
+              <a:t>    retries = 5</a:t>
+            </a:r>
+          </a:p>
+          <a:p>
+            <a:pPr algn="l"/>
+            <a:r>
+              <a:rPr lang="en-AU" sz="1400" dirty="0"/>
+              <a:t>    while True:</a:t>
+            </a:r>
+          </a:p>
+          <a:p>
+            <a:pPr algn="l"/>
+            <a:r>
+              <a:rPr lang="en-AU" sz="1400" dirty="0"/>
+              <a:t>        try:</a:t>
+            </a:r>
+          </a:p>
+          <a:p>
+            <a:pPr algn="l"/>
+            <a:r>
+              <a:rPr lang="en-AU" sz="1400" dirty="0"/>
+              <a:t>            return </a:t>
+            </a:r>
+            <a:r>
+              <a:rPr lang="en-AU" sz="1400" dirty="0" err="1"/>
+              <a:t>cache.incr</a:t>
+            </a:r>
+            <a:r>
+              <a:rPr lang="en-AU" sz="1400" dirty="0"/>
+              <a:t>('hits')</a:t>
+            </a:r>
+          </a:p>
+          <a:p>
+            <a:pPr algn="l"/>
+            <a:r>
+              <a:rPr lang="en-AU" sz="1400" dirty="0"/>
+              <a:t>        except </a:t>
+            </a:r>
+            <a:r>
+              <a:rPr lang="en-AU" sz="1400" dirty="0" err="1"/>
+              <a:t>redis.exceptions.ConnectionError</a:t>
+            </a:r>
+            <a:r>
+              <a:rPr lang="en-AU" sz="1400" dirty="0"/>
+              <a:t> as </a:t>
+            </a:r>
+            <a:r>
+              <a:rPr lang="en-AU" sz="1400" dirty="0" err="1"/>
+              <a:t>exc</a:t>
+            </a:r>
+            <a:r>
+              <a:rPr lang="en-AU" sz="1400" dirty="0"/>
+              <a:t>:</a:t>
+            </a:r>
+          </a:p>
+          <a:p>
+            <a:pPr algn="l"/>
+            <a:r>
+              <a:rPr lang="en-AU" sz="1400" dirty="0"/>
+              <a:t>            if retries == 0:</a:t>
+            </a:r>
+          </a:p>
+          <a:p>
+            <a:pPr algn="l"/>
+            <a:r>
+              <a:rPr lang="en-AU" sz="1400" dirty="0"/>
+              <a:t>                raise </a:t>
+            </a:r>
+            <a:r>
+              <a:rPr lang="en-AU" sz="1400" dirty="0" err="1"/>
+              <a:t>exc</a:t>
+            </a:r>
+            <a:endParaRPr lang="en-AU" sz="1400" dirty="0"/>
+          </a:p>
+          <a:p>
+            <a:pPr algn="l"/>
+            <a:r>
+              <a:rPr lang="en-AU" sz="1400" dirty="0"/>
+              <a:t>            retries -= 1</a:t>
+            </a:r>
+          </a:p>
+          <a:p>
+            <a:pPr algn="l"/>
+            <a:r>
+              <a:rPr lang="en-AU" sz="1400" dirty="0"/>
+              <a:t>            </a:t>
+            </a:r>
+            <a:r>
+              <a:rPr lang="en-AU" sz="1400" dirty="0" err="1"/>
+              <a:t>time.sleep</a:t>
+            </a:r>
+            <a:r>
+              <a:rPr lang="en-AU" sz="1400" dirty="0"/>
+              <a:t>(0.5)</a:t>
+            </a:r>
+          </a:p>
+          <a:p>
+            <a:pPr algn="l"/>
+            <a:endParaRPr lang="en-AU" sz="1400" dirty="0"/>
+          </a:p>
+          <a:p>
+            <a:pPr algn="l"/>
+            <a:r>
+              <a:rPr lang="en-AU" sz="1400" dirty="0"/>
+              <a:t>@</a:t>
+            </a:r>
+            <a:r>
+              <a:rPr lang="en-AU" sz="1400" dirty="0" err="1"/>
+              <a:t>app.route</a:t>
+            </a:r>
+            <a:r>
+              <a:rPr lang="en-AU" sz="1400" dirty="0"/>
+              <a:t>('/')</a:t>
+            </a:r>
+          </a:p>
+          <a:p>
+            <a:pPr algn="l"/>
+            <a:r>
+              <a:rPr lang="en-AU" sz="1400" dirty="0"/>
+              <a:t>def hello():</a:t>
+            </a:r>
+          </a:p>
+          <a:p>
+            <a:pPr algn="l"/>
+            <a:r>
+              <a:rPr lang="en-AU" sz="1400" dirty="0"/>
+              <a:t>    count = </a:t>
+            </a:r>
+            <a:r>
+              <a:rPr lang="en-AU" sz="1400" dirty="0" err="1"/>
+              <a:t>get_hit_count</a:t>
+            </a:r>
+            <a:r>
+              <a:rPr lang="en-AU" sz="1400" dirty="0"/>
+              <a:t>()</a:t>
+            </a:r>
+          </a:p>
+          <a:p>
+            <a:pPr algn="l"/>
+            <a:r>
+              <a:rPr lang="en-AU" sz="1400" dirty="0"/>
+              <a:t>    return 'Hello World! I have been seen {} times.\</a:t>
+            </a:r>
+            <a:r>
+              <a:rPr lang="en-AU" sz="1400" dirty="0" err="1"/>
+              <a:t>n'.format</a:t>
+            </a:r>
+            <a:r>
+              <a:rPr lang="en-AU" sz="1400" dirty="0"/>
+              <a:t>(count)</a:t>
+            </a:r>
+          </a:p>
+          <a:p>
+            <a:pPr algn="l"/>
+            <a:endParaRPr lang="en-AU" sz="1400" dirty="0"/>
+          </a:p>
+          <a:p>
+            <a:pPr algn="l"/>
+            <a:r>
+              <a:rPr lang="en-AU" sz="1400" dirty="0"/>
+              <a:t>if __name__ == "__main__":</a:t>
+            </a:r>
+          </a:p>
+          <a:p>
+            <a:pPr algn="l"/>
+            <a:r>
+              <a:rPr lang="en-AU" sz="1400" dirty="0"/>
+              <a:t>    </a:t>
+            </a:r>
+            <a:r>
+              <a:rPr lang="en-AU" sz="1400" dirty="0" err="1"/>
+              <a:t>app.run</a:t>
+            </a:r>
+            <a:r>
+              <a:rPr lang="en-AU" sz="1400" dirty="0"/>
+              <a:t>(host="0.0.0.0", debug=True)</a:t>
+            </a:r>
+            <a:endParaRPr lang="en-US" sz="1400" dirty="0"/>
+          </a:p>
+        </p:txBody>
+      </p:sp>
+    </p:spTree>
+    <p:extLst>
+      <p:ext uri="{BB962C8B-B14F-4D97-AF65-F5344CB8AC3E}">
+        <p14:creationId xmlns:p14="http://schemas.microsoft.com/office/powerpoint/2010/main" val="3475350642"/>
+      </p:ext>
+    </p:extLst>
+  </p:cSld>
+  <p:clrMapOvr>
+    <a:masterClrMapping/>
+  </p:clrMapOvr>
+</p:sld>
+</file>
+
+<file path=ppt/slides/slide26.xml><?xml version="1.0" encoding="utf-8"?>
+<p:sld xmlns:a="http://schemas.openxmlformats.org/drawingml/2006/main" xmlns:r="http://schemas.openxmlformats.org/officeDocument/2006/relationships" xmlns:p="http://schemas.openxmlformats.org/presentationml/2006/main">
+  <p:cSld>
+    <p:spTree>
+      <p:nvGrpSpPr>
+        <p:cNvPr id="1" name=""/>
+        <p:cNvGrpSpPr/>
+        <p:nvPr/>
+      </p:nvGrpSpPr>
+      <p:grpSpPr>
+        <a:xfrm>
+          <a:off x="0" y="0"/>
+          <a:ext cx="0" cy="0"/>
+          <a:chOff x="0" y="0"/>
+          <a:chExt cx="0" cy="0"/>
+        </a:xfrm>
+      </p:grpSpPr>
+      <p:sp>
+        <p:nvSpPr>
+          <p:cNvPr id="2" name="Title 1">
+            <a:extLst>
+              <a:ext uri="{FF2B5EF4-FFF2-40B4-BE49-F238E27FC236}">
+                <a16:creationId xmlns:a16="http://schemas.microsoft.com/office/drawing/2014/main" id="{B8F2C8FB-445B-7C4B-8F9F-E83AD89062B0}"/>
+              </a:ext>
+            </a:extLst>
+          </p:cNvPr>
+          <p:cNvSpPr>
+            <a:spLocks noGrp="1"/>
+          </p:cNvSpPr>
+          <p:nvPr>
+            <p:ph type="title"/>
+          </p:nvPr>
+        </p:nvSpPr>
+        <p:spPr/>
+        <p:txBody>
+          <a:bodyPr/>
+          <a:lstStyle/>
+          <a:p>
+            <a:r>
+              <a:rPr lang="en-US" dirty="0"/>
+              <a:t>Compose example: docker-</a:t>
+            </a:r>
+            <a:r>
+              <a:rPr lang="en-US" dirty="0" err="1"/>
+              <a:t>compose.yml</a:t>
+            </a:r>
+            <a:endParaRPr lang="en-US" dirty="0"/>
+          </a:p>
+        </p:txBody>
+      </p:sp>
+      <p:sp>
+        <p:nvSpPr>
+          <p:cNvPr id="4" name="Footer Placeholder 3">
+            <a:extLst>
+              <a:ext uri="{FF2B5EF4-FFF2-40B4-BE49-F238E27FC236}">
+                <a16:creationId xmlns:a16="http://schemas.microsoft.com/office/drawing/2014/main" id="{6403E1C0-DAE2-A942-BF71-EB19481CF30A}"/>
+              </a:ext>
+            </a:extLst>
+          </p:cNvPr>
+          <p:cNvSpPr>
+            <a:spLocks noGrp="1"/>
+          </p:cNvSpPr>
+          <p:nvPr>
+            <p:ph type="ftr" sz="quarter" idx="11"/>
+          </p:nvPr>
+        </p:nvSpPr>
+        <p:spPr/>
+        <p:txBody>
+          <a:bodyPr/>
+          <a:lstStyle/>
+          <a:p>
+            <a:endParaRPr lang="en-GB" dirty="0"/>
+          </a:p>
+        </p:txBody>
+      </p:sp>
+      <p:sp>
+        <p:nvSpPr>
+          <p:cNvPr id="5" name="Slide Number Placeholder 4">
+            <a:extLst>
+              <a:ext uri="{FF2B5EF4-FFF2-40B4-BE49-F238E27FC236}">
+                <a16:creationId xmlns:a16="http://schemas.microsoft.com/office/drawing/2014/main" id="{1B9E49F1-502B-0240-9772-04F5DF93A621}"/>
+              </a:ext>
+            </a:extLst>
+          </p:cNvPr>
+          <p:cNvSpPr>
+            <a:spLocks noGrp="1"/>
+          </p:cNvSpPr>
+          <p:nvPr>
+            <p:ph type="sldNum" sz="quarter" idx="12"/>
+          </p:nvPr>
+        </p:nvSpPr>
+        <p:spPr/>
+        <p:txBody>
+          <a:bodyPr/>
+          <a:lstStyle/>
+          <a:p>
+            <a:fld id="{05072F42-4DFA-4725-86F9-7594E4AB4EB5}" type="slidenum">
+              <a:rPr lang="en-GB" smtClean="0"/>
+              <a:pPr/>
+              <a:t>26</a:t>
+            </a:fld>
+            <a:endParaRPr lang="en-GB"/>
+          </a:p>
+        </p:txBody>
+      </p:sp>
+      <p:sp>
+        <p:nvSpPr>
+          <p:cNvPr id="6" name="TextBox 5">
+            <a:extLst>
+              <a:ext uri="{FF2B5EF4-FFF2-40B4-BE49-F238E27FC236}">
+                <a16:creationId xmlns:a16="http://schemas.microsoft.com/office/drawing/2014/main" id="{FF171030-C532-2041-9339-A60E42A1AC55}"/>
+              </a:ext>
+            </a:extLst>
+          </p:cNvPr>
+          <p:cNvSpPr txBox="1"/>
+          <p:nvPr/>
+        </p:nvSpPr>
+        <p:spPr>
+          <a:xfrm>
+            <a:off x="838199" y="1690688"/>
+            <a:ext cx="11016727" cy="2985433"/>
+          </a:xfrm>
+          <a:prstGeom prst="rect">
+            <a:avLst/>
+          </a:prstGeom>
+          <a:solidFill>
+            <a:schemeClr val="bg1">
+              <a:lumMod val="85000"/>
+            </a:schemeClr>
+          </a:solidFill>
+        </p:spPr>
+        <p:txBody>
+          <a:bodyPr wrap="square" rtlCol="0">
+            <a:spAutoFit/>
+          </a:bodyPr>
+          <a:lstStyle/>
+          <a:p>
+            <a:pPr algn="l"/>
+            <a:r>
+              <a:rPr lang="en-US" dirty="0"/>
+              <a:t>version: '3'</a:t>
+            </a:r>
+          </a:p>
+          <a:p>
+            <a:pPr algn="l"/>
+            <a:r>
+              <a:rPr lang="en-US" dirty="0"/>
+              <a:t>services:</a:t>
+            </a:r>
+          </a:p>
+          <a:p>
+            <a:pPr algn="l"/>
+            <a:r>
+              <a:rPr lang="en-US" dirty="0"/>
+              <a:t>  web:</a:t>
+            </a:r>
+          </a:p>
+          <a:p>
+            <a:pPr algn="l"/>
+            <a:r>
+              <a:rPr lang="en-US" dirty="0"/>
+              <a:t>    build: .</a:t>
+            </a:r>
+          </a:p>
+          <a:p>
+            <a:pPr algn="l"/>
+            <a:r>
+              <a:rPr lang="en-US" dirty="0"/>
+              <a:t>    ports:</a:t>
+            </a:r>
+          </a:p>
+          <a:p>
+            <a:pPr algn="l"/>
+            <a:r>
+              <a:rPr lang="en-US" dirty="0"/>
+              <a:t>     - "5000:5000"</a:t>
+            </a:r>
+          </a:p>
+          <a:p>
+            <a:pPr algn="l"/>
+            <a:r>
+              <a:rPr lang="en-US" dirty="0"/>
+              <a:t>  </a:t>
+            </a:r>
+            <a:r>
+              <a:rPr lang="en-US" dirty="0" err="1"/>
+              <a:t>redis</a:t>
+            </a:r>
+            <a:r>
+              <a:rPr lang="en-US" dirty="0"/>
+              <a:t>:</a:t>
+            </a:r>
+          </a:p>
+          <a:p>
+            <a:pPr algn="l"/>
+            <a:r>
+              <a:rPr lang="en-US" dirty="0"/>
+              <a:t>    image: "</a:t>
+            </a:r>
+            <a:r>
+              <a:rPr lang="en-US" dirty="0" err="1"/>
+              <a:t>redis:alpine</a:t>
+            </a:r>
+            <a:r>
+              <a:rPr lang="en-US" dirty="0"/>
+              <a:t>"</a:t>
+            </a:r>
+          </a:p>
+        </p:txBody>
+      </p:sp>
+    </p:spTree>
+    <p:extLst>
+      <p:ext uri="{BB962C8B-B14F-4D97-AF65-F5344CB8AC3E}">
+        <p14:creationId xmlns:p14="http://schemas.microsoft.com/office/powerpoint/2010/main" val="2949759940"/>
+      </p:ext>
+    </p:extLst>
+  </p:cSld>
+  <p:clrMapOvr>
+    <a:masterClrMapping/>
+  </p:clrMapOvr>
+</p:sld>
+</file>
+
+<file path=ppt/slides/slide27.xml><?xml version="1.0" encoding="utf-8"?>
+<p:sld xmlns:a="http://schemas.openxmlformats.org/drawingml/2006/main" xmlns:r="http://schemas.openxmlformats.org/officeDocument/2006/relationships" xmlns:p="http://schemas.openxmlformats.org/presentationml/2006/main">
+  <p:cSld>
+    <p:spTree>
+      <p:nvGrpSpPr>
+        <p:cNvPr id="1" name=""/>
+        <p:cNvGrpSpPr/>
+        <p:nvPr/>
+      </p:nvGrpSpPr>
+      <p:grpSpPr>
+        <a:xfrm>
+          <a:off x="0" y="0"/>
+          <a:ext cx="0" cy="0"/>
+          <a:chOff x="0" y="0"/>
+          <a:chExt cx="0" cy="0"/>
+        </a:xfrm>
+      </p:grpSpPr>
+      <p:sp>
+        <p:nvSpPr>
+          <p:cNvPr id="2" name="Title 1">
+            <a:extLst>
+              <a:ext uri="{FF2B5EF4-FFF2-40B4-BE49-F238E27FC236}">
+                <a16:creationId xmlns:a16="http://schemas.microsoft.com/office/drawing/2014/main" id="{B8F2C8FB-445B-7C4B-8F9F-E83AD89062B0}"/>
+              </a:ext>
+            </a:extLst>
+          </p:cNvPr>
+          <p:cNvSpPr>
+            <a:spLocks noGrp="1"/>
+          </p:cNvSpPr>
+          <p:nvPr>
+            <p:ph type="title"/>
+          </p:nvPr>
+        </p:nvSpPr>
+        <p:spPr/>
+        <p:txBody>
+          <a:bodyPr/>
+          <a:lstStyle/>
+          <a:p>
+            <a:r>
+              <a:rPr lang="en-US" dirty="0"/>
+              <a:t>Compose example: </a:t>
+            </a:r>
+            <a:r>
+              <a:rPr lang="en-US" dirty="0" err="1"/>
+              <a:t>requirements.txt</a:t>
+            </a:r>
+            <a:endParaRPr lang="en-US" dirty="0"/>
+          </a:p>
+        </p:txBody>
+      </p:sp>
+      <p:sp>
+        <p:nvSpPr>
+          <p:cNvPr id="4" name="Footer Placeholder 3">
+            <a:extLst>
+              <a:ext uri="{FF2B5EF4-FFF2-40B4-BE49-F238E27FC236}">
+                <a16:creationId xmlns:a16="http://schemas.microsoft.com/office/drawing/2014/main" id="{6403E1C0-DAE2-A942-BF71-EB19481CF30A}"/>
+              </a:ext>
+            </a:extLst>
+          </p:cNvPr>
+          <p:cNvSpPr>
+            <a:spLocks noGrp="1"/>
+          </p:cNvSpPr>
+          <p:nvPr>
+            <p:ph type="ftr" sz="quarter" idx="11"/>
+          </p:nvPr>
+        </p:nvSpPr>
+        <p:spPr/>
+        <p:txBody>
+          <a:bodyPr/>
+          <a:lstStyle/>
+          <a:p>
+            <a:endParaRPr lang="en-GB" dirty="0"/>
+          </a:p>
+        </p:txBody>
+      </p:sp>
+      <p:sp>
+        <p:nvSpPr>
+          <p:cNvPr id="5" name="Slide Number Placeholder 4">
+            <a:extLst>
+              <a:ext uri="{FF2B5EF4-FFF2-40B4-BE49-F238E27FC236}">
+                <a16:creationId xmlns:a16="http://schemas.microsoft.com/office/drawing/2014/main" id="{1B9E49F1-502B-0240-9772-04F5DF93A621}"/>
+              </a:ext>
+            </a:extLst>
+          </p:cNvPr>
+          <p:cNvSpPr>
+            <a:spLocks noGrp="1"/>
+          </p:cNvSpPr>
+          <p:nvPr>
+            <p:ph type="sldNum" sz="quarter" idx="12"/>
+          </p:nvPr>
+        </p:nvSpPr>
+        <p:spPr/>
+        <p:txBody>
+          <a:bodyPr/>
+          <a:lstStyle/>
+          <a:p>
+            <a:fld id="{05072F42-4DFA-4725-86F9-7594E4AB4EB5}" type="slidenum">
+              <a:rPr lang="en-GB" smtClean="0"/>
+              <a:pPr/>
+              <a:t>27</a:t>
+            </a:fld>
+            <a:endParaRPr lang="en-GB"/>
+          </a:p>
+        </p:txBody>
+      </p:sp>
+      <p:sp>
+        <p:nvSpPr>
+          <p:cNvPr id="6" name="TextBox 5">
+            <a:extLst>
+              <a:ext uri="{FF2B5EF4-FFF2-40B4-BE49-F238E27FC236}">
+                <a16:creationId xmlns:a16="http://schemas.microsoft.com/office/drawing/2014/main" id="{FF171030-C532-2041-9339-A60E42A1AC55}"/>
+              </a:ext>
+            </a:extLst>
+          </p:cNvPr>
+          <p:cNvSpPr txBox="1"/>
+          <p:nvPr/>
+        </p:nvSpPr>
+        <p:spPr>
+          <a:xfrm>
+            <a:off x="838199" y="1690688"/>
+            <a:ext cx="11016727" cy="769441"/>
+          </a:xfrm>
+          <a:prstGeom prst="rect">
+            <a:avLst/>
+          </a:prstGeom>
+          <a:solidFill>
+            <a:schemeClr val="bg1">
+              <a:lumMod val="85000"/>
+            </a:schemeClr>
+          </a:solidFill>
+        </p:spPr>
+        <p:txBody>
+          <a:bodyPr wrap="square" rtlCol="0">
+            <a:spAutoFit/>
+          </a:bodyPr>
+          <a:lstStyle/>
+          <a:p>
+            <a:pPr algn="l"/>
+            <a:r>
+              <a:rPr lang="en-US" dirty="0"/>
+              <a:t>flask</a:t>
+            </a:r>
+          </a:p>
+          <a:p>
+            <a:pPr algn="l"/>
+            <a:r>
+              <a:rPr lang="en-US" dirty="0" err="1"/>
+              <a:t>redis</a:t>
+            </a:r>
+            <a:endParaRPr lang="en-US" dirty="0"/>
+          </a:p>
+        </p:txBody>
+      </p:sp>
+      <p:sp>
+        <p:nvSpPr>
+          <p:cNvPr id="7" name="TextBox 6">
+            <a:extLst>
+              <a:ext uri="{FF2B5EF4-FFF2-40B4-BE49-F238E27FC236}">
+                <a16:creationId xmlns:a16="http://schemas.microsoft.com/office/drawing/2014/main" id="{A727F3B2-73CC-BD4C-8939-6CE3DF1EB600}"/>
+              </a:ext>
+            </a:extLst>
+          </p:cNvPr>
+          <p:cNvSpPr txBox="1"/>
+          <p:nvPr/>
+        </p:nvSpPr>
+        <p:spPr>
+          <a:xfrm>
+            <a:off x="838199" y="3400971"/>
+            <a:ext cx="11016727" cy="2246769"/>
+          </a:xfrm>
+          <a:prstGeom prst="rect">
+            <a:avLst/>
+          </a:prstGeom>
+          <a:solidFill>
+            <a:schemeClr val="bg1">
+              <a:lumMod val="85000"/>
+            </a:schemeClr>
+          </a:solidFill>
+        </p:spPr>
+        <p:txBody>
+          <a:bodyPr wrap="square" rtlCol="0">
+            <a:spAutoFit/>
+          </a:bodyPr>
+          <a:lstStyle/>
+          <a:p>
+            <a:pPr algn="l"/>
+            <a:r>
+              <a:rPr lang="en-US" dirty="0"/>
+              <a:t>And run…</a:t>
+            </a:r>
+          </a:p>
+          <a:p>
+            <a:pPr algn="l"/>
+            <a:endParaRPr lang="en-US" dirty="0"/>
+          </a:p>
+          <a:p>
+            <a:pPr algn="l"/>
+            <a:r>
+              <a:rPr lang="en-US" dirty="0"/>
+              <a:t>&gt;$ docker-compose up</a:t>
+            </a:r>
+          </a:p>
+          <a:p>
+            <a:pPr algn="l"/>
+            <a:endParaRPr lang="en-US" dirty="0"/>
+          </a:p>
+          <a:p>
+            <a:pPr algn="l"/>
+            <a:endParaRPr lang="en-US" dirty="0"/>
+          </a:p>
+          <a:p>
+            <a:pPr algn="l"/>
+            <a:r>
+              <a:rPr lang="en-US" dirty="0"/>
+              <a:t>test with: http://0.0.0.0:5000</a:t>
+            </a:r>
+          </a:p>
+        </p:txBody>
+      </p:sp>
+    </p:spTree>
+    <p:extLst>
+      <p:ext uri="{BB962C8B-B14F-4D97-AF65-F5344CB8AC3E}">
+        <p14:creationId xmlns:p14="http://schemas.microsoft.com/office/powerpoint/2010/main" val="2259066193"/>
+      </p:ext>
+    </p:extLst>
+  </p:cSld>
+  <p:clrMapOvr>
+    <a:masterClrMapping/>
+  </p:clrMapOvr>
+</p:sld>
+</file>
+
+<file path=ppt/slides/slide28.xml><?xml version="1.0" encoding="utf-8"?>
+<p:sld xmlns:a="http://schemas.openxmlformats.org/drawingml/2006/main" xmlns:r="http://schemas.openxmlformats.org/officeDocument/2006/relationships" xmlns:p="http://schemas.openxmlformats.org/presentationml/2006/main">
+  <p:cSld>
+    <p:spTree>
+      <p:nvGrpSpPr>
+        <p:cNvPr id="1" name=""/>
+        <p:cNvGrpSpPr/>
+        <p:nvPr/>
+      </p:nvGrpSpPr>
+      <p:grpSpPr>
+        <a:xfrm>
+          <a:off x="0" y="0"/>
+          <a:ext cx="0" cy="0"/>
+          <a:chOff x="0" y="0"/>
+          <a:chExt cx="0" cy="0"/>
+        </a:xfrm>
+      </p:grpSpPr>
+      <p:sp>
+        <p:nvSpPr>
+          <p:cNvPr id="2" name="Title 1">
+            <a:extLst>
+              <a:ext uri="{FF2B5EF4-FFF2-40B4-BE49-F238E27FC236}">
+                <a16:creationId xmlns:a16="http://schemas.microsoft.com/office/drawing/2014/main" id="{6AD5BCBD-5A0B-2748-ACFC-A8508705DCCA}"/>
+              </a:ext>
+            </a:extLst>
+          </p:cNvPr>
+          <p:cNvSpPr>
+            <a:spLocks noGrp="1"/>
+          </p:cNvSpPr>
+          <p:nvPr>
+            <p:ph type="title"/>
+          </p:nvPr>
+        </p:nvSpPr>
+        <p:spPr/>
+        <p:txBody>
+          <a:bodyPr/>
+          <a:lstStyle/>
+          <a:p>
+            <a:r>
+              <a:rPr lang="en-US" dirty="0"/>
+              <a:t>Containers on AWS: Elastic Container Service</a:t>
+            </a:r>
+          </a:p>
+        </p:txBody>
+      </p:sp>
+      <p:sp>
+        <p:nvSpPr>
+          <p:cNvPr id="3" name="Content Placeholder 2">
+            <a:extLst>
+              <a:ext uri="{FF2B5EF4-FFF2-40B4-BE49-F238E27FC236}">
+                <a16:creationId xmlns:a16="http://schemas.microsoft.com/office/drawing/2014/main" id="{D4A8A117-417F-A949-998A-38510C8DAC78}"/>
+              </a:ext>
+            </a:extLst>
+          </p:cNvPr>
+          <p:cNvSpPr>
+            <a:spLocks noGrp="1"/>
+          </p:cNvSpPr>
+          <p:nvPr>
+            <p:ph idx="1"/>
+          </p:nvPr>
+        </p:nvSpPr>
+        <p:spPr/>
+        <p:txBody>
+          <a:bodyPr/>
+          <a:lstStyle/>
+          <a:p>
+            <a:r>
+              <a:rPr lang="en-US" dirty="0"/>
+              <a:t>AWS provides a service to deploy a cluster of containers running on EC2 instances</a:t>
+            </a:r>
+          </a:p>
+          <a:p>
+            <a:r>
+              <a:rPr lang="en-US" dirty="0"/>
+              <a:t>Allows the creation of a Docker registry (Elastic Container Registry) to store and run container images</a:t>
+            </a:r>
+          </a:p>
+          <a:p>
+            <a:r>
+              <a:rPr lang="en-US" dirty="0"/>
+              <a:t>Benefits are that other AWS services can be integrated with containers to manage production use</a:t>
+            </a:r>
+          </a:p>
+        </p:txBody>
+      </p:sp>
+      <p:sp>
+        <p:nvSpPr>
+          <p:cNvPr id="4" name="Footer Placeholder 3">
+            <a:extLst>
+              <a:ext uri="{FF2B5EF4-FFF2-40B4-BE49-F238E27FC236}">
+                <a16:creationId xmlns:a16="http://schemas.microsoft.com/office/drawing/2014/main" id="{BEC146CB-6C8A-CF41-A925-C4E8A5760865}"/>
+              </a:ext>
+            </a:extLst>
+          </p:cNvPr>
+          <p:cNvSpPr>
+            <a:spLocks noGrp="1"/>
+          </p:cNvSpPr>
+          <p:nvPr>
+            <p:ph type="ftr" sz="quarter" idx="11"/>
+          </p:nvPr>
+        </p:nvSpPr>
+        <p:spPr/>
+        <p:txBody>
+          <a:bodyPr/>
+          <a:lstStyle/>
+          <a:p>
+            <a:endParaRPr lang="en-GB" dirty="0"/>
+          </a:p>
+        </p:txBody>
+      </p:sp>
+      <p:sp>
+        <p:nvSpPr>
+          <p:cNvPr id="5" name="Slide Number Placeholder 4">
+            <a:extLst>
+              <a:ext uri="{FF2B5EF4-FFF2-40B4-BE49-F238E27FC236}">
+                <a16:creationId xmlns:a16="http://schemas.microsoft.com/office/drawing/2014/main" id="{163979D1-8F4B-3746-BD8B-22976C507CE4}"/>
+              </a:ext>
+            </a:extLst>
+          </p:cNvPr>
+          <p:cNvSpPr>
+            <a:spLocks noGrp="1"/>
+          </p:cNvSpPr>
+          <p:nvPr>
+            <p:ph type="sldNum" sz="quarter" idx="12"/>
+          </p:nvPr>
+        </p:nvSpPr>
+        <p:spPr/>
+        <p:txBody>
+          <a:bodyPr/>
+          <a:lstStyle/>
+          <a:p>
+            <a:fld id="{05072F42-4DFA-4725-86F9-7594E4AB4EB5}" type="slidenum">
+              <a:rPr lang="en-GB" smtClean="0"/>
+              <a:pPr/>
+              <a:t>28</a:t>
+            </a:fld>
+            <a:endParaRPr lang="en-GB"/>
+          </a:p>
+        </p:txBody>
+      </p:sp>
+    </p:spTree>
+    <p:extLst>
+      <p:ext uri="{BB962C8B-B14F-4D97-AF65-F5344CB8AC3E}">
+        <p14:creationId xmlns:p14="http://schemas.microsoft.com/office/powerpoint/2010/main" val="2582624737"/>
+      </p:ext>
+    </p:extLst>
+  </p:cSld>
+  <p:clrMapOvr>
+    <a:masterClrMapping/>
+  </p:clrMapOvr>
+</p:sld>
+</file>
+
+<file path=ppt/slides/slide29.xml><?xml version="1.0" encoding="utf-8"?>
+<p:sld xmlns:a="http://schemas.openxmlformats.org/drawingml/2006/main" xmlns:r="http://schemas.openxmlformats.org/officeDocument/2006/relationships" xmlns:p="http://schemas.openxmlformats.org/presentationml/2006/main">
+  <p:cSld>
+    <p:spTree>
+      <p:nvGrpSpPr>
+        <p:cNvPr id="1" name=""/>
+        <p:cNvGrpSpPr/>
+        <p:nvPr/>
+      </p:nvGrpSpPr>
+      <p:grpSpPr>
+        <a:xfrm>
+          <a:off x="0" y="0"/>
+          <a:ext cx="0" cy="0"/>
+          <a:chOff x="0" y="0"/>
+          <a:chExt cx="0" cy="0"/>
+        </a:xfrm>
+      </p:grpSpPr>
+      <p:sp>
+        <p:nvSpPr>
+          <p:cNvPr id="2" name="Title 1">
+            <a:extLst>
+              <a:ext uri="{FF2B5EF4-FFF2-40B4-BE49-F238E27FC236}">
+                <a16:creationId xmlns:a16="http://schemas.microsoft.com/office/drawing/2014/main" id="{B2D0086C-F8FB-304F-A537-103C0F5BC6EF}"/>
+              </a:ext>
+            </a:extLst>
+          </p:cNvPr>
+          <p:cNvSpPr>
+            <a:spLocks noGrp="1"/>
+          </p:cNvSpPr>
+          <p:nvPr>
+            <p:ph type="title"/>
+          </p:nvPr>
+        </p:nvSpPr>
+        <p:spPr/>
+        <p:txBody>
+          <a:bodyPr/>
+          <a:lstStyle/>
+          <a:p>
+            <a:r>
+              <a:rPr lang="en-US" dirty="0"/>
+              <a:t>Using ECR</a:t>
+            </a:r>
+          </a:p>
+        </p:txBody>
+      </p:sp>
+      <p:sp>
+        <p:nvSpPr>
+          <p:cNvPr id="3" name="Content Placeholder 2">
+            <a:extLst>
+              <a:ext uri="{FF2B5EF4-FFF2-40B4-BE49-F238E27FC236}">
+                <a16:creationId xmlns:a16="http://schemas.microsoft.com/office/drawing/2014/main" id="{A073556B-AF63-7B44-8696-D28CC601F371}"/>
+              </a:ext>
+            </a:extLst>
+          </p:cNvPr>
+          <p:cNvSpPr>
+            <a:spLocks noGrp="1"/>
+          </p:cNvSpPr>
+          <p:nvPr>
+            <p:ph idx="1"/>
+          </p:nvPr>
+        </p:nvSpPr>
+        <p:spPr/>
+        <p:txBody>
+          <a:bodyPr/>
+          <a:lstStyle/>
+          <a:p>
+            <a:r>
+              <a:rPr lang="en-US" dirty="0"/>
+              <a:t>Using the existing code, use ‘</a:t>
+            </a:r>
+            <a:r>
+              <a:rPr lang="en-US" dirty="0" err="1"/>
+              <a:t>aws</a:t>
+            </a:r>
+            <a:r>
+              <a:rPr lang="en-US" dirty="0"/>
+              <a:t> </a:t>
+            </a:r>
+            <a:r>
+              <a:rPr lang="en-US" dirty="0" err="1"/>
+              <a:t>ecr</a:t>
+            </a:r>
+            <a:r>
+              <a:rPr lang="en-US" dirty="0"/>
+              <a:t>’ to create an image entry in the repository and push the image</a:t>
+            </a:r>
+          </a:p>
+          <a:p>
+            <a:endParaRPr lang="en-US" dirty="0"/>
+          </a:p>
+        </p:txBody>
+      </p:sp>
+      <p:sp>
+        <p:nvSpPr>
+          <p:cNvPr id="4" name="Footer Placeholder 3">
+            <a:extLst>
+              <a:ext uri="{FF2B5EF4-FFF2-40B4-BE49-F238E27FC236}">
+                <a16:creationId xmlns:a16="http://schemas.microsoft.com/office/drawing/2014/main" id="{CCD26387-E2DD-0845-9C59-481C42766444}"/>
+              </a:ext>
+            </a:extLst>
+          </p:cNvPr>
+          <p:cNvSpPr>
+            <a:spLocks noGrp="1"/>
+          </p:cNvSpPr>
+          <p:nvPr>
+            <p:ph type="ftr" sz="quarter" idx="11"/>
+          </p:nvPr>
+        </p:nvSpPr>
+        <p:spPr/>
+        <p:txBody>
+          <a:bodyPr/>
+          <a:lstStyle/>
+          <a:p>
+            <a:endParaRPr lang="en-GB" dirty="0"/>
+          </a:p>
+        </p:txBody>
+      </p:sp>
+      <p:sp>
+        <p:nvSpPr>
+          <p:cNvPr id="5" name="Slide Number Placeholder 4">
+            <a:extLst>
+              <a:ext uri="{FF2B5EF4-FFF2-40B4-BE49-F238E27FC236}">
+                <a16:creationId xmlns:a16="http://schemas.microsoft.com/office/drawing/2014/main" id="{2047EF39-4320-3C45-B5E2-E86CAADDFF9E}"/>
+              </a:ext>
+            </a:extLst>
+          </p:cNvPr>
+          <p:cNvSpPr>
+            <a:spLocks noGrp="1"/>
+          </p:cNvSpPr>
+          <p:nvPr>
+            <p:ph type="sldNum" sz="quarter" idx="12"/>
+          </p:nvPr>
+        </p:nvSpPr>
+        <p:spPr/>
+        <p:txBody>
+          <a:bodyPr/>
+          <a:lstStyle/>
+          <a:p>
+            <a:fld id="{05072F42-4DFA-4725-86F9-7594E4AB4EB5}" type="slidenum">
+              <a:rPr lang="en-GB" smtClean="0"/>
+              <a:pPr/>
+              <a:t>29</a:t>
+            </a:fld>
+            <a:endParaRPr lang="en-GB"/>
+          </a:p>
+        </p:txBody>
+      </p:sp>
+      <p:sp>
+        <p:nvSpPr>
+          <p:cNvPr id="6" name="TextBox 5">
+            <a:extLst>
+              <a:ext uri="{FF2B5EF4-FFF2-40B4-BE49-F238E27FC236}">
+                <a16:creationId xmlns:a16="http://schemas.microsoft.com/office/drawing/2014/main" id="{ABC52DA1-912B-3242-AFE3-D2397032F79E}"/>
+              </a:ext>
+            </a:extLst>
+          </p:cNvPr>
+          <p:cNvSpPr txBox="1"/>
+          <p:nvPr/>
+        </p:nvSpPr>
+        <p:spPr>
+          <a:xfrm>
+            <a:off x="945776" y="2884786"/>
+            <a:ext cx="11016727" cy="2985433"/>
+          </a:xfrm>
+          <a:prstGeom prst="rect">
+            <a:avLst/>
+          </a:prstGeom>
+          <a:solidFill>
+            <a:schemeClr val="bg1">
+              <a:lumMod val="85000"/>
+            </a:schemeClr>
+          </a:solidFill>
+        </p:spPr>
+        <p:txBody>
+          <a:bodyPr wrap="square" rtlCol="0">
+            <a:spAutoFit/>
+          </a:bodyPr>
+          <a:lstStyle/>
+          <a:p>
+            <a:pPr algn="l"/>
+            <a:r>
+              <a:rPr lang="en-AU" dirty="0" err="1"/>
+              <a:t>aws</a:t>
+            </a:r>
+            <a:r>
+              <a:rPr lang="en-AU" dirty="0"/>
+              <a:t> </a:t>
+            </a:r>
+            <a:r>
+              <a:rPr lang="en-AU" dirty="0" err="1"/>
+              <a:t>ecr</a:t>
+            </a:r>
+            <a:r>
+              <a:rPr lang="en-AU" dirty="0"/>
+              <a:t> get-login --no-include-email --region ap-southeast-2  # use the output to login</a:t>
+            </a:r>
+          </a:p>
+          <a:p>
+            <a:pPr algn="l"/>
+            <a:endParaRPr lang="en-AU" dirty="0"/>
+          </a:p>
+          <a:p>
+            <a:pPr algn="l"/>
+            <a:r>
+              <a:rPr lang="en-AU" dirty="0"/>
+              <a:t>docker build -t </a:t>
+            </a:r>
+            <a:r>
+              <a:rPr lang="en-AU" dirty="0" err="1"/>
+              <a:t>csprepo</a:t>
+            </a:r>
+            <a:r>
+              <a:rPr lang="en-AU" dirty="0"/>
+              <a:t> .</a:t>
+            </a:r>
+          </a:p>
+          <a:p>
+            <a:pPr algn="l"/>
+            <a:endParaRPr lang="en-AU" dirty="0"/>
+          </a:p>
+          <a:p>
+            <a:pPr algn="l"/>
+            <a:r>
+              <a:rPr lang="en-AU" dirty="0"/>
+              <a:t>docker tag </a:t>
+            </a:r>
+            <a:r>
+              <a:rPr lang="en-AU" dirty="0" err="1"/>
+              <a:t>csprepo:latest</a:t>
+            </a:r>
+            <a:r>
+              <a:rPr lang="en-AU" dirty="0"/>
+              <a:t> 276536715930.dkr.ecr.ap-southeast-2.amazonaws.com/</a:t>
+            </a:r>
+            <a:r>
+              <a:rPr lang="en-AU" dirty="0" err="1"/>
+              <a:t>csprepo:latest</a:t>
+            </a:r>
+            <a:endParaRPr lang="en-AU" dirty="0"/>
+          </a:p>
+          <a:p>
+            <a:pPr algn="l"/>
+            <a:endParaRPr lang="en-AU" dirty="0"/>
+          </a:p>
+          <a:p>
+            <a:pPr algn="l"/>
+            <a:r>
+              <a:rPr lang="en-AU" dirty="0"/>
+              <a:t>docker push 276536715930.dkr.ecr.ap-southeast-2.amazonaws.com/</a:t>
+            </a:r>
+            <a:r>
+              <a:rPr lang="en-AU" dirty="0" err="1"/>
+              <a:t>csprepo:latest</a:t>
+            </a:r>
+            <a:endParaRPr lang="en-AU" dirty="0"/>
+          </a:p>
+          <a:p>
+            <a:pPr algn="l"/>
+            <a:endParaRPr lang="en-US" dirty="0"/>
+          </a:p>
+        </p:txBody>
+      </p:sp>
+    </p:spTree>
+    <p:extLst>
+      <p:ext uri="{BB962C8B-B14F-4D97-AF65-F5344CB8AC3E}">
+        <p14:creationId xmlns:p14="http://schemas.microsoft.com/office/powerpoint/2010/main" val="1111772144"/>
+      </p:ext>
+    </p:extLst>
   </p:cSld>
   <p:clrMapOvr>
     <a:masterClrMapping/>
@@ -8009,7 +11457,7 @@
           <a:p>
             <a:r>
               <a:rPr lang="en-US" dirty="0"/>
-              <a:t>Properties of Virtual Machines</a:t>
+              <a:t>Virtualization</a:t>
             </a:r>
           </a:p>
         </p:txBody>
@@ -8032,98 +11480,1794 @@
         </p:spPr>
         <p:txBody>
           <a:bodyPr>
-            <a:normAutofit lnSpcReduction="10000"/>
+            <a:normAutofit/>
           </a:bodyPr>
           <a:lstStyle/>
-          <a:p>
-            <a:r>
-              <a:rPr lang="en-AU" b="1" dirty="0"/>
-              <a:t>Partitioning</a:t>
-            </a:r>
-            <a:endParaRPr lang="en-AU" dirty="0"/>
-          </a:p>
-          <a:p>
-            <a:pPr lvl="1"/>
-            <a:r>
-              <a:rPr lang="en-AU" dirty="0"/>
-              <a:t>Run multiple operating systems on one physical machine.</a:t>
-            </a:r>
-          </a:p>
-          <a:p>
-            <a:pPr lvl="1"/>
-            <a:r>
-              <a:rPr lang="en-AU" dirty="0"/>
-              <a:t>Divide system resources between virtual machines.</a:t>
-            </a:r>
-          </a:p>
-          <a:p>
-            <a:r>
-              <a:rPr lang="en-AU" b="1" dirty="0"/>
-              <a:t>Isolation</a:t>
-            </a:r>
-            <a:endParaRPr lang="en-AU" dirty="0"/>
-          </a:p>
-          <a:p>
-            <a:pPr lvl="1"/>
-            <a:r>
-              <a:rPr lang="en-AU" dirty="0"/>
-              <a:t>Provide fault and security isolation at the hardware level.</a:t>
-            </a:r>
-          </a:p>
-          <a:p>
-            <a:pPr lvl="1"/>
-            <a:r>
-              <a:rPr lang="en-AU" dirty="0"/>
-              <a:t>Preserve performance with advanced resource controls.</a:t>
-            </a:r>
-          </a:p>
-          <a:p>
-            <a:r>
-              <a:rPr lang="en-AU" b="1" dirty="0"/>
-              <a:t>Encapsulation</a:t>
-            </a:r>
-            <a:endParaRPr lang="en-AU" dirty="0"/>
-          </a:p>
-          <a:p>
-            <a:pPr lvl="1"/>
-            <a:r>
-              <a:rPr lang="en-AU" dirty="0"/>
-              <a:t>Save the entire state of a virtual machine to files.</a:t>
-            </a:r>
-          </a:p>
-          <a:p>
-            <a:pPr lvl="1"/>
-            <a:r>
-              <a:rPr lang="en-AU" dirty="0"/>
-              <a:t>Move and copy virtual machines as easily as moving and copying files.</a:t>
-            </a:r>
-          </a:p>
-          <a:p>
-            <a:r>
-              <a:rPr lang="en-AU" b="1" dirty="0"/>
-              <a:t>Hardware Independence</a:t>
-            </a:r>
-            <a:endParaRPr lang="en-AU" dirty="0"/>
-          </a:p>
-          <a:p>
-            <a:pPr lvl="1"/>
-            <a:r>
-              <a:rPr lang="en-AU" dirty="0"/>
-              <a:t>Provision or migrate any virtual machine to any physical server.</a:t>
-            </a:r>
-          </a:p>
           <a:p>
             <a:pPr>
               <a:defRPr/>
             </a:pPr>
-            <a:endParaRPr lang="en-US" dirty="0"/>
+            <a:r>
+              <a:rPr lang="en-US" dirty="0"/>
+              <a:t>Term is somewhat ill-defined, generally</a:t>
+            </a:r>
+          </a:p>
+          <a:p>
+            <a:pPr lvl="1">
+              <a:defRPr/>
+            </a:pPr>
+            <a:r>
+              <a:rPr lang="en-US" dirty="0"/>
+              <a:t>A machine that’s implemented in software, rather than hardware</a:t>
+            </a:r>
+          </a:p>
+          <a:p>
+            <a:pPr lvl="1">
+              <a:defRPr/>
+            </a:pPr>
+            <a:r>
+              <a:rPr lang="en-US" dirty="0"/>
+              <a:t>A self-contained environment that acts like a computer</a:t>
+            </a:r>
+          </a:p>
+          <a:p>
+            <a:pPr lvl="1">
+              <a:defRPr/>
+            </a:pPr>
+            <a:r>
+              <a:rPr lang="en-US" dirty="0"/>
+              <a:t>An abstract specification for a computing device (instruction set, etc.)</a:t>
+            </a:r>
+          </a:p>
+          <a:p>
+            <a:pPr>
+              <a:defRPr/>
+            </a:pPr>
+            <a:r>
+              <a:rPr lang="en-US" dirty="0"/>
+              <a:t>Common distinction:</a:t>
+            </a:r>
+          </a:p>
+          <a:p>
+            <a:pPr lvl="1">
+              <a:defRPr/>
+            </a:pPr>
+            <a:r>
+              <a:rPr lang="en-US" dirty="0"/>
+              <a:t>(language-based) virtual machines </a:t>
+            </a:r>
+          </a:p>
+          <a:p>
+            <a:pPr lvl="2">
+              <a:defRPr/>
+            </a:pPr>
+            <a:r>
+              <a:rPr lang="en-US" dirty="0"/>
+              <a:t>Instruction set usually does not resemble any existing architecture</a:t>
+            </a:r>
+          </a:p>
+          <a:p>
+            <a:pPr lvl="2">
+              <a:defRPr/>
+            </a:pPr>
+            <a:r>
+              <a:rPr lang="en-US" dirty="0"/>
+              <a:t>Java VM, </a:t>
+            </a:r>
+            <a:r>
+              <a:rPr lang="en-US" dirty="0" err="1"/>
+              <a:t>.Net</a:t>
+            </a:r>
+            <a:r>
+              <a:rPr lang="en-US" dirty="0"/>
+              <a:t> CLR, many others</a:t>
+            </a:r>
+          </a:p>
+          <a:p>
+            <a:pPr lvl="1">
+              <a:defRPr/>
+            </a:pPr>
+            <a:r>
+              <a:rPr lang="en-US" dirty="0"/>
+              <a:t>Virtual Machine Monitors (VMM) or Hypervisor</a:t>
+            </a:r>
+          </a:p>
+          <a:p>
+            <a:pPr lvl="2">
+              <a:defRPr/>
+            </a:pPr>
+            <a:r>
+              <a:rPr lang="en-US" dirty="0"/>
+              <a:t>instruction set fully or partially taken from a real architecture</a:t>
+            </a:r>
+          </a:p>
+        </p:txBody>
+      </p:sp>
+    </p:spTree>
+  </p:cSld>
+  <p:clrMapOvr>
+    <a:masterClrMapping/>
+  </p:clrMapOvr>
+</p:sld>
+</file>
+
+<file path=ppt/slides/slide30.xml><?xml version="1.0" encoding="utf-8"?>
+<p:sld xmlns:a="http://schemas.openxmlformats.org/drawingml/2006/main" xmlns:r="http://schemas.openxmlformats.org/officeDocument/2006/relationships" xmlns:p="http://schemas.openxmlformats.org/presentationml/2006/main">
+  <p:cSld>
+    <p:bg>
+      <p:bgPr>
+        <a:solidFill>
+          <a:schemeClr val="bg1"/>
+        </a:solidFill>
+        <a:effectLst/>
+      </p:bgPr>
+    </p:bg>
+    <p:spTree>
+      <p:nvGrpSpPr>
+        <p:cNvPr id="1" name=""/>
+        <p:cNvGrpSpPr/>
+        <p:nvPr/>
+      </p:nvGrpSpPr>
+      <p:grpSpPr>
+        <a:xfrm>
+          <a:off x="0" y="0"/>
+          <a:ext cx="0" cy="0"/>
+          <a:chOff x="0" y="0"/>
+          <a:chExt cx="0" cy="0"/>
+        </a:xfrm>
+      </p:grpSpPr>
+      <p:sp>
+        <p:nvSpPr>
+          <p:cNvPr id="13" name="Rectangle 12">
+            <a:extLst>
+              <a:ext uri="{FF2B5EF4-FFF2-40B4-BE49-F238E27FC236}">
+                <a16:creationId xmlns:a16="http://schemas.microsoft.com/office/drawing/2014/main" id="{6753252F-4873-4F63-801D-CC719279A7D5}"/>
+              </a:ext>
+              <a:ext uri="{C183D7F6-B498-43B3-948B-1728B52AA6E4}">
+                <adec:decorative xmlns:adec="http://schemas.microsoft.com/office/drawing/2017/decorative" val="1"/>
+              </a:ext>
+            </a:extLst>
+          </p:cNvPr>
+          <p:cNvSpPr>
+            <a:spLocks noGrp="1" noRot="1" noChangeAspect="1" noMove="1" noResize="1" noEditPoints="1" noAdjustHandles="1" noChangeArrowheads="1" noChangeShapeType="1" noTextEdit="1"/>
+          </p:cNvSpPr>
+          <p:nvPr>
+            <p:extLst>
+              <p:ext uri="{386F3935-93C4-4BCD-93E2-E3B085C9AB24}">
+                <p16:designElem xmlns:p16="http://schemas.microsoft.com/office/powerpoint/2015/main" val="1"/>
+              </p:ext>
+            </p:extLst>
+          </p:nvPr>
+        </p:nvSpPr>
+        <p:spPr>
+          <a:xfrm>
+            <a:off x="0" y="0"/>
+            <a:ext cx="12192000" cy="6858000"/>
+          </a:xfrm>
+          <a:prstGeom prst="rect">
+            <a:avLst/>
+          </a:prstGeom>
+          <a:solidFill>
+            <a:srgbClr val="FFFFFF"/>
+          </a:solidFill>
+          <a:ln>
+            <a:noFill/>
+          </a:ln>
+        </p:spPr>
+        <p:style>
+          <a:lnRef idx="2">
+            <a:schemeClr val="accent1">
+              <a:shade val="50000"/>
+            </a:schemeClr>
+          </a:lnRef>
+          <a:fillRef idx="1">
+            <a:schemeClr val="accent1"/>
+          </a:fillRef>
+          <a:effectRef idx="0">
+            <a:schemeClr val="accent1"/>
+          </a:effectRef>
+          <a:fontRef idx="minor">
+            <a:schemeClr val="lt1"/>
+          </a:fontRef>
+        </p:style>
+        <p:txBody>
+          <a:bodyPr rtlCol="0" anchor="ctr"/>
+          <a:lstStyle/>
+          <a:p>
+            <a:pPr algn="ctr"/>
+            <a:endParaRPr lang="en-US"/>
+          </a:p>
+        </p:txBody>
+      </p:sp>
+      <p:sp>
+        <p:nvSpPr>
+          <p:cNvPr id="15" name="Rectangle 14">
+            <a:extLst>
+              <a:ext uri="{FF2B5EF4-FFF2-40B4-BE49-F238E27FC236}">
+                <a16:creationId xmlns:a16="http://schemas.microsoft.com/office/drawing/2014/main" id="{047C8CCB-F95D-4249-92DD-651249D3535A}"/>
+              </a:ext>
+              <a:ext uri="{C183D7F6-B498-43B3-948B-1728B52AA6E4}">
+                <adec:decorative xmlns:adec="http://schemas.microsoft.com/office/drawing/2017/decorative" val="1"/>
+              </a:ext>
+            </a:extLst>
+          </p:cNvPr>
+          <p:cNvSpPr>
+            <a:spLocks noGrp="1" noRot="1" noChangeAspect="1" noMove="1" noResize="1" noEditPoints="1" noAdjustHandles="1" noChangeArrowheads="1" noChangeShapeType="1" noTextEdit="1"/>
+          </p:cNvSpPr>
+          <p:nvPr>
+            <p:extLst>
+              <p:ext uri="{386F3935-93C4-4BCD-93E2-E3B085C9AB24}">
+                <p16:designElem xmlns:p16="http://schemas.microsoft.com/office/powerpoint/2015/main" val="1"/>
+              </p:ext>
+            </p:extLst>
+          </p:nvPr>
+        </p:nvSpPr>
+        <p:spPr>
+          <a:xfrm>
+            <a:off x="0" y="0"/>
+            <a:ext cx="2013557" cy="6858000"/>
+          </a:xfrm>
+          <a:prstGeom prst="rect">
+            <a:avLst/>
+          </a:prstGeom>
+          <a:solidFill>
+            <a:srgbClr val="7F7F7F"/>
+          </a:solidFill>
+          <a:ln>
+            <a:noFill/>
+          </a:ln>
+        </p:spPr>
+        <p:style>
+          <a:lnRef idx="2">
+            <a:schemeClr val="accent1">
+              <a:shade val="50000"/>
+            </a:schemeClr>
+          </a:lnRef>
+          <a:fillRef idx="1">
+            <a:schemeClr val="accent1"/>
+          </a:fillRef>
+          <a:effectRef idx="0">
+            <a:schemeClr val="accent1"/>
+          </a:effectRef>
+          <a:fontRef idx="minor">
+            <a:schemeClr val="lt1"/>
+          </a:fontRef>
+        </p:style>
+        <p:txBody>
+          <a:bodyPr rtlCol="0" anchor="ctr"/>
+          <a:lstStyle/>
+          <a:p>
+            <a:pPr algn="ctr"/>
+            <a:endParaRPr lang="en-US"/>
+          </a:p>
+        </p:txBody>
+      </p:sp>
+      <p:sp>
+        <p:nvSpPr>
+          <p:cNvPr id="2" name="Title 1">
+            <a:extLst>
+              <a:ext uri="{FF2B5EF4-FFF2-40B4-BE49-F238E27FC236}">
+                <a16:creationId xmlns:a16="http://schemas.microsoft.com/office/drawing/2014/main" id="{7C18D8C2-63D3-5B44-8646-CB3C18CE37F3}"/>
+              </a:ext>
+            </a:extLst>
+          </p:cNvPr>
+          <p:cNvSpPr>
+            <a:spLocks noGrp="1"/>
+          </p:cNvSpPr>
+          <p:nvPr>
+            <p:ph type="title"/>
+          </p:nvPr>
+        </p:nvSpPr>
+        <p:spPr>
+          <a:xfrm>
+            <a:off x="640080" y="2074363"/>
+            <a:ext cx="2752354" cy="2709275"/>
+          </a:xfrm>
+          <a:prstGeom prst="ellipse">
+            <a:avLst/>
+          </a:prstGeom>
+          <a:solidFill>
+            <a:srgbClr val="262626"/>
+          </a:solidFill>
+          <a:ln w="174625" cmpd="thinThick">
+            <a:solidFill>
+              <a:srgbClr val="262626"/>
+            </a:solidFill>
+          </a:ln>
+        </p:spPr>
+        <p:txBody>
+          <a:bodyPr vert="horz" lIns="91440" tIns="45720" rIns="91440" bIns="45720" rtlCol="0" anchor="ctr">
+            <a:normAutofit/>
+          </a:bodyPr>
+          <a:lstStyle/>
+          <a:p>
+            <a:pPr algn="ctr"/>
+            <a:r>
+              <a:rPr lang="en-US" sz="2600" kern="1200">
+                <a:solidFill>
+                  <a:srgbClr val="FFFFFF"/>
+                </a:solidFill>
+                <a:latin typeface="+mj-lt"/>
+                <a:ea typeface="+mj-ea"/>
+                <a:cs typeface="+mj-cs"/>
+              </a:rPr>
+              <a:t>Select a cluster template</a:t>
+            </a:r>
+          </a:p>
+        </p:txBody>
+      </p:sp>
+      <p:pic>
+        <p:nvPicPr>
+          <p:cNvPr id="10" name="Content Placeholder 6">
+            <a:extLst>
+              <a:ext uri="{FF2B5EF4-FFF2-40B4-BE49-F238E27FC236}">
+                <a16:creationId xmlns:a16="http://schemas.microsoft.com/office/drawing/2014/main" id="{1E2F62AA-AECE-F342-B65B-60B8AC27E907}"/>
+              </a:ext>
+            </a:extLst>
+          </p:cNvPr>
+          <p:cNvPicPr>
+            <a:picLocks noGrp="1" noChangeAspect="1"/>
+          </p:cNvPicPr>
+          <p:nvPr>
+            <p:ph idx="1"/>
+          </p:nvPr>
+        </p:nvPicPr>
+        <p:blipFill>
+          <a:blip r:embed="rId2">
+            <a:extLst>
+              <a:ext uri="{28A0092B-C50C-407E-A947-70E740481C1C}">
+                <a14:useLocalDpi xmlns:a14="http://schemas.microsoft.com/office/drawing/2010/main" val="0"/>
+              </a:ext>
+            </a:extLst>
+          </a:blip>
+          <a:stretch>
+            <a:fillRect/>
+          </a:stretch>
+        </p:blipFill>
+        <p:spPr>
+          <a:xfrm>
+            <a:off x="4025269" y="559398"/>
+            <a:ext cx="7123515" cy="5663195"/>
+          </a:xfrm>
+          <a:prstGeom prst="rect">
+            <a:avLst/>
+          </a:prstGeom>
+        </p:spPr>
+      </p:pic>
+      <p:sp>
+        <p:nvSpPr>
+          <p:cNvPr id="4" name="Footer Placeholder 3">
+            <a:extLst>
+              <a:ext uri="{FF2B5EF4-FFF2-40B4-BE49-F238E27FC236}">
+                <a16:creationId xmlns:a16="http://schemas.microsoft.com/office/drawing/2014/main" id="{0515EBED-C0C8-2146-8EAA-7E96D049268F}"/>
+              </a:ext>
+            </a:extLst>
+          </p:cNvPr>
+          <p:cNvSpPr>
+            <a:spLocks noGrp="1"/>
+          </p:cNvSpPr>
+          <p:nvPr>
+            <p:ph type="ftr" sz="quarter" idx="11"/>
+          </p:nvPr>
+        </p:nvSpPr>
+        <p:spPr>
+          <a:xfrm>
+            <a:off x="4116613" y="6356350"/>
+            <a:ext cx="7032172" cy="365125"/>
+          </a:xfrm>
+        </p:spPr>
+        <p:txBody>
+          <a:bodyPr vert="horz" lIns="91440" tIns="45720" rIns="91440" bIns="45720" rtlCol="0" anchor="ctr">
+            <a:normAutofit/>
+          </a:bodyPr>
+          <a:lstStyle/>
+          <a:p>
+            <a:endParaRPr lang="en-US" sz="1200" kern="1200">
+              <a:solidFill>
+                <a:srgbClr val="898989"/>
+              </a:solidFill>
+              <a:latin typeface="+mn-lt"/>
+              <a:ea typeface="+mn-ea"/>
+              <a:cs typeface="+mn-cs"/>
+            </a:endParaRPr>
+          </a:p>
+        </p:txBody>
+      </p:sp>
+      <p:sp>
+        <p:nvSpPr>
+          <p:cNvPr id="5" name="Slide Number Placeholder 4">
+            <a:extLst>
+              <a:ext uri="{FF2B5EF4-FFF2-40B4-BE49-F238E27FC236}">
+                <a16:creationId xmlns:a16="http://schemas.microsoft.com/office/drawing/2014/main" id="{E3A598A1-15EC-6141-A026-4CC69F0965AE}"/>
+              </a:ext>
+            </a:extLst>
+          </p:cNvPr>
+          <p:cNvSpPr>
+            <a:spLocks noGrp="1"/>
+          </p:cNvSpPr>
+          <p:nvPr>
+            <p:ph type="sldNum" sz="quarter" idx="12"/>
+          </p:nvPr>
+        </p:nvSpPr>
+        <p:spPr>
+          <a:xfrm>
+            <a:off x="11310257" y="6356350"/>
+            <a:ext cx="560009" cy="365125"/>
+          </a:xfrm>
+        </p:spPr>
+        <p:txBody>
+          <a:bodyPr vert="horz" lIns="91440" tIns="45720" rIns="91440" bIns="45720" rtlCol="0" anchor="ctr">
+            <a:normAutofit/>
+          </a:bodyPr>
+          <a:lstStyle/>
+          <a:p>
+            <a:fld id="{05072F42-4DFA-4725-86F9-7594E4AB4EB5}" type="slidenum">
+              <a:rPr lang="en-US">
+                <a:solidFill>
+                  <a:srgbClr val="898989"/>
+                </a:solidFill>
+                <a:latin typeface="+mn-lt"/>
+              </a:rPr>
+              <a:pPr/>
+              <a:t>30</a:t>
+            </a:fld>
+            <a:endParaRPr lang="en-US">
+              <a:solidFill>
+                <a:srgbClr val="898989"/>
+              </a:solidFill>
+              <a:latin typeface="+mn-lt"/>
+            </a:endParaRPr>
           </a:p>
         </p:txBody>
       </p:sp>
     </p:spTree>
     <p:extLst>
       <p:ext uri="{BB962C8B-B14F-4D97-AF65-F5344CB8AC3E}">
-        <p14:creationId xmlns:p14="http://schemas.microsoft.com/office/powerpoint/2010/main" val="1164148757"/>
+        <p14:creationId xmlns:p14="http://schemas.microsoft.com/office/powerpoint/2010/main" val="2428682068"/>
+      </p:ext>
+    </p:extLst>
+  </p:cSld>
+  <p:clrMapOvr>
+    <a:masterClrMapping/>
+  </p:clrMapOvr>
+</p:sld>
+</file>
+
+<file path=ppt/slides/slide31.xml><?xml version="1.0" encoding="utf-8"?>
+<p:sld xmlns:a="http://schemas.openxmlformats.org/drawingml/2006/main" xmlns:r="http://schemas.openxmlformats.org/officeDocument/2006/relationships" xmlns:p="http://schemas.openxmlformats.org/presentationml/2006/main">
+  <p:cSld>
+    <p:spTree>
+      <p:nvGrpSpPr>
+        <p:cNvPr id="1" name=""/>
+        <p:cNvGrpSpPr/>
+        <p:nvPr/>
+      </p:nvGrpSpPr>
+      <p:grpSpPr>
+        <a:xfrm>
+          <a:off x="0" y="0"/>
+          <a:ext cx="0" cy="0"/>
+          <a:chOff x="0" y="0"/>
+          <a:chExt cx="0" cy="0"/>
+        </a:xfrm>
+      </p:grpSpPr>
+      <p:sp>
+        <p:nvSpPr>
+          <p:cNvPr id="2" name="Title 1">
+            <a:extLst>
+              <a:ext uri="{FF2B5EF4-FFF2-40B4-BE49-F238E27FC236}">
+                <a16:creationId xmlns:a16="http://schemas.microsoft.com/office/drawing/2014/main" id="{97F65E7D-1FDF-3447-B9CA-5B591EA2D5C0}"/>
+              </a:ext>
+            </a:extLst>
+          </p:cNvPr>
+          <p:cNvSpPr>
+            <a:spLocks noGrp="1"/>
+          </p:cNvSpPr>
+          <p:nvPr>
+            <p:ph type="title"/>
+          </p:nvPr>
+        </p:nvSpPr>
+        <p:spPr/>
+        <p:txBody>
+          <a:bodyPr/>
+          <a:lstStyle/>
+          <a:p>
+            <a:r>
+              <a:rPr lang="en-US" dirty="0"/>
+              <a:t>Click create cluster</a:t>
+            </a:r>
+          </a:p>
+        </p:txBody>
+      </p:sp>
+      <p:sp>
+        <p:nvSpPr>
+          <p:cNvPr id="3" name="Content Placeholder 2">
+            <a:extLst>
+              <a:ext uri="{FF2B5EF4-FFF2-40B4-BE49-F238E27FC236}">
+                <a16:creationId xmlns:a16="http://schemas.microsoft.com/office/drawing/2014/main" id="{2FD3EA62-E9FC-1044-96B3-F93400D90B04}"/>
+              </a:ext>
+            </a:extLst>
+          </p:cNvPr>
+          <p:cNvSpPr>
+            <a:spLocks noGrp="1"/>
+          </p:cNvSpPr>
+          <p:nvPr>
+            <p:ph idx="1"/>
+          </p:nvPr>
+        </p:nvSpPr>
+        <p:spPr/>
+        <p:txBody>
+          <a:bodyPr/>
+          <a:lstStyle/>
+          <a:p>
+            <a:r>
+              <a:rPr lang="en-US" dirty="0"/>
+              <a:t>Create will create resources based on CloudFormation Stack:</a:t>
+            </a:r>
+          </a:p>
+          <a:p>
+            <a:pPr lvl="1"/>
+            <a:r>
+              <a:rPr lang="en-US" dirty="0"/>
+              <a:t>VPC</a:t>
+            </a:r>
+          </a:p>
+          <a:p>
+            <a:pPr lvl="1"/>
+            <a:r>
+              <a:rPr lang="en-US" dirty="0"/>
+              <a:t>Subnets</a:t>
+            </a:r>
+          </a:p>
+          <a:p>
+            <a:pPr lvl="1"/>
+            <a:r>
+              <a:rPr lang="en-US" dirty="0"/>
+              <a:t>Internet Gateway</a:t>
+            </a:r>
+          </a:p>
+          <a:p>
+            <a:pPr lvl="1"/>
+            <a:r>
+              <a:rPr lang="en-US" dirty="0"/>
+              <a:t>Route tables</a:t>
+            </a:r>
+          </a:p>
+          <a:p>
+            <a:r>
+              <a:rPr lang="en-US" dirty="0"/>
+              <a:t>Note that it doesn’t provision EC2 instances!</a:t>
+            </a:r>
+          </a:p>
+          <a:p>
+            <a:endParaRPr lang="en-US" dirty="0"/>
+          </a:p>
+          <a:p>
+            <a:pPr lvl="1"/>
+            <a:endParaRPr lang="en-US" dirty="0"/>
+          </a:p>
+        </p:txBody>
+      </p:sp>
+      <p:sp>
+        <p:nvSpPr>
+          <p:cNvPr id="4" name="Footer Placeholder 3">
+            <a:extLst>
+              <a:ext uri="{FF2B5EF4-FFF2-40B4-BE49-F238E27FC236}">
+                <a16:creationId xmlns:a16="http://schemas.microsoft.com/office/drawing/2014/main" id="{9CE06DFE-DBAA-AA4D-AA54-1DA9BC41F891}"/>
+              </a:ext>
+            </a:extLst>
+          </p:cNvPr>
+          <p:cNvSpPr>
+            <a:spLocks noGrp="1"/>
+          </p:cNvSpPr>
+          <p:nvPr>
+            <p:ph type="ftr" sz="quarter" idx="11"/>
+          </p:nvPr>
+        </p:nvSpPr>
+        <p:spPr/>
+        <p:txBody>
+          <a:bodyPr/>
+          <a:lstStyle/>
+          <a:p>
+            <a:endParaRPr lang="en-GB" dirty="0"/>
+          </a:p>
+        </p:txBody>
+      </p:sp>
+      <p:sp>
+        <p:nvSpPr>
+          <p:cNvPr id="5" name="Slide Number Placeholder 4">
+            <a:extLst>
+              <a:ext uri="{FF2B5EF4-FFF2-40B4-BE49-F238E27FC236}">
+                <a16:creationId xmlns:a16="http://schemas.microsoft.com/office/drawing/2014/main" id="{80201415-A20A-CD45-94C1-78B292A826C0}"/>
+              </a:ext>
+            </a:extLst>
+          </p:cNvPr>
+          <p:cNvSpPr>
+            <a:spLocks noGrp="1"/>
+          </p:cNvSpPr>
+          <p:nvPr>
+            <p:ph type="sldNum" sz="quarter" idx="12"/>
+          </p:nvPr>
+        </p:nvSpPr>
+        <p:spPr/>
+        <p:txBody>
+          <a:bodyPr/>
+          <a:lstStyle/>
+          <a:p>
+            <a:fld id="{05072F42-4DFA-4725-86F9-7594E4AB4EB5}" type="slidenum">
+              <a:rPr lang="en-GB" smtClean="0"/>
+              <a:pPr/>
+              <a:t>31</a:t>
+            </a:fld>
+            <a:endParaRPr lang="en-GB"/>
+          </a:p>
+        </p:txBody>
+      </p:sp>
+    </p:spTree>
+    <p:extLst>
+      <p:ext uri="{BB962C8B-B14F-4D97-AF65-F5344CB8AC3E}">
+        <p14:creationId xmlns:p14="http://schemas.microsoft.com/office/powerpoint/2010/main" val="1503369600"/>
+      </p:ext>
+    </p:extLst>
+  </p:cSld>
+  <p:clrMapOvr>
+    <a:masterClrMapping/>
+  </p:clrMapOvr>
+</p:sld>
+</file>
+
+<file path=ppt/slides/slide32.xml><?xml version="1.0" encoding="utf-8"?>
+<p:sld xmlns:a="http://schemas.openxmlformats.org/drawingml/2006/main" xmlns:r="http://schemas.openxmlformats.org/officeDocument/2006/relationships" xmlns:p="http://schemas.openxmlformats.org/presentationml/2006/main">
+  <p:cSld>
+    <p:spTree>
+      <p:nvGrpSpPr>
+        <p:cNvPr id="1" name=""/>
+        <p:cNvGrpSpPr/>
+        <p:nvPr/>
+      </p:nvGrpSpPr>
+      <p:grpSpPr>
+        <a:xfrm>
+          <a:off x="0" y="0"/>
+          <a:ext cx="0" cy="0"/>
+          <a:chOff x="0" y="0"/>
+          <a:chExt cx="0" cy="0"/>
+        </a:xfrm>
+      </p:grpSpPr>
+      <p:sp>
+        <p:nvSpPr>
+          <p:cNvPr id="2" name="Title 1">
+            <a:extLst>
+              <a:ext uri="{FF2B5EF4-FFF2-40B4-BE49-F238E27FC236}">
+                <a16:creationId xmlns:a16="http://schemas.microsoft.com/office/drawing/2014/main" id="{D58B2395-CD83-0F4F-A40A-B2A68A695E3B}"/>
+              </a:ext>
+            </a:extLst>
+          </p:cNvPr>
+          <p:cNvSpPr>
+            <a:spLocks noGrp="1"/>
+          </p:cNvSpPr>
+          <p:nvPr>
+            <p:ph type="title"/>
+          </p:nvPr>
+        </p:nvSpPr>
+        <p:spPr/>
+        <p:txBody>
+          <a:bodyPr/>
+          <a:lstStyle/>
+          <a:p>
+            <a:r>
+              <a:rPr lang="en-US" dirty="0"/>
+              <a:t>Create Task</a:t>
+            </a:r>
+          </a:p>
+        </p:txBody>
+      </p:sp>
+      <p:sp>
+        <p:nvSpPr>
+          <p:cNvPr id="3" name="Content Placeholder 2">
+            <a:extLst>
+              <a:ext uri="{FF2B5EF4-FFF2-40B4-BE49-F238E27FC236}">
+                <a16:creationId xmlns:a16="http://schemas.microsoft.com/office/drawing/2014/main" id="{BEFCA136-7793-7447-9662-CC30AB1254B6}"/>
+              </a:ext>
+            </a:extLst>
+          </p:cNvPr>
+          <p:cNvSpPr>
+            <a:spLocks noGrp="1"/>
+          </p:cNvSpPr>
+          <p:nvPr>
+            <p:ph idx="1"/>
+          </p:nvPr>
+        </p:nvSpPr>
+        <p:spPr>
+          <a:xfrm>
+            <a:off x="838200" y="2055813"/>
+            <a:ext cx="10515600" cy="4121150"/>
+          </a:xfrm>
+        </p:spPr>
+        <p:txBody>
+          <a:bodyPr/>
+          <a:lstStyle/>
+          <a:p>
+            <a:r>
+              <a:rPr lang="en-US" dirty="0"/>
+              <a:t>Use </a:t>
+            </a:r>
+            <a:r>
+              <a:rPr lang="en-US" dirty="0" err="1"/>
+              <a:t>Fargate</a:t>
+            </a:r>
+            <a:endParaRPr lang="en-US" dirty="0"/>
+          </a:p>
+          <a:p>
+            <a:pPr lvl="1"/>
+            <a:r>
+              <a:rPr lang="en-US" dirty="0"/>
+              <a:t>Select the permissions, Task Memory and Task CPU</a:t>
+            </a:r>
+          </a:p>
+          <a:p>
+            <a:pPr lvl="1"/>
+            <a:r>
+              <a:rPr lang="en-US" dirty="0"/>
+              <a:t>Add container</a:t>
+            </a:r>
+          </a:p>
+          <a:p>
+            <a:pPr lvl="2"/>
+            <a:r>
+              <a:rPr lang="en-US" dirty="0"/>
+              <a:t>Pull from ECR or other repository</a:t>
+            </a:r>
+          </a:p>
+          <a:p>
+            <a:pPr lvl="2"/>
+            <a:r>
+              <a:rPr lang="en-US" dirty="0"/>
+              <a:t>Specify port mappings</a:t>
+            </a:r>
+          </a:p>
+          <a:p>
+            <a:pPr lvl="2"/>
+            <a:r>
+              <a:rPr lang="en-US" dirty="0"/>
+              <a:t>Can specify range of other parameters</a:t>
+            </a:r>
+          </a:p>
+          <a:p>
+            <a:pPr lvl="3"/>
+            <a:r>
+              <a:rPr lang="en-US" dirty="0" err="1"/>
+              <a:t>Healthcheck</a:t>
+            </a:r>
+            <a:r>
+              <a:rPr lang="en-US" dirty="0"/>
+              <a:t>: is it still functioning</a:t>
+            </a:r>
+          </a:p>
+          <a:p>
+            <a:pPr lvl="3"/>
+            <a:r>
+              <a:rPr lang="en-US" dirty="0"/>
+              <a:t>Environment variables</a:t>
+            </a:r>
+          </a:p>
+          <a:p>
+            <a:pPr lvl="3"/>
+            <a:r>
+              <a:rPr lang="en-US" dirty="0"/>
+              <a:t>Network settings</a:t>
+            </a:r>
+          </a:p>
+          <a:p>
+            <a:pPr lvl="3"/>
+            <a:r>
+              <a:rPr lang="en-US" dirty="0"/>
+              <a:t>Storage and logging</a:t>
+            </a:r>
+          </a:p>
+          <a:p>
+            <a:pPr lvl="3"/>
+            <a:r>
+              <a:rPr lang="en-US" dirty="0"/>
+              <a:t>Resource limits</a:t>
+            </a:r>
+          </a:p>
+        </p:txBody>
+      </p:sp>
+      <p:sp>
+        <p:nvSpPr>
+          <p:cNvPr id="4" name="Footer Placeholder 3">
+            <a:extLst>
+              <a:ext uri="{FF2B5EF4-FFF2-40B4-BE49-F238E27FC236}">
+                <a16:creationId xmlns:a16="http://schemas.microsoft.com/office/drawing/2014/main" id="{D51EAA21-B209-214B-A4A2-1E047E83F02D}"/>
+              </a:ext>
+            </a:extLst>
+          </p:cNvPr>
+          <p:cNvSpPr>
+            <a:spLocks noGrp="1"/>
+          </p:cNvSpPr>
+          <p:nvPr>
+            <p:ph type="ftr" sz="quarter" idx="11"/>
+          </p:nvPr>
+        </p:nvSpPr>
+        <p:spPr/>
+        <p:txBody>
+          <a:bodyPr/>
+          <a:lstStyle/>
+          <a:p>
+            <a:endParaRPr lang="en-GB" dirty="0"/>
+          </a:p>
+        </p:txBody>
+      </p:sp>
+      <p:sp>
+        <p:nvSpPr>
+          <p:cNvPr id="5" name="Slide Number Placeholder 4">
+            <a:extLst>
+              <a:ext uri="{FF2B5EF4-FFF2-40B4-BE49-F238E27FC236}">
+                <a16:creationId xmlns:a16="http://schemas.microsoft.com/office/drawing/2014/main" id="{D3CDA148-D49B-0D4D-9547-5BBB1BBC95DB}"/>
+              </a:ext>
+            </a:extLst>
+          </p:cNvPr>
+          <p:cNvSpPr>
+            <a:spLocks noGrp="1"/>
+          </p:cNvSpPr>
+          <p:nvPr>
+            <p:ph type="sldNum" sz="quarter" idx="12"/>
+          </p:nvPr>
+        </p:nvSpPr>
+        <p:spPr/>
+        <p:txBody>
+          <a:bodyPr/>
+          <a:lstStyle/>
+          <a:p>
+            <a:fld id="{05072F42-4DFA-4725-86F9-7594E4AB4EB5}" type="slidenum">
+              <a:rPr lang="en-GB" smtClean="0"/>
+              <a:pPr/>
+              <a:t>32</a:t>
+            </a:fld>
+            <a:endParaRPr lang="en-GB"/>
+          </a:p>
+        </p:txBody>
+      </p:sp>
+      <p:pic>
+        <p:nvPicPr>
+          <p:cNvPr id="7" name="Picture 6">
+            <a:extLst>
+              <a:ext uri="{FF2B5EF4-FFF2-40B4-BE49-F238E27FC236}">
+                <a16:creationId xmlns:a16="http://schemas.microsoft.com/office/drawing/2014/main" id="{9D882CAA-96E5-BE4A-991C-FC64187A5799}"/>
+              </a:ext>
+            </a:extLst>
+          </p:cNvPr>
+          <p:cNvPicPr>
+            <a:picLocks noChangeAspect="1"/>
+          </p:cNvPicPr>
+          <p:nvPr/>
+        </p:nvPicPr>
+        <p:blipFill>
+          <a:blip r:embed="rId2">
+            <a:extLst>
+              <a:ext uri="{28A0092B-C50C-407E-A947-70E740481C1C}">
+                <a14:useLocalDpi xmlns:a14="http://schemas.microsoft.com/office/drawing/2010/main" val="0"/>
+              </a:ext>
+            </a:extLst>
+          </a:blip>
+          <a:stretch>
+            <a:fillRect/>
+          </a:stretch>
+        </p:blipFill>
+        <p:spPr>
+          <a:xfrm>
+            <a:off x="6545879" y="0"/>
+            <a:ext cx="5511800" cy="2489200"/>
+          </a:xfrm>
+          <a:prstGeom prst="rect">
+            <a:avLst/>
+          </a:prstGeom>
+        </p:spPr>
+      </p:pic>
+    </p:spTree>
+    <p:extLst>
+      <p:ext uri="{BB962C8B-B14F-4D97-AF65-F5344CB8AC3E}">
+        <p14:creationId xmlns:p14="http://schemas.microsoft.com/office/powerpoint/2010/main" val="1296864605"/>
+      </p:ext>
+    </p:extLst>
+  </p:cSld>
+  <p:clrMapOvr>
+    <a:masterClrMapping/>
+  </p:clrMapOvr>
+</p:sld>
+</file>
+
+<file path=ppt/slides/slide33.xml><?xml version="1.0" encoding="utf-8"?>
+<p:sld xmlns:a="http://schemas.openxmlformats.org/drawingml/2006/main" xmlns:r="http://schemas.openxmlformats.org/officeDocument/2006/relationships" xmlns:p="http://schemas.openxmlformats.org/presentationml/2006/main">
+  <p:cSld>
+    <p:spTree>
+      <p:nvGrpSpPr>
+        <p:cNvPr id="1" name=""/>
+        <p:cNvGrpSpPr/>
+        <p:nvPr/>
+      </p:nvGrpSpPr>
+      <p:grpSpPr>
+        <a:xfrm>
+          <a:off x="0" y="0"/>
+          <a:ext cx="0" cy="0"/>
+          <a:chOff x="0" y="0"/>
+          <a:chExt cx="0" cy="0"/>
+        </a:xfrm>
+      </p:grpSpPr>
+      <p:sp>
+        <p:nvSpPr>
+          <p:cNvPr id="2" name="Title 1">
+            <a:extLst>
+              <a:ext uri="{FF2B5EF4-FFF2-40B4-BE49-F238E27FC236}">
+                <a16:creationId xmlns:a16="http://schemas.microsoft.com/office/drawing/2014/main" id="{70D09846-6C35-BE46-A326-D974F52463DA}"/>
+              </a:ext>
+            </a:extLst>
+          </p:cNvPr>
+          <p:cNvSpPr>
+            <a:spLocks noGrp="1"/>
+          </p:cNvSpPr>
+          <p:nvPr>
+            <p:ph type="title"/>
+          </p:nvPr>
+        </p:nvSpPr>
+        <p:spPr/>
+        <p:txBody>
+          <a:bodyPr/>
+          <a:lstStyle/>
+          <a:p>
+            <a:r>
+              <a:rPr lang="en-US" dirty="0"/>
+              <a:t>Run task</a:t>
+            </a:r>
+          </a:p>
+        </p:txBody>
+      </p:sp>
+      <p:sp>
+        <p:nvSpPr>
+          <p:cNvPr id="3" name="Content Placeholder 2">
+            <a:extLst>
+              <a:ext uri="{FF2B5EF4-FFF2-40B4-BE49-F238E27FC236}">
+                <a16:creationId xmlns:a16="http://schemas.microsoft.com/office/drawing/2014/main" id="{57778835-6FC5-C04A-ADBA-04C393D62E8E}"/>
+              </a:ext>
+            </a:extLst>
+          </p:cNvPr>
+          <p:cNvSpPr>
+            <a:spLocks noGrp="1"/>
+          </p:cNvSpPr>
+          <p:nvPr>
+            <p:ph idx="1"/>
+          </p:nvPr>
+        </p:nvSpPr>
+        <p:spPr/>
+        <p:txBody>
+          <a:bodyPr/>
+          <a:lstStyle/>
+          <a:p>
+            <a:r>
+              <a:rPr lang="en-US" dirty="0"/>
+              <a:t>Associate cluster</a:t>
+            </a:r>
+          </a:p>
+          <a:p>
+            <a:r>
+              <a:rPr lang="en-US" dirty="0"/>
+              <a:t>Choose VPC, subnets</a:t>
+            </a:r>
+          </a:p>
+          <a:p>
+            <a:r>
+              <a:rPr lang="en-US" dirty="0"/>
+              <a:t>Allocate memory</a:t>
+            </a:r>
+          </a:p>
+          <a:p>
+            <a:r>
+              <a:rPr lang="en-US" dirty="0"/>
+              <a:t>Allocate roles</a:t>
+            </a:r>
+          </a:p>
+          <a:p>
+            <a:r>
+              <a:rPr lang="en-US" dirty="0"/>
+              <a:t>Run</a:t>
+            </a:r>
+          </a:p>
+        </p:txBody>
+      </p:sp>
+      <p:sp>
+        <p:nvSpPr>
+          <p:cNvPr id="4" name="Footer Placeholder 3">
+            <a:extLst>
+              <a:ext uri="{FF2B5EF4-FFF2-40B4-BE49-F238E27FC236}">
+                <a16:creationId xmlns:a16="http://schemas.microsoft.com/office/drawing/2014/main" id="{E961CFD1-0B89-3245-89E2-4B8373A75F5B}"/>
+              </a:ext>
+            </a:extLst>
+          </p:cNvPr>
+          <p:cNvSpPr>
+            <a:spLocks noGrp="1"/>
+          </p:cNvSpPr>
+          <p:nvPr>
+            <p:ph type="ftr" sz="quarter" idx="11"/>
+          </p:nvPr>
+        </p:nvSpPr>
+        <p:spPr/>
+        <p:txBody>
+          <a:bodyPr/>
+          <a:lstStyle/>
+          <a:p>
+            <a:endParaRPr lang="en-GB" dirty="0"/>
+          </a:p>
+        </p:txBody>
+      </p:sp>
+      <p:sp>
+        <p:nvSpPr>
+          <p:cNvPr id="5" name="Slide Number Placeholder 4">
+            <a:extLst>
+              <a:ext uri="{FF2B5EF4-FFF2-40B4-BE49-F238E27FC236}">
+                <a16:creationId xmlns:a16="http://schemas.microsoft.com/office/drawing/2014/main" id="{9626AA95-7ADB-A54E-84BC-C65E88BE9A8A}"/>
+              </a:ext>
+            </a:extLst>
+          </p:cNvPr>
+          <p:cNvSpPr>
+            <a:spLocks noGrp="1"/>
+          </p:cNvSpPr>
+          <p:nvPr>
+            <p:ph type="sldNum" sz="quarter" idx="12"/>
+          </p:nvPr>
+        </p:nvSpPr>
+        <p:spPr/>
+        <p:txBody>
+          <a:bodyPr/>
+          <a:lstStyle/>
+          <a:p>
+            <a:fld id="{05072F42-4DFA-4725-86F9-7594E4AB4EB5}" type="slidenum">
+              <a:rPr lang="en-GB" smtClean="0"/>
+              <a:pPr/>
+              <a:t>33</a:t>
+            </a:fld>
+            <a:endParaRPr lang="en-GB"/>
+          </a:p>
+        </p:txBody>
+      </p:sp>
+    </p:spTree>
+    <p:extLst>
+      <p:ext uri="{BB962C8B-B14F-4D97-AF65-F5344CB8AC3E}">
+        <p14:creationId xmlns:p14="http://schemas.microsoft.com/office/powerpoint/2010/main" val="663014057"/>
+      </p:ext>
+    </p:extLst>
+  </p:cSld>
+  <p:clrMapOvr>
+    <a:masterClrMapping/>
+  </p:clrMapOvr>
+</p:sld>
+</file>
+
+<file path=ppt/slides/slide34.xml><?xml version="1.0" encoding="utf-8"?>
+<p:sld xmlns:a="http://schemas.openxmlformats.org/drawingml/2006/main" xmlns:r="http://schemas.openxmlformats.org/officeDocument/2006/relationships" xmlns:p="http://schemas.openxmlformats.org/presentationml/2006/main">
+  <p:cSld>
+    <p:spTree>
+      <p:nvGrpSpPr>
+        <p:cNvPr id="1" name=""/>
+        <p:cNvGrpSpPr/>
+        <p:nvPr/>
+      </p:nvGrpSpPr>
+      <p:grpSpPr>
+        <a:xfrm>
+          <a:off x="0" y="0"/>
+          <a:ext cx="0" cy="0"/>
+          <a:chOff x="0" y="0"/>
+          <a:chExt cx="0" cy="0"/>
+        </a:xfrm>
+      </p:grpSpPr>
+      <p:sp>
+        <p:nvSpPr>
+          <p:cNvPr id="2" name="Title 1">
+            <a:extLst>
+              <a:ext uri="{FF2B5EF4-FFF2-40B4-BE49-F238E27FC236}">
+                <a16:creationId xmlns:a16="http://schemas.microsoft.com/office/drawing/2014/main" id="{B4872BC2-9716-1C46-B932-74E8286DA531}"/>
+              </a:ext>
+            </a:extLst>
+          </p:cNvPr>
+          <p:cNvSpPr>
+            <a:spLocks noGrp="1"/>
+          </p:cNvSpPr>
+          <p:nvPr>
+            <p:ph type="title"/>
+          </p:nvPr>
+        </p:nvSpPr>
+        <p:spPr/>
+        <p:txBody>
+          <a:bodyPr/>
+          <a:lstStyle/>
+          <a:p>
+            <a:r>
+              <a:rPr lang="en-US" dirty="0"/>
+              <a:t>Serverless Computing</a:t>
+            </a:r>
+          </a:p>
+        </p:txBody>
+      </p:sp>
+      <p:sp>
+        <p:nvSpPr>
+          <p:cNvPr id="3" name="Content Placeholder 2">
+            <a:extLst>
+              <a:ext uri="{FF2B5EF4-FFF2-40B4-BE49-F238E27FC236}">
+                <a16:creationId xmlns:a16="http://schemas.microsoft.com/office/drawing/2014/main" id="{F6465938-E9FD-F448-8FB0-23BEBAD2EACB}"/>
+              </a:ext>
+            </a:extLst>
+          </p:cNvPr>
+          <p:cNvSpPr>
+            <a:spLocks noGrp="1"/>
+          </p:cNvSpPr>
+          <p:nvPr>
+            <p:ph idx="1"/>
+          </p:nvPr>
+        </p:nvSpPr>
+        <p:spPr/>
+        <p:txBody>
+          <a:bodyPr/>
+          <a:lstStyle/>
+          <a:p>
+            <a:r>
+              <a:rPr lang="en-US" dirty="0" err="1"/>
+              <a:t>Fargate</a:t>
+            </a:r>
+            <a:r>
+              <a:rPr lang="en-US" dirty="0"/>
+              <a:t> is an example of serverless computing</a:t>
+            </a:r>
+          </a:p>
+          <a:p>
+            <a:r>
+              <a:rPr lang="en-US" dirty="0"/>
+              <a:t>Don’t need to worry about operating systems or maintaining VMs</a:t>
+            </a:r>
+          </a:p>
+          <a:p>
+            <a:r>
+              <a:rPr lang="en-US" dirty="0"/>
+              <a:t>Other environment for this is Kubernetes</a:t>
+            </a:r>
+          </a:p>
+          <a:p>
+            <a:r>
+              <a:rPr lang="en-US" dirty="0"/>
+              <a:t>Execution is simply a container or in the case of AWS Lambda just a piece of code</a:t>
+            </a:r>
+          </a:p>
+          <a:p>
+            <a:pPr lvl="1"/>
+            <a:r>
+              <a:rPr lang="en-US" dirty="0"/>
+              <a:t>Difference is between how applications get executed and the choice of development environment</a:t>
+            </a:r>
+          </a:p>
+          <a:p>
+            <a:r>
+              <a:rPr lang="en-US" dirty="0"/>
+              <a:t>Fits in with Micro Service architectures </a:t>
+            </a:r>
+          </a:p>
+          <a:p>
+            <a:pPr marL="457200" lvl="1" indent="0">
+              <a:buNone/>
+            </a:pPr>
+            <a:endParaRPr lang="en-US" dirty="0"/>
+          </a:p>
+        </p:txBody>
+      </p:sp>
+      <p:sp>
+        <p:nvSpPr>
+          <p:cNvPr id="4" name="Footer Placeholder 3">
+            <a:extLst>
+              <a:ext uri="{FF2B5EF4-FFF2-40B4-BE49-F238E27FC236}">
+                <a16:creationId xmlns:a16="http://schemas.microsoft.com/office/drawing/2014/main" id="{3D64A31B-B70A-F14A-9546-3DD3A8E5EEC7}"/>
+              </a:ext>
+            </a:extLst>
+          </p:cNvPr>
+          <p:cNvSpPr>
+            <a:spLocks noGrp="1"/>
+          </p:cNvSpPr>
+          <p:nvPr>
+            <p:ph type="ftr" sz="quarter" idx="11"/>
+          </p:nvPr>
+        </p:nvSpPr>
+        <p:spPr/>
+        <p:txBody>
+          <a:bodyPr/>
+          <a:lstStyle/>
+          <a:p>
+            <a:endParaRPr lang="en-GB" dirty="0"/>
+          </a:p>
+        </p:txBody>
+      </p:sp>
+      <p:sp>
+        <p:nvSpPr>
+          <p:cNvPr id="5" name="Slide Number Placeholder 4">
+            <a:extLst>
+              <a:ext uri="{FF2B5EF4-FFF2-40B4-BE49-F238E27FC236}">
+                <a16:creationId xmlns:a16="http://schemas.microsoft.com/office/drawing/2014/main" id="{D5D6E0DF-8A39-8440-984D-A5FB93CD8EAE}"/>
+              </a:ext>
+            </a:extLst>
+          </p:cNvPr>
+          <p:cNvSpPr>
+            <a:spLocks noGrp="1"/>
+          </p:cNvSpPr>
+          <p:nvPr>
+            <p:ph type="sldNum" sz="quarter" idx="12"/>
+          </p:nvPr>
+        </p:nvSpPr>
+        <p:spPr/>
+        <p:txBody>
+          <a:bodyPr/>
+          <a:lstStyle/>
+          <a:p>
+            <a:fld id="{05072F42-4DFA-4725-86F9-7594E4AB4EB5}" type="slidenum">
+              <a:rPr lang="en-GB" smtClean="0"/>
+              <a:pPr/>
+              <a:t>34</a:t>
+            </a:fld>
+            <a:endParaRPr lang="en-GB"/>
+          </a:p>
+        </p:txBody>
+      </p:sp>
+    </p:spTree>
+    <p:extLst>
+      <p:ext uri="{BB962C8B-B14F-4D97-AF65-F5344CB8AC3E}">
+        <p14:creationId xmlns:p14="http://schemas.microsoft.com/office/powerpoint/2010/main" val="3155002864"/>
+      </p:ext>
+    </p:extLst>
+  </p:cSld>
+  <p:clrMapOvr>
+    <a:masterClrMapping/>
+  </p:clrMapOvr>
+</p:sld>
+</file>
+
+<file path=ppt/slides/slide35.xml><?xml version="1.0" encoding="utf-8"?>
+<p:sld xmlns:a="http://schemas.openxmlformats.org/drawingml/2006/main" xmlns:r="http://schemas.openxmlformats.org/officeDocument/2006/relationships" xmlns:p="http://schemas.openxmlformats.org/presentationml/2006/main">
+  <p:cSld>
+    <p:spTree>
+      <p:nvGrpSpPr>
+        <p:cNvPr id="1" name=""/>
+        <p:cNvGrpSpPr/>
+        <p:nvPr/>
+      </p:nvGrpSpPr>
+      <p:grpSpPr>
+        <a:xfrm>
+          <a:off x="0" y="0"/>
+          <a:ext cx="0" cy="0"/>
+          <a:chOff x="0" y="0"/>
+          <a:chExt cx="0" cy="0"/>
+        </a:xfrm>
+      </p:grpSpPr>
+      <p:sp>
+        <p:nvSpPr>
+          <p:cNvPr id="2" name="Title 1">
+            <a:extLst>
+              <a:ext uri="{FF2B5EF4-FFF2-40B4-BE49-F238E27FC236}">
+                <a16:creationId xmlns:a16="http://schemas.microsoft.com/office/drawing/2014/main" id="{902EEFDC-15AC-2242-B378-9389BF3A25DC}"/>
+              </a:ext>
+            </a:extLst>
+          </p:cNvPr>
+          <p:cNvSpPr>
+            <a:spLocks noGrp="1"/>
+          </p:cNvSpPr>
+          <p:nvPr>
+            <p:ph type="title"/>
+          </p:nvPr>
+        </p:nvSpPr>
+        <p:spPr/>
+        <p:txBody>
+          <a:bodyPr/>
+          <a:lstStyle/>
+          <a:p>
+            <a:r>
+              <a:rPr lang="en-US" dirty="0"/>
+              <a:t>AWS Lambda</a:t>
+            </a:r>
+          </a:p>
+        </p:txBody>
+      </p:sp>
+      <p:sp>
+        <p:nvSpPr>
+          <p:cNvPr id="3" name="Content Placeholder 2">
+            <a:extLst>
+              <a:ext uri="{FF2B5EF4-FFF2-40B4-BE49-F238E27FC236}">
+                <a16:creationId xmlns:a16="http://schemas.microsoft.com/office/drawing/2014/main" id="{5FD4DCD3-29DA-694E-89E4-E8F59ED46B14}"/>
+              </a:ext>
+            </a:extLst>
+          </p:cNvPr>
+          <p:cNvSpPr>
+            <a:spLocks noGrp="1"/>
+          </p:cNvSpPr>
+          <p:nvPr>
+            <p:ph idx="1"/>
+          </p:nvPr>
+        </p:nvSpPr>
+        <p:spPr/>
+        <p:txBody>
+          <a:bodyPr/>
+          <a:lstStyle/>
+          <a:p>
+            <a:r>
+              <a:rPr lang="en-US" dirty="0"/>
+              <a:t>AWS Lambda removes the container details and allows “functions” to be written</a:t>
+            </a:r>
+          </a:p>
+          <a:p>
+            <a:r>
+              <a:rPr lang="en-US" dirty="0"/>
+              <a:t>Supports different programming environments:</a:t>
+            </a:r>
+          </a:p>
+          <a:p>
+            <a:pPr lvl="1"/>
+            <a:r>
+              <a:rPr lang="en-US" dirty="0"/>
+              <a:t>Java, </a:t>
+            </a:r>
+            <a:r>
+              <a:rPr lang="en-US" dirty="0" err="1"/>
+              <a:t>Javscript</a:t>
+            </a:r>
+            <a:r>
+              <a:rPr lang="en-US" dirty="0"/>
+              <a:t>, Python, C#</a:t>
+            </a:r>
+          </a:p>
+          <a:p>
+            <a:r>
+              <a:rPr lang="en-US" dirty="0"/>
+              <a:t>Functions can be connected to “events” coming from a number of different environments:</a:t>
+            </a:r>
+          </a:p>
+          <a:p>
+            <a:pPr lvl="1"/>
+            <a:r>
+              <a:rPr lang="en-US" dirty="0"/>
+              <a:t>HTTP</a:t>
+            </a:r>
+          </a:p>
+          <a:p>
+            <a:pPr lvl="1"/>
+            <a:r>
+              <a:rPr lang="en-US" dirty="0"/>
+              <a:t>IoT</a:t>
+            </a:r>
+          </a:p>
+          <a:p>
+            <a:pPr lvl="1"/>
+            <a:r>
+              <a:rPr lang="en-US" dirty="0"/>
+              <a:t>Mobile</a:t>
+            </a:r>
+          </a:p>
+          <a:p>
+            <a:pPr lvl="1"/>
+            <a:r>
+              <a:rPr lang="en-US" dirty="0"/>
+              <a:t>Other AWS services like Kinesis</a:t>
+            </a:r>
+          </a:p>
+        </p:txBody>
+      </p:sp>
+      <p:sp>
+        <p:nvSpPr>
+          <p:cNvPr id="4" name="Footer Placeholder 3">
+            <a:extLst>
+              <a:ext uri="{FF2B5EF4-FFF2-40B4-BE49-F238E27FC236}">
+                <a16:creationId xmlns:a16="http://schemas.microsoft.com/office/drawing/2014/main" id="{38738054-D5F6-3549-800A-20236EEC2365}"/>
+              </a:ext>
+            </a:extLst>
+          </p:cNvPr>
+          <p:cNvSpPr>
+            <a:spLocks noGrp="1"/>
+          </p:cNvSpPr>
+          <p:nvPr>
+            <p:ph type="ftr" sz="quarter" idx="11"/>
+          </p:nvPr>
+        </p:nvSpPr>
+        <p:spPr/>
+        <p:txBody>
+          <a:bodyPr/>
+          <a:lstStyle/>
+          <a:p>
+            <a:endParaRPr lang="en-GB" dirty="0"/>
+          </a:p>
+        </p:txBody>
+      </p:sp>
+      <p:sp>
+        <p:nvSpPr>
+          <p:cNvPr id="5" name="Slide Number Placeholder 4">
+            <a:extLst>
+              <a:ext uri="{FF2B5EF4-FFF2-40B4-BE49-F238E27FC236}">
+                <a16:creationId xmlns:a16="http://schemas.microsoft.com/office/drawing/2014/main" id="{248DF54B-8A8D-3144-AA1D-88F337127372}"/>
+              </a:ext>
+            </a:extLst>
+          </p:cNvPr>
+          <p:cNvSpPr>
+            <a:spLocks noGrp="1"/>
+          </p:cNvSpPr>
+          <p:nvPr>
+            <p:ph type="sldNum" sz="quarter" idx="12"/>
+          </p:nvPr>
+        </p:nvSpPr>
+        <p:spPr/>
+        <p:txBody>
+          <a:bodyPr/>
+          <a:lstStyle/>
+          <a:p>
+            <a:fld id="{05072F42-4DFA-4725-86F9-7594E4AB4EB5}" type="slidenum">
+              <a:rPr lang="en-GB" smtClean="0"/>
+              <a:pPr/>
+              <a:t>35</a:t>
+            </a:fld>
+            <a:endParaRPr lang="en-GB"/>
+          </a:p>
+        </p:txBody>
+      </p:sp>
+    </p:spTree>
+    <p:extLst>
+      <p:ext uri="{BB962C8B-B14F-4D97-AF65-F5344CB8AC3E}">
+        <p14:creationId xmlns:p14="http://schemas.microsoft.com/office/powerpoint/2010/main" val="4089087680"/>
+      </p:ext>
+    </p:extLst>
+  </p:cSld>
+  <p:clrMapOvr>
+    <a:masterClrMapping/>
+  </p:clrMapOvr>
+</p:sld>
+</file>
+
+<file path=ppt/slides/slide36.xml><?xml version="1.0" encoding="utf-8"?>
+<p:sld xmlns:a="http://schemas.openxmlformats.org/drawingml/2006/main" xmlns:r="http://schemas.openxmlformats.org/officeDocument/2006/relationships" xmlns:p="http://schemas.openxmlformats.org/presentationml/2006/main">
+  <p:cSld>
+    <p:spTree>
+      <p:nvGrpSpPr>
+        <p:cNvPr id="1" name=""/>
+        <p:cNvGrpSpPr/>
+        <p:nvPr/>
+      </p:nvGrpSpPr>
+      <p:grpSpPr>
+        <a:xfrm>
+          <a:off x="0" y="0"/>
+          <a:ext cx="0" cy="0"/>
+          <a:chOff x="0" y="0"/>
+          <a:chExt cx="0" cy="0"/>
+        </a:xfrm>
+      </p:grpSpPr>
+      <p:sp>
+        <p:nvSpPr>
+          <p:cNvPr id="2" name="Title 1">
+            <a:extLst>
+              <a:ext uri="{FF2B5EF4-FFF2-40B4-BE49-F238E27FC236}">
+                <a16:creationId xmlns:a16="http://schemas.microsoft.com/office/drawing/2014/main" id="{58D5A1D8-0998-E94B-BB07-B2EE56131A33}"/>
+              </a:ext>
+            </a:extLst>
+          </p:cNvPr>
+          <p:cNvSpPr>
+            <a:spLocks noGrp="1"/>
+          </p:cNvSpPr>
+          <p:nvPr>
+            <p:ph type="title"/>
+          </p:nvPr>
+        </p:nvSpPr>
+        <p:spPr/>
+        <p:txBody>
+          <a:bodyPr/>
+          <a:lstStyle/>
+          <a:p>
+            <a:r>
+              <a:rPr lang="en-US" dirty="0"/>
+              <a:t>Example</a:t>
+            </a:r>
+          </a:p>
+        </p:txBody>
+      </p:sp>
+      <p:sp>
+        <p:nvSpPr>
+          <p:cNvPr id="3" name="Content Placeholder 2">
+            <a:extLst>
+              <a:ext uri="{FF2B5EF4-FFF2-40B4-BE49-F238E27FC236}">
+                <a16:creationId xmlns:a16="http://schemas.microsoft.com/office/drawing/2014/main" id="{8F1B9474-48AC-0D46-B9F3-D1EB03240B3D}"/>
+              </a:ext>
+            </a:extLst>
+          </p:cNvPr>
+          <p:cNvSpPr>
+            <a:spLocks noGrp="1"/>
+          </p:cNvSpPr>
+          <p:nvPr>
+            <p:ph idx="1"/>
+          </p:nvPr>
+        </p:nvSpPr>
+        <p:spPr/>
+        <p:txBody>
+          <a:bodyPr/>
+          <a:lstStyle/>
+          <a:p>
+            <a:r>
+              <a:rPr lang="en-US" dirty="0"/>
+              <a:t>Functions need to be packaged and uploaded as zip files</a:t>
+            </a:r>
+          </a:p>
+          <a:p>
+            <a:r>
+              <a:rPr lang="en-US" dirty="0"/>
+              <a:t>Can be tested locally using SAM CLI – doing much of the same thing as Docker</a:t>
+            </a:r>
+          </a:p>
+          <a:p>
+            <a:r>
+              <a:rPr lang="en-US" dirty="0"/>
+              <a:t>functions can also be edited using AWS Lambda Console Editor</a:t>
+            </a:r>
+          </a:p>
+          <a:p>
+            <a:r>
+              <a:rPr lang="en-US" dirty="0"/>
+              <a:t>Create a function</a:t>
+            </a:r>
+          </a:p>
+          <a:p>
+            <a:pPr lvl="1"/>
+            <a:r>
+              <a:rPr lang="en-US" dirty="0"/>
+              <a:t>Choose language</a:t>
+            </a:r>
+          </a:p>
+          <a:p>
+            <a:pPr lvl="1"/>
+            <a:r>
+              <a:rPr lang="en-US" dirty="0"/>
+              <a:t>Role</a:t>
+            </a:r>
+          </a:p>
+          <a:p>
+            <a:pPr lvl="1"/>
+            <a:r>
+              <a:rPr lang="en-US" dirty="0"/>
+              <a:t>Template</a:t>
+            </a:r>
+          </a:p>
+          <a:p>
+            <a:r>
+              <a:rPr lang="en-US" dirty="0"/>
+              <a:t>Edit code and test</a:t>
+            </a:r>
+          </a:p>
+        </p:txBody>
+      </p:sp>
+      <p:sp>
+        <p:nvSpPr>
+          <p:cNvPr id="4" name="Footer Placeholder 3">
+            <a:extLst>
+              <a:ext uri="{FF2B5EF4-FFF2-40B4-BE49-F238E27FC236}">
+                <a16:creationId xmlns:a16="http://schemas.microsoft.com/office/drawing/2014/main" id="{5429F802-2CCF-7746-AB73-2C67A655F026}"/>
+              </a:ext>
+            </a:extLst>
+          </p:cNvPr>
+          <p:cNvSpPr>
+            <a:spLocks noGrp="1"/>
+          </p:cNvSpPr>
+          <p:nvPr>
+            <p:ph type="ftr" sz="quarter" idx="11"/>
+          </p:nvPr>
+        </p:nvSpPr>
+        <p:spPr/>
+        <p:txBody>
+          <a:bodyPr/>
+          <a:lstStyle/>
+          <a:p>
+            <a:endParaRPr lang="en-GB" dirty="0"/>
+          </a:p>
+        </p:txBody>
+      </p:sp>
+      <p:sp>
+        <p:nvSpPr>
+          <p:cNvPr id="5" name="Slide Number Placeholder 4">
+            <a:extLst>
+              <a:ext uri="{FF2B5EF4-FFF2-40B4-BE49-F238E27FC236}">
+                <a16:creationId xmlns:a16="http://schemas.microsoft.com/office/drawing/2014/main" id="{300317FE-4E6B-0940-80C2-30BE5CA4214E}"/>
+              </a:ext>
+            </a:extLst>
+          </p:cNvPr>
+          <p:cNvSpPr>
+            <a:spLocks noGrp="1"/>
+          </p:cNvSpPr>
+          <p:nvPr>
+            <p:ph type="sldNum" sz="quarter" idx="12"/>
+          </p:nvPr>
+        </p:nvSpPr>
+        <p:spPr/>
+        <p:txBody>
+          <a:bodyPr/>
+          <a:lstStyle/>
+          <a:p>
+            <a:fld id="{05072F42-4DFA-4725-86F9-7594E4AB4EB5}" type="slidenum">
+              <a:rPr lang="en-GB" smtClean="0"/>
+              <a:pPr/>
+              <a:t>36</a:t>
+            </a:fld>
+            <a:endParaRPr lang="en-GB"/>
+          </a:p>
+        </p:txBody>
+      </p:sp>
+    </p:spTree>
+    <p:extLst>
+      <p:ext uri="{BB962C8B-B14F-4D97-AF65-F5344CB8AC3E}">
+        <p14:creationId xmlns:p14="http://schemas.microsoft.com/office/powerpoint/2010/main" val="2726648283"/>
+      </p:ext>
+    </p:extLst>
+  </p:cSld>
+  <p:clrMapOvr>
+    <a:masterClrMapping/>
+  </p:clrMapOvr>
+</p:sld>
+</file>
+
+<file path=ppt/slides/slide37.xml><?xml version="1.0" encoding="utf-8"?>
+<p:sld xmlns:a="http://schemas.openxmlformats.org/drawingml/2006/main" xmlns:r="http://schemas.openxmlformats.org/officeDocument/2006/relationships" xmlns:p="http://schemas.openxmlformats.org/presentationml/2006/main">
+  <p:cSld>
+    <p:spTree>
+      <p:nvGrpSpPr>
+        <p:cNvPr id="1" name=""/>
+        <p:cNvGrpSpPr/>
+        <p:nvPr/>
+      </p:nvGrpSpPr>
+      <p:grpSpPr>
+        <a:xfrm>
+          <a:off x="0" y="0"/>
+          <a:ext cx="0" cy="0"/>
+          <a:chOff x="0" y="0"/>
+          <a:chExt cx="0" cy="0"/>
+        </a:xfrm>
+      </p:grpSpPr>
+      <p:sp>
+        <p:nvSpPr>
+          <p:cNvPr id="2" name="Title 1">
+            <a:extLst>
+              <a:ext uri="{FF2B5EF4-FFF2-40B4-BE49-F238E27FC236}">
+                <a16:creationId xmlns:a16="http://schemas.microsoft.com/office/drawing/2014/main" id="{1AB6678D-D973-A64C-8AA3-2862F8DEC3FF}"/>
+              </a:ext>
+            </a:extLst>
+          </p:cNvPr>
+          <p:cNvSpPr>
+            <a:spLocks noGrp="1"/>
+          </p:cNvSpPr>
+          <p:nvPr>
+            <p:ph type="title"/>
+          </p:nvPr>
+        </p:nvSpPr>
+        <p:spPr/>
+        <p:txBody>
+          <a:bodyPr/>
+          <a:lstStyle/>
+          <a:p>
+            <a:r>
+              <a:rPr lang="en-US" dirty="0"/>
+              <a:t>Add an API Gateway	</a:t>
+            </a:r>
+          </a:p>
+        </p:txBody>
+      </p:sp>
+      <p:sp>
+        <p:nvSpPr>
+          <p:cNvPr id="3" name="Content Placeholder 2">
+            <a:extLst>
+              <a:ext uri="{FF2B5EF4-FFF2-40B4-BE49-F238E27FC236}">
+                <a16:creationId xmlns:a16="http://schemas.microsoft.com/office/drawing/2014/main" id="{B5A7F230-24CC-CA43-B5AB-2475BA6093A4}"/>
+              </a:ext>
+            </a:extLst>
+          </p:cNvPr>
+          <p:cNvSpPr>
+            <a:spLocks noGrp="1"/>
+          </p:cNvSpPr>
+          <p:nvPr>
+            <p:ph idx="1"/>
+          </p:nvPr>
+        </p:nvSpPr>
+        <p:spPr/>
+        <p:txBody>
+          <a:bodyPr/>
+          <a:lstStyle/>
+          <a:p>
+            <a:r>
+              <a:rPr lang="en-US" dirty="0"/>
+              <a:t>Simple way to associate a URL with a specific function</a:t>
+            </a:r>
+          </a:p>
+          <a:p>
+            <a:r>
+              <a:rPr lang="en-US" dirty="0"/>
+              <a:t>Allows the specification of functions associated with specific HTTP operations (GET, POST, </a:t>
+            </a:r>
+            <a:r>
+              <a:rPr lang="en-US" dirty="0" err="1"/>
+              <a:t>etc</a:t>
+            </a:r>
+            <a:r>
+              <a:rPr lang="en-US" dirty="0"/>
+              <a:t>)</a:t>
+            </a:r>
+          </a:p>
+          <a:p>
+            <a:r>
+              <a:rPr lang="en-US" dirty="0"/>
+              <a:t>Supports CORS Cross Origin Resource Sharing</a:t>
+            </a:r>
+          </a:p>
+          <a:p>
+            <a:r>
+              <a:rPr lang="en-US" dirty="0"/>
+              <a:t>Makes taking </a:t>
+            </a:r>
+            <a:r>
+              <a:rPr lang="en-US"/>
+              <a:t>parameters easy</a:t>
+            </a:r>
+            <a:endParaRPr lang="en-US" dirty="0"/>
+          </a:p>
+        </p:txBody>
+      </p:sp>
+      <p:sp>
+        <p:nvSpPr>
+          <p:cNvPr id="4" name="Footer Placeholder 3">
+            <a:extLst>
+              <a:ext uri="{FF2B5EF4-FFF2-40B4-BE49-F238E27FC236}">
+                <a16:creationId xmlns:a16="http://schemas.microsoft.com/office/drawing/2014/main" id="{A962622D-BBCF-9A41-A974-5B395D37F553}"/>
+              </a:ext>
+            </a:extLst>
+          </p:cNvPr>
+          <p:cNvSpPr>
+            <a:spLocks noGrp="1"/>
+          </p:cNvSpPr>
+          <p:nvPr>
+            <p:ph type="ftr" sz="quarter" idx="11"/>
+          </p:nvPr>
+        </p:nvSpPr>
+        <p:spPr/>
+        <p:txBody>
+          <a:bodyPr/>
+          <a:lstStyle/>
+          <a:p>
+            <a:endParaRPr lang="en-GB" dirty="0"/>
+          </a:p>
+        </p:txBody>
+      </p:sp>
+      <p:sp>
+        <p:nvSpPr>
+          <p:cNvPr id="5" name="Slide Number Placeholder 4">
+            <a:extLst>
+              <a:ext uri="{FF2B5EF4-FFF2-40B4-BE49-F238E27FC236}">
+                <a16:creationId xmlns:a16="http://schemas.microsoft.com/office/drawing/2014/main" id="{AC5B06C9-B20C-6548-A2BF-8226C66215B5}"/>
+              </a:ext>
+            </a:extLst>
+          </p:cNvPr>
+          <p:cNvSpPr>
+            <a:spLocks noGrp="1"/>
+          </p:cNvSpPr>
+          <p:nvPr>
+            <p:ph type="sldNum" sz="quarter" idx="12"/>
+          </p:nvPr>
+        </p:nvSpPr>
+        <p:spPr/>
+        <p:txBody>
+          <a:bodyPr/>
+          <a:lstStyle/>
+          <a:p>
+            <a:fld id="{05072F42-4DFA-4725-86F9-7594E4AB4EB5}" type="slidenum">
+              <a:rPr lang="en-GB" smtClean="0"/>
+              <a:pPr/>
+              <a:t>37</a:t>
+            </a:fld>
+            <a:endParaRPr lang="en-GB"/>
+          </a:p>
+        </p:txBody>
+      </p:sp>
+    </p:spTree>
+    <p:extLst>
+      <p:ext uri="{BB962C8B-B14F-4D97-AF65-F5344CB8AC3E}">
+        <p14:creationId xmlns:p14="http://schemas.microsoft.com/office/powerpoint/2010/main" val="2806103396"/>
       </p:ext>
     </p:extLst>
   </p:cSld>
@@ -8167,7 +13311,7 @@
           <a:p>
             <a:r>
               <a:rPr lang="en-US" dirty="0"/>
-              <a:t>History</a:t>
+              <a:t>Properties of Virtual Machines</a:t>
             </a:r>
           </a:p>
         </p:txBody>
@@ -8190,74 +13334,85 @@
         </p:spPr>
         <p:txBody>
           <a:bodyPr>
-            <a:normAutofit/>
+            <a:normAutofit lnSpcReduction="10000"/>
           </a:bodyPr>
           <a:lstStyle/>
           <a:p>
-            <a:pPr>
-              <a:defRPr/>
-            </a:pPr>
-            <a:r>
-              <a:rPr lang="en-US" dirty="0"/>
-              <a:t>First VM architected by IBM in 1972 VM/370 to provide full VM of mainframe machine</a:t>
-            </a:r>
-          </a:p>
-          <a:p>
-            <a:pPr>
-              <a:defRPr/>
-            </a:pPr>
-            <a:r>
-              <a:rPr lang="en-US" dirty="0"/>
-              <a:t>1997 Virtual PC for Mac by Connectix</a:t>
-            </a:r>
-          </a:p>
-          <a:p>
-            <a:pPr>
-              <a:defRPr/>
-            </a:pPr>
-            <a:r>
-              <a:rPr lang="en-US" dirty="0"/>
-              <a:t>1999 VMware’s VMware Virtual Platform</a:t>
-            </a:r>
-          </a:p>
-          <a:p>
-            <a:pPr>
-              <a:defRPr/>
-            </a:pPr>
-            <a:r>
-              <a:rPr lang="en-US" dirty="0"/>
-              <a:t>2003 Open Source hypervisor Xen</a:t>
-            </a:r>
-          </a:p>
-          <a:p>
-            <a:pPr>
-              <a:defRPr/>
-            </a:pPr>
-            <a:r>
-              <a:rPr lang="en-US" dirty="0"/>
-              <a:t>2005 VMware Player – free VM player</a:t>
-            </a:r>
-          </a:p>
-          <a:p>
-            <a:pPr>
-              <a:defRPr/>
-            </a:pPr>
-            <a:r>
-              <a:rPr lang="en-US" dirty="0"/>
-              <a:t>2007 </a:t>
-            </a:r>
-            <a:r>
-              <a:rPr lang="en-US" dirty="0" err="1"/>
-              <a:t>VirtualBox</a:t>
-            </a:r>
-            <a:endParaRPr lang="en-US" dirty="0"/>
-          </a:p>
-          <a:p>
-            <a:pPr marL="0" indent="0">
-              <a:buNone/>
-              <a:defRPr/>
-            </a:pPr>
-            <a:endParaRPr lang="en-US" dirty="0"/>
+            <a:r>
+              <a:rPr lang="en-AU" b="1" dirty="0"/>
+              <a:t>Partitioning</a:t>
+            </a:r>
+            <a:endParaRPr lang="en-AU" dirty="0"/>
+          </a:p>
+          <a:p>
+            <a:pPr lvl="1"/>
+            <a:r>
+              <a:rPr lang="en-AU" dirty="0"/>
+              <a:t>Run multiple operating systems on one physical machine.</a:t>
+            </a:r>
+          </a:p>
+          <a:p>
+            <a:pPr lvl="1"/>
+            <a:r>
+              <a:rPr lang="en-AU" dirty="0"/>
+              <a:t>Divide system resources between virtual machines.</a:t>
+            </a:r>
+          </a:p>
+          <a:p>
+            <a:r>
+              <a:rPr lang="en-AU" b="1" dirty="0"/>
+              <a:t>Isolation</a:t>
+            </a:r>
+            <a:endParaRPr lang="en-AU" dirty="0"/>
+          </a:p>
+          <a:p>
+            <a:pPr lvl="1"/>
+            <a:r>
+              <a:rPr lang="en-AU" dirty="0"/>
+              <a:t>Provide fault and security isolation at the hardware level.</a:t>
+            </a:r>
+          </a:p>
+          <a:p>
+            <a:pPr lvl="1"/>
+            <a:r>
+              <a:rPr lang="en-AU" dirty="0"/>
+              <a:t>Preserve performance with advanced resource controls.</a:t>
+            </a:r>
+          </a:p>
+          <a:p>
+            <a:r>
+              <a:rPr lang="en-AU" b="1" dirty="0"/>
+              <a:t>Encapsulation</a:t>
+            </a:r>
+            <a:endParaRPr lang="en-AU" dirty="0"/>
+          </a:p>
+          <a:p>
+            <a:pPr lvl="1"/>
+            <a:r>
+              <a:rPr lang="en-AU" dirty="0"/>
+              <a:t>Save the entire state of a virtual machine to files.</a:t>
+            </a:r>
+          </a:p>
+          <a:p>
+            <a:pPr lvl="1"/>
+            <a:r>
+              <a:rPr lang="en-AU" dirty="0"/>
+              <a:t>Move and copy virtual machines as easily as moving and copying files.</a:t>
+            </a:r>
+          </a:p>
+          <a:p>
+            <a:r>
+              <a:rPr lang="en-AU" b="1" dirty="0"/>
+              <a:t>Hardware Independence</a:t>
+            </a:r>
+            <a:endParaRPr lang="en-AU" dirty="0"/>
+          </a:p>
+          <a:p>
+            <a:pPr lvl="1"/>
+            <a:r>
+              <a:rPr lang="en-AU" dirty="0"/>
+              <a:t>Provision or migrate any virtual machine to any physical server.</a:t>
+            </a:r>
           </a:p>
           <a:p>
             <a:pPr>
@@ -8265,30 +13420,12 @@
             </a:pPr>
             <a:endParaRPr lang="en-US" dirty="0"/>
           </a:p>
-          <a:p>
-            <a:pPr>
-              <a:defRPr/>
-            </a:pPr>
-            <a:endParaRPr lang="en-US" dirty="0"/>
-          </a:p>
-          <a:p>
-            <a:pPr>
-              <a:defRPr/>
-            </a:pPr>
-            <a:endParaRPr lang="en-US" dirty="0"/>
-          </a:p>
-          <a:p>
-            <a:pPr>
-              <a:defRPr/>
-            </a:pPr>
-            <a:endParaRPr lang="en-US" dirty="0"/>
-          </a:p>
         </p:txBody>
       </p:sp>
     </p:spTree>
     <p:extLst>
       <p:ext uri="{BB962C8B-B14F-4D97-AF65-F5344CB8AC3E}">
-        <p14:creationId xmlns:p14="http://schemas.microsoft.com/office/powerpoint/2010/main" val="3872065017"/>
+        <p14:creationId xmlns:p14="http://schemas.microsoft.com/office/powerpoint/2010/main" val="1164148757"/>
       </p:ext>
     </p:extLst>
   </p:cSld>
@@ -8325,25 +13462,15 @@
             <p:ph type="title"/>
           </p:nvPr>
         </p:nvSpPr>
-        <p:spPr>
-          <a:xfrm>
-            <a:off x="193623" y="245203"/>
-            <a:ext cx="10515600" cy="1325563"/>
-          </a:xfrm>
-        </p:spPr>
+        <p:spPr/>
         <p:txBody>
           <a:bodyPr/>
           <a:lstStyle/>
           <a:p>
             <a:r>
               <a:rPr lang="en-US" dirty="0"/>
-              <a:t>Types of </a:t>
-            </a:r>
-            <a:r>
-              <a:rPr lang="en-US" dirty="0" err="1"/>
-              <a:t>Virtualisation</a:t>
-            </a:r>
-            <a:endParaRPr lang="en-US" dirty="0"/>
+              <a:t>History</a:t>
+            </a:r>
           </a:p>
         </p:txBody>
       </p:sp>
@@ -8369,6 +13496,65 @@
           </a:bodyPr>
           <a:lstStyle/>
           <a:p>
+            <a:pPr>
+              <a:defRPr/>
+            </a:pPr>
+            <a:r>
+              <a:rPr lang="en-US" dirty="0"/>
+              <a:t>First VM architected by IBM in 1972 VM/370 to provide full VM of mainframe machine</a:t>
+            </a:r>
+          </a:p>
+          <a:p>
+            <a:pPr>
+              <a:defRPr/>
+            </a:pPr>
+            <a:r>
+              <a:rPr lang="en-US" dirty="0"/>
+              <a:t>1997 Virtual PC for Mac by Connectix</a:t>
+            </a:r>
+          </a:p>
+          <a:p>
+            <a:pPr>
+              <a:defRPr/>
+            </a:pPr>
+            <a:r>
+              <a:rPr lang="en-US" dirty="0"/>
+              <a:t>1999 VMware’s VMware Virtual Platform</a:t>
+            </a:r>
+          </a:p>
+          <a:p>
+            <a:pPr>
+              <a:defRPr/>
+            </a:pPr>
+            <a:r>
+              <a:rPr lang="en-US" dirty="0"/>
+              <a:t>2003 Open Source hypervisor Xen</a:t>
+            </a:r>
+          </a:p>
+          <a:p>
+            <a:pPr>
+              <a:defRPr/>
+            </a:pPr>
+            <a:r>
+              <a:rPr lang="en-US" dirty="0"/>
+              <a:t>2005 VMware Player – free VM player</a:t>
+            </a:r>
+          </a:p>
+          <a:p>
+            <a:pPr>
+              <a:defRPr/>
+            </a:pPr>
+            <a:r>
+              <a:rPr lang="en-US" dirty="0"/>
+              <a:t>2007 </a:t>
+            </a:r>
+            <a:r>
+              <a:rPr lang="en-US" dirty="0" err="1"/>
+              <a:t>VirtualBox</a:t>
+            </a:r>
+            <a:endParaRPr lang="en-US" dirty="0"/>
+          </a:p>
+          <a:p>
             <a:pPr marL="0" indent="0">
               <a:buNone/>
               <a:defRPr/>
@@ -8401,155 +13587,10 @@
           </a:p>
         </p:txBody>
       </p:sp>
-      <p:pic>
-        <p:nvPicPr>
-          <p:cNvPr id="8" name="Picture 7">
-            <a:extLst>
-              <a:ext uri="{FF2B5EF4-FFF2-40B4-BE49-F238E27FC236}">
-                <a16:creationId xmlns:a16="http://schemas.microsoft.com/office/drawing/2014/main" id="{F538A610-4603-1647-8700-4240104B65B5}"/>
-              </a:ext>
-            </a:extLst>
-          </p:cNvPr>
-          <p:cNvPicPr>
-            <a:picLocks noChangeAspect="1"/>
-          </p:cNvPicPr>
-          <p:nvPr/>
-        </p:nvPicPr>
-        <p:blipFill>
-          <a:blip r:embed="rId3"/>
-          <a:stretch>
-            <a:fillRect/>
-          </a:stretch>
-        </p:blipFill>
-        <p:spPr>
-          <a:xfrm rot="5400000">
-            <a:off x="3486634" y="-2619734"/>
-            <a:ext cx="5023784" cy="12661683"/>
-          </a:xfrm>
-          <a:prstGeom prst="rect">
-            <a:avLst/>
-          </a:prstGeom>
-        </p:spPr>
-      </p:pic>
-      <p:sp>
-        <p:nvSpPr>
-          <p:cNvPr id="9" name="TextBox 8">
-            <a:extLst>
-              <a:ext uri="{FF2B5EF4-FFF2-40B4-BE49-F238E27FC236}">
-                <a16:creationId xmlns:a16="http://schemas.microsoft.com/office/drawing/2014/main" id="{7AE55E1C-FF35-4A4F-908C-C1F018B44C3B}"/>
-              </a:ext>
-            </a:extLst>
-          </p:cNvPr>
-          <p:cNvSpPr txBox="1"/>
-          <p:nvPr/>
-        </p:nvSpPr>
-        <p:spPr>
-          <a:xfrm>
-            <a:off x="360976" y="6498555"/>
-            <a:ext cx="1391663" cy="276999"/>
-          </a:xfrm>
-          <a:prstGeom prst="rect">
-            <a:avLst/>
-          </a:prstGeom>
-          <a:noFill/>
-        </p:spPr>
-        <p:txBody>
-          <a:bodyPr wrap="none" rtlCol="0">
-            <a:spAutoFit/>
-          </a:bodyPr>
-          <a:lstStyle/>
-          <a:p>
-            <a:r>
-              <a:rPr lang="en-US" sz="1200" dirty="0"/>
-              <a:t>Courtesy VMWare</a:t>
-            </a:r>
-          </a:p>
-        </p:txBody>
-      </p:sp>
-      <p:sp>
-        <p:nvSpPr>
-          <p:cNvPr id="11" name="TextBox 10">
-            <a:extLst>
-              <a:ext uri="{FF2B5EF4-FFF2-40B4-BE49-F238E27FC236}">
-                <a16:creationId xmlns:a16="http://schemas.microsoft.com/office/drawing/2014/main" id="{16D8DA7C-A7AD-914A-9AE6-ED8AC1972FA2}"/>
-              </a:ext>
-            </a:extLst>
-          </p:cNvPr>
-          <p:cNvSpPr txBox="1"/>
-          <p:nvPr/>
-        </p:nvSpPr>
-        <p:spPr>
-          <a:xfrm>
-            <a:off x="8876326" y="5725465"/>
-            <a:ext cx="2477474" cy="400110"/>
-          </a:xfrm>
-          <a:prstGeom prst="rect">
-            <a:avLst/>
-          </a:prstGeom>
-          <a:noFill/>
-        </p:spPr>
-        <p:txBody>
-          <a:bodyPr wrap="none" rtlCol="0">
-            <a:spAutoFit/>
-          </a:bodyPr>
-          <a:lstStyle/>
-          <a:p>
-            <a:r>
-              <a:rPr lang="en-US" dirty="0"/>
-              <a:t>Type 1 </a:t>
-            </a:r>
-            <a:r>
-              <a:rPr lang="en-US" dirty="0" err="1"/>
-              <a:t>Virtualisation</a:t>
-            </a:r>
-            <a:endParaRPr lang="en-US" dirty="0"/>
-          </a:p>
-        </p:txBody>
-      </p:sp>
-      <p:sp>
-        <p:nvSpPr>
-          <p:cNvPr id="12" name="TextBox 11">
-            <a:extLst>
-              <a:ext uri="{FF2B5EF4-FFF2-40B4-BE49-F238E27FC236}">
-                <a16:creationId xmlns:a16="http://schemas.microsoft.com/office/drawing/2014/main" id="{C3D89569-017A-CC48-8381-83A5E4784706}"/>
-              </a:ext>
-            </a:extLst>
-          </p:cNvPr>
-          <p:cNvSpPr txBox="1"/>
-          <p:nvPr/>
-        </p:nvSpPr>
-        <p:spPr>
-          <a:xfrm>
-            <a:off x="4759789" y="5760613"/>
-            <a:ext cx="2477473" cy="400110"/>
-          </a:xfrm>
-          <a:prstGeom prst="rect">
-            <a:avLst/>
-          </a:prstGeom>
-          <a:noFill/>
-        </p:spPr>
-        <p:txBody>
-          <a:bodyPr wrap="none" rtlCol="0">
-            <a:spAutoFit/>
-          </a:bodyPr>
-          <a:lstStyle/>
-          <a:p>
-            <a:r>
-              <a:rPr lang="en-US" dirty="0"/>
-              <a:t>Type 2 </a:t>
-            </a:r>
-            <a:r>
-              <a:rPr lang="en-US" dirty="0" err="1"/>
-              <a:t>Virtualisation</a:t>
-            </a:r>
-            <a:endParaRPr lang="en-US" dirty="0"/>
-          </a:p>
-        </p:txBody>
-      </p:sp>
     </p:spTree>
     <p:extLst>
       <p:ext uri="{BB962C8B-B14F-4D97-AF65-F5344CB8AC3E}">
-        <p14:creationId xmlns:p14="http://schemas.microsoft.com/office/powerpoint/2010/main" val="1960271206"/>
+        <p14:creationId xmlns:p14="http://schemas.microsoft.com/office/powerpoint/2010/main" val="3872065017"/>
       </p:ext>
     </p:extLst>
   </p:cSld>
@@ -8586,15 +13627,25 @@
             <p:ph type="title"/>
           </p:nvPr>
         </p:nvSpPr>
-        <p:spPr/>
+        <p:spPr>
+          <a:xfrm>
+            <a:off x="193623" y="245203"/>
+            <a:ext cx="10515600" cy="1325563"/>
+          </a:xfrm>
+        </p:spPr>
         <p:txBody>
           <a:bodyPr/>
           <a:lstStyle/>
           <a:p>
             <a:r>
               <a:rPr lang="en-US" dirty="0"/>
-              <a:t>VM Components</a:t>
-            </a:r>
+              <a:t>Types of </a:t>
+            </a:r>
+            <a:r>
+              <a:rPr lang="en-US" dirty="0" err="1"/>
+              <a:t>Virtualisation</a:t>
+            </a:r>
+            <a:endParaRPr lang="en-US" dirty="0"/>
           </a:p>
         </p:txBody>
       </p:sp>
@@ -8616,90 +13667,9 @@
         </p:spPr>
         <p:txBody>
           <a:bodyPr>
-            <a:normAutofit lnSpcReduction="10000"/>
+            <a:normAutofit/>
           </a:bodyPr>
           <a:lstStyle/>
-          <a:p>
-            <a:pPr>
-              <a:defRPr/>
-            </a:pPr>
-            <a:r>
-              <a:rPr lang="en-US" dirty="0" err="1"/>
-              <a:t>Virtualise</a:t>
-            </a:r>
-            <a:r>
-              <a:rPr lang="en-US" dirty="0"/>
-              <a:t> hardware</a:t>
-            </a:r>
-          </a:p>
-          <a:p>
-            <a:pPr lvl="1">
-              <a:defRPr/>
-            </a:pPr>
-            <a:r>
-              <a:rPr lang="en-US" dirty="0"/>
-              <a:t>CPU</a:t>
-            </a:r>
-          </a:p>
-          <a:p>
-            <a:pPr lvl="1">
-              <a:defRPr/>
-            </a:pPr>
-            <a:r>
-              <a:rPr lang="en-US" dirty="0"/>
-              <a:t>Memory</a:t>
-            </a:r>
-          </a:p>
-          <a:p>
-            <a:pPr lvl="1">
-              <a:defRPr/>
-            </a:pPr>
-            <a:r>
-              <a:rPr lang="en-US" dirty="0"/>
-              <a:t>Network interfaces</a:t>
-            </a:r>
-          </a:p>
-          <a:p>
-            <a:pPr lvl="1">
-              <a:defRPr/>
-            </a:pPr>
-            <a:r>
-              <a:rPr lang="en-US" dirty="0"/>
-              <a:t>Disks</a:t>
-            </a:r>
-          </a:p>
-          <a:p>
-            <a:pPr>
-              <a:defRPr/>
-            </a:pPr>
-            <a:r>
-              <a:rPr lang="en-US" dirty="0"/>
-              <a:t>VM is stored as a file and so can be saved and migrated along with apps and configuration information</a:t>
-            </a:r>
-          </a:p>
-          <a:p>
-            <a:pPr>
-              <a:defRPr/>
-            </a:pPr>
-            <a:r>
-              <a:rPr lang="en-US" dirty="0"/>
-              <a:t>The aim is to run Operating Systems unchanged however, there is </a:t>
-            </a:r>
-            <a:r>
-              <a:rPr lang="en-US" dirty="0" err="1"/>
-              <a:t>Parvirtualization</a:t>
-            </a:r>
-            <a:endParaRPr lang="en-US" dirty="0"/>
-          </a:p>
-          <a:p>
-            <a:pPr lvl="1">
-              <a:defRPr/>
-            </a:pPr>
-            <a:r>
-              <a:rPr lang="en-US" dirty="0"/>
-              <a:t>VM OS knows about virtualization and makes specific calls (approach taken by Xen VM)</a:t>
-            </a:r>
-          </a:p>
           <a:p>
             <a:pPr marL="0" indent="0">
               <a:buNone/>
@@ -8733,10 +13703,155 @@
           </a:p>
         </p:txBody>
       </p:sp>
+      <p:pic>
+        <p:nvPicPr>
+          <p:cNvPr id="8" name="Picture 7">
+            <a:extLst>
+              <a:ext uri="{FF2B5EF4-FFF2-40B4-BE49-F238E27FC236}">
+                <a16:creationId xmlns:a16="http://schemas.microsoft.com/office/drawing/2014/main" id="{F538A610-4603-1647-8700-4240104B65B5}"/>
+              </a:ext>
+            </a:extLst>
+          </p:cNvPr>
+          <p:cNvPicPr>
+            <a:picLocks noChangeAspect="1"/>
+          </p:cNvPicPr>
+          <p:nvPr/>
+        </p:nvPicPr>
+        <p:blipFill>
+          <a:blip r:embed="rId3"/>
+          <a:stretch>
+            <a:fillRect/>
+          </a:stretch>
+        </p:blipFill>
+        <p:spPr>
+          <a:xfrm rot="5400000">
+            <a:off x="3486634" y="-2619734"/>
+            <a:ext cx="5023784" cy="12661683"/>
+          </a:xfrm>
+          <a:prstGeom prst="rect">
+            <a:avLst/>
+          </a:prstGeom>
+        </p:spPr>
+      </p:pic>
+      <p:sp>
+        <p:nvSpPr>
+          <p:cNvPr id="9" name="TextBox 8">
+            <a:extLst>
+              <a:ext uri="{FF2B5EF4-FFF2-40B4-BE49-F238E27FC236}">
+                <a16:creationId xmlns:a16="http://schemas.microsoft.com/office/drawing/2014/main" id="{7AE55E1C-FF35-4A4F-908C-C1F018B44C3B}"/>
+              </a:ext>
+            </a:extLst>
+          </p:cNvPr>
+          <p:cNvSpPr txBox="1"/>
+          <p:nvPr/>
+        </p:nvSpPr>
+        <p:spPr>
+          <a:xfrm>
+            <a:off x="360976" y="6498555"/>
+            <a:ext cx="1391663" cy="276999"/>
+          </a:xfrm>
+          <a:prstGeom prst="rect">
+            <a:avLst/>
+          </a:prstGeom>
+          <a:noFill/>
+        </p:spPr>
+        <p:txBody>
+          <a:bodyPr wrap="none" rtlCol="0">
+            <a:spAutoFit/>
+          </a:bodyPr>
+          <a:lstStyle/>
+          <a:p>
+            <a:r>
+              <a:rPr lang="en-US" sz="1200" dirty="0"/>
+              <a:t>Courtesy VMWare</a:t>
+            </a:r>
+          </a:p>
+        </p:txBody>
+      </p:sp>
+      <p:sp>
+        <p:nvSpPr>
+          <p:cNvPr id="11" name="TextBox 10">
+            <a:extLst>
+              <a:ext uri="{FF2B5EF4-FFF2-40B4-BE49-F238E27FC236}">
+                <a16:creationId xmlns:a16="http://schemas.microsoft.com/office/drawing/2014/main" id="{16D8DA7C-A7AD-914A-9AE6-ED8AC1972FA2}"/>
+              </a:ext>
+            </a:extLst>
+          </p:cNvPr>
+          <p:cNvSpPr txBox="1"/>
+          <p:nvPr/>
+        </p:nvSpPr>
+        <p:spPr>
+          <a:xfrm>
+            <a:off x="8876326" y="5725465"/>
+            <a:ext cx="2477474" cy="400110"/>
+          </a:xfrm>
+          <a:prstGeom prst="rect">
+            <a:avLst/>
+          </a:prstGeom>
+          <a:noFill/>
+        </p:spPr>
+        <p:txBody>
+          <a:bodyPr wrap="none" rtlCol="0">
+            <a:spAutoFit/>
+          </a:bodyPr>
+          <a:lstStyle/>
+          <a:p>
+            <a:r>
+              <a:rPr lang="en-US" dirty="0"/>
+              <a:t>Type 1 </a:t>
+            </a:r>
+            <a:r>
+              <a:rPr lang="en-US" dirty="0" err="1"/>
+              <a:t>Virtualisation</a:t>
+            </a:r>
+            <a:endParaRPr lang="en-US" dirty="0"/>
+          </a:p>
+        </p:txBody>
+      </p:sp>
+      <p:sp>
+        <p:nvSpPr>
+          <p:cNvPr id="12" name="TextBox 11">
+            <a:extLst>
+              <a:ext uri="{FF2B5EF4-FFF2-40B4-BE49-F238E27FC236}">
+                <a16:creationId xmlns:a16="http://schemas.microsoft.com/office/drawing/2014/main" id="{C3D89569-017A-CC48-8381-83A5E4784706}"/>
+              </a:ext>
+            </a:extLst>
+          </p:cNvPr>
+          <p:cNvSpPr txBox="1"/>
+          <p:nvPr/>
+        </p:nvSpPr>
+        <p:spPr>
+          <a:xfrm>
+            <a:off x="4759789" y="5760613"/>
+            <a:ext cx="2477473" cy="400110"/>
+          </a:xfrm>
+          <a:prstGeom prst="rect">
+            <a:avLst/>
+          </a:prstGeom>
+          <a:noFill/>
+        </p:spPr>
+        <p:txBody>
+          <a:bodyPr wrap="none" rtlCol="0">
+            <a:spAutoFit/>
+          </a:bodyPr>
+          <a:lstStyle/>
+          <a:p>
+            <a:r>
+              <a:rPr lang="en-US" dirty="0"/>
+              <a:t>Type 2 </a:t>
+            </a:r>
+            <a:r>
+              <a:rPr lang="en-US" dirty="0" err="1"/>
+              <a:t>Virtualisation</a:t>
+            </a:r>
+            <a:endParaRPr lang="en-US" dirty="0"/>
+          </a:p>
+        </p:txBody>
+      </p:sp>
     </p:spTree>
     <p:extLst>
       <p:ext uri="{BB962C8B-B14F-4D97-AF65-F5344CB8AC3E}">
-        <p14:creationId xmlns:p14="http://schemas.microsoft.com/office/powerpoint/2010/main" val="1968584134"/>
+        <p14:creationId xmlns:p14="http://schemas.microsoft.com/office/powerpoint/2010/main" val="1960271206"/>
       </p:ext>
     </p:extLst>
   </p:cSld>
@@ -8780,6 +13895,193 @@
           <a:p>
             <a:r>
               <a:rPr lang="en-US" dirty="0"/>
+              <a:t>VM Components</a:t>
+            </a:r>
+          </a:p>
+        </p:txBody>
+      </p:sp>
+      <p:sp>
+        <p:nvSpPr>
+          <p:cNvPr id="3" name="Content Placeholder 2"/>
+          <p:cNvSpPr>
+            <a:spLocks noGrp="1"/>
+          </p:cNvSpPr>
+          <p:nvPr>
+            <p:ph idx="1"/>
+          </p:nvPr>
+        </p:nvSpPr>
+        <p:spPr>
+          <a:xfrm>
+            <a:off x="708409" y="1690688"/>
+            <a:ext cx="10645391" cy="4532312"/>
+          </a:xfrm>
+        </p:spPr>
+        <p:txBody>
+          <a:bodyPr>
+            <a:normAutofit lnSpcReduction="10000"/>
+          </a:bodyPr>
+          <a:lstStyle/>
+          <a:p>
+            <a:pPr>
+              <a:defRPr/>
+            </a:pPr>
+            <a:r>
+              <a:rPr lang="en-US" dirty="0" err="1"/>
+              <a:t>Virtualise</a:t>
+            </a:r>
+            <a:r>
+              <a:rPr lang="en-US" dirty="0"/>
+              <a:t> hardware</a:t>
+            </a:r>
+          </a:p>
+          <a:p>
+            <a:pPr lvl="1">
+              <a:defRPr/>
+            </a:pPr>
+            <a:r>
+              <a:rPr lang="en-US" dirty="0"/>
+              <a:t>CPU</a:t>
+            </a:r>
+          </a:p>
+          <a:p>
+            <a:pPr lvl="1">
+              <a:defRPr/>
+            </a:pPr>
+            <a:r>
+              <a:rPr lang="en-US" dirty="0"/>
+              <a:t>Memory</a:t>
+            </a:r>
+          </a:p>
+          <a:p>
+            <a:pPr lvl="1">
+              <a:defRPr/>
+            </a:pPr>
+            <a:r>
+              <a:rPr lang="en-US" dirty="0"/>
+              <a:t>Network interfaces</a:t>
+            </a:r>
+          </a:p>
+          <a:p>
+            <a:pPr lvl="1">
+              <a:defRPr/>
+            </a:pPr>
+            <a:r>
+              <a:rPr lang="en-US" dirty="0"/>
+              <a:t>Disks</a:t>
+            </a:r>
+          </a:p>
+          <a:p>
+            <a:pPr>
+              <a:defRPr/>
+            </a:pPr>
+            <a:r>
+              <a:rPr lang="en-US" dirty="0"/>
+              <a:t>VM is stored as a file and so can be saved and migrated along with apps and configuration information</a:t>
+            </a:r>
+          </a:p>
+          <a:p>
+            <a:pPr>
+              <a:defRPr/>
+            </a:pPr>
+            <a:r>
+              <a:rPr lang="en-US" dirty="0"/>
+              <a:t>The aim is to run Operating Systems unchanged however, there is </a:t>
+            </a:r>
+            <a:r>
+              <a:rPr lang="en-US" dirty="0" err="1"/>
+              <a:t>Parvirtualization</a:t>
+            </a:r>
+            <a:endParaRPr lang="en-US" dirty="0"/>
+          </a:p>
+          <a:p>
+            <a:pPr lvl="1">
+              <a:defRPr/>
+            </a:pPr>
+            <a:r>
+              <a:rPr lang="en-US" dirty="0"/>
+              <a:t>VM OS knows about virtualization and makes specific calls (approach taken by Xen VM)</a:t>
+            </a:r>
+          </a:p>
+          <a:p>
+            <a:pPr marL="0" indent="0">
+              <a:buNone/>
+              <a:defRPr/>
+            </a:pPr>
+            <a:endParaRPr lang="en-US" dirty="0"/>
+          </a:p>
+          <a:p>
+            <a:pPr>
+              <a:defRPr/>
+            </a:pPr>
+            <a:endParaRPr lang="en-US" dirty="0"/>
+          </a:p>
+          <a:p>
+            <a:pPr>
+              <a:defRPr/>
+            </a:pPr>
+            <a:endParaRPr lang="en-US" dirty="0"/>
+          </a:p>
+          <a:p>
+            <a:pPr>
+              <a:defRPr/>
+            </a:pPr>
+            <a:endParaRPr lang="en-US" dirty="0"/>
+          </a:p>
+          <a:p>
+            <a:pPr>
+              <a:defRPr/>
+            </a:pPr>
+            <a:endParaRPr lang="en-US" dirty="0"/>
+          </a:p>
+        </p:txBody>
+      </p:sp>
+    </p:spTree>
+    <p:extLst>
+      <p:ext uri="{BB962C8B-B14F-4D97-AF65-F5344CB8AC3E}">
+        <p14:creationId xmlns:p14="http://schemas.microsoft.com/office/powerpoint/2010/main" val="1968584134"/>
+      </p:ext>
+    </p:extLst>
+  </p:cSld>
+  <p:clrMapOvr>
+    <a:masterClrMapping/>
+  </p:clrMapOvr>
+</p:sld>
+</file>
+
+<file path=ppt/slides/slide8.xml><?xml version="1.0" encoding="utf-8"?>
+<p:sld xmlns:a="http://schemas.openxmlformats.org/drawingml/2006/main" xmlns:r="http://schemas.openxmlformats.org/officeDocument/2006/relationships" xmlns:p="http://schemas.openxmlformats.org/presentationml/2006/main">
+  <p:cSld>
+    <p:spTree>
+      <p:nvGrpSpPr>
+        <p:cNvPr id="1" name=""/>
+        <p:cNvGrpSpPr/>
+        <p:nvPr/>
+      </p:nvGrpSpPr>
+      <p:grpSpPr>
+        <a:xfrm>
+          <a:off x="0" y="0"/>
+          <a:ext cx="0" cy="0"/>
+          <a:chOff x="0" y="0"/>
+          <a:chExt cx="0" cy="0"/>
+        </a:xfrm>
+      </p:grpSpPr>
+      <p:sp>
+        <p:nvSpPr>
+          <p:cNvPr id="2" name="Title 1"/>
+          <p:cNvSpPr>
+            <a:spLocks noGrp="1"/>
+          </p:cNvSpPr>
+          <p:nvPr>
+            <p:ph type="title"/>
+          </p:nvPr>
+        </p:nvSpPr>
+        <p:spPr/>
+        <p:txBody>
+          <a:bodyPr/>
+          <a:lstStyle/>
+          <a:p>
+            <a:r>
+              <a:rPr lang="en-US" dirty="0"/>
               <a:t>How it works</a:t>
             </a:r>
           </a:p>
@@ -8899,7 +14201,7 @@
 </p:sld>
 </file>
 
-<file path=ppt/slides/slide8.xml><?xml version="1.0" encoding="utf-8"?>
+<file path=ppt/slides/slide9.xml><?xml version="1.0" encoding="utf-8"?>
 <p:sld xmlns:a="http://schemas.openxmlformats.org/drawingml/2006/main" xmlns:r="http://schemas.openxmlformats.org/officeDocument/2006/relationships" xmlns:p="http://schemas.openxmlformats.org/presentationml/2006/main">
   <p:cSld>
     <p:spTree>
@@ -11518,174 +16820,6 @@
     <p:extLst>
       <p:ext uri="{BB962C8B-B14F-4D97-AF65-F5344CB8AC3E}">
         <p14:creationId xmlns:p14="http://schemas.microsoft.com/office/powerpoint/2010/main" val="2364513454"/>
-      </p:ext>
-    </p:extLst>
-  </p:cSld>
-  <p:clrMapOvr>
-    <a:masterClrMapping/>
-  </p:clrMapOvr>
-</p:sld>
-</file>
-
-<file path=ppt/slides/slide9.xml><?xml version="1.0" encoding="utf-8"?>
-<p:sld xmlns:a="http://schemas.openxmlformats.org/drawingml/2006/main" xmlns:r="http://schemas.openxmlformats.org/officeDocument/2006/relationships" xmlns:p="http://schemas.openxmlformats.org/presentationml/2006/main">
-  <p:cSld>
-    <p:spTree>
-      <p:nvGrpSpPr>
-        <p:cNvPr id="1" name=""/>
-        <p:cNvGrpSpPr/>
-        <p:nvPr/>
-      </p:nvGrpSpPr>
-      <p:grpSpPr>
-        <a:xfrm>
-          <a:off x="0" y="0"/>
-          <a:ext cx="0" cy="0"/>
-          <a:chOff x="0" y="0"/>
-          <a:chExt cx="0" cy="0"/>
-        </a:xfrm>
-      </p:grpSpPr>
-      <p:sp>
-        <p:nvSpPr>
-          <p:cNvPr id="2" name="Title 1"/>
-          <p:cNvSpPr>
-            <a:spLocks noGrp="1"/>
-          </p:cNvSpPr>
-          <p:nvPr>
-            <p:ph type="title"/>
-          </p:nvPr>
-        </p:nvSpPr>
-        <p:spPr/>
-        <p:txBody>
-          <a:bodyPr/>
-          <a:lstStyle/>
-          <a:p>
-            <a:r>
-              <a:rPr lang="en-US" dirty="0"/>
-              <a:t>AWS VM</a:t>
-            </a:r>
-          </a:p>
-        </p:txBody>
-      </p:sp>
-      <p:sp>
-        <p:nvSpPr>
-          <p:cNvPr id="3" name="Content Placeholder 2"/>
-          <p:cNvSpPr>
-            <a:spLocks noGrp="1"/>
-          </p:cNvSpPr>
-          <p:nvPr>
-            <p:ph idx="1"/>
-          </p:nvPr>
-        </p:nvSpPr>
-        <p:spPr>
-          <a:xfrm>
-            <a:off x="708409" y="1690688"/>
-            <a:ext cx="10645391" cy="4532312"/>
-          </a:xfrm>
-        </p:spPr>
-        <p:txBody>
-          <a:bodyPr>
-            <a:normAutofit/>
-          </a:bodyPr>
-          <a:lstStyle/>
-          <a:p>
-            <a:pPr>
-              <a:defRPr/>
-            </a:pPr>
-            <a:r>
-              <a:rPr lang="en-US" dirty="0"/>
-              <a:t>AWS uses different configurations that use Xen</a:t>
-            </a:r>
-          </a:p>
-          <a:p>
-            <a:pPr>
-              <a:defRPr/>
-            </a:pPr>
-            <a:r>
-              <a:rPr lang="en-US" dirty="0"/>
-              <a:t>AWS Nitro – a hypervisor based on KVM</a:t>
-            </a:r>
-          </a:p>
-          <a:p>
-            <a:pPr>
-              <a:defRPr/>
-            </a:pPr>
-            <a:r>
-              <a:rPr lang="en-US" dirty="0"/>
-              <a:t>AWS also offers actual ”bare metal” machines – with no virtualization</a:t>
-            </a:r>
-          </a:p>
-          <a:p>
-            <a:pPr>
-              <a:defRPr/>
-            </a:pPr>
-            <a:r>
-              <a:rPr lang="en-US" dirty="0"/>
-              <a:t>Different VM types are represented by AMIs that are either</a:t>
-            </a:r>
-          </a:p>
-          <a:p>
-            <a:pPr lvl="1">
-              <a:defRPr/>
-            </a:pPr>
-            <a:r>
-              <a:rPr lang="en-US" dirty="0"/>
-              <a:t>PV </a:t>
-            </a:r>
-            <a:r>
-              <a:rPr lang="en-US" dirty="0" err="1"/>
-              <a:t>paravirtual</a:t>
-            </a:r>
-            <a:r>
-              <a:rPr lang="en-US" dirty="0"/>
-              <a:t> (Linux only)</a:t>
-            </a:r>
-          </a:p>
-          <a:p>
-            <a:pPr lvl="1">
-              <a:defRPr/>
-            </a:pPr>
-            <a:r>
-              <a:rPr lang="en-US" dirty="0"/>
-              <a:t>HVM hardware virtual machine (Linux and Windows)</a:t>
-            </a:r>
-          </a:p>
-          <a:p>
-            <a:pPr marL="0" indent="0">
-              <a:buNone/>
-              <a:defRPr/>
-            </a:pPr>
-            <a:endParaRPr lang="en-US" dirty="0"/>
-          </a:p>
-          <a:p>
-            <a:pPr>
-              <a:defRPr/>
-            </a:pPr>
-            <a:endParaRPr lang="en-US" dirty="0"/>
-          </a:p>
-          <a:p>
-            <a:pPr>
-              <a:defRPr/>
-            </a:pPr>
-            <a:endParaRPr lang="en-US" dirty="0"/>
-          </a:p>
-          <a:p>
-            <a:pPr>
-              <a:defRPr/>
-            </a:pPr>
-            <a:endParaRPr lang="en-US" dirty="0"/>
-          </a:p>
-          <a:p>
-            <a:pPr>
-              <a:defRPr/>
-            </a:pPr>
-            <a:endParaRPr lang="en-US" dirty="0"/>
-          </a:p>
-        </p:txBody>
-      </p:sp>
-    </p:spTree>
-    <p:extLst>
-      <p:ext uri="{BB962C8B-B14F-4D97-AF65-F5344CB8AC3E}">
-        <p14:creationId xmlns:p14="http://schemas.microsoft.com/office/powerpoint/2010/main" val="3059773872"/>
       </p:ext>
     </p:extLst>
   </p:cSld>
